--- a/lab8/CS50 Lab 8.pptx
+++ b/lab8/CS50 Lab 8.pptx
@@ -5,23 +5,31 @@
     <p:sldMasterId id="2147483705" r:id="rId4"/>
   </p:sldMasterIdLst>
   <p:notesMasterIdLst>
-    <p:notesMasterId r:id="rId16"/>
+    <p:notesMasterId r:id="rId24"/>
   </p:notesMasterIdLst>
   <p:handoutMasterIdLst>
-    <p:handoutMasterId r:id="rId17"/>
+    <p:handoutMasterId r:id="rId25"/>
   </p:handoutMasterIdLst>
   <p:sldIdLst>
     <p:sldId id="1866" r:id="rId5"/>
-    <p:sldId id="1889" r:id="rId6"/>
-    <p:sldId id="1868" r:id="rId7"/>
-    <p:sldId id="1909" r:id="rId8"/>
-    <p:sldId id="1913" r:id="rId9"/>
-    <p:sldId id="1910" r:id="rId10"/>
-    <p:sldId id="1908" r:id="rId11"/>
-    <p:sldId id="1911" r:id="rId12"/>
-    <p:sldId id="1912" r:id="rId13"/>
-    <p:sldId id="1870" r:id="rId14"/>
-    <p:sldId id="1874" r:id="rId15"/>
+    <p:sldId id="1868" r:id="rId6"/>
+    <p:sldId id="1909" r:id="rId7"/>
+    <p:sldId id="1917" r:id="rId8"/>
+    <p:sldId id="1918" r:id="rId9"/>
+    <p:sldId id="1919" r:id="rId10"/>
+    <p:sldId id="1920" r:id="rId11"/>
+    <p:sldId id="1921" r:id="rId12"/>
+    <p:sldId id="1922" r:id="rId13"/>
+    <p:sldId id="1924" r:id="rId14"/>
+    <p:sldId id="1923" r:id="rId15"/>
+    <p:sldId id="1913" r:id="rId16"/>
+    <p:sldId id="1925" r:id="rId17"/>
+    <p:sldId id="1910" r:id="rId18"/>
+    <p:sldId id="1914" r:id="rId19"/>
+    <p:sldId id="1916" r:id="rId20"/>
+    <p:sldId id="1908" r:id="rId21"/>
+    <p:sldId id="1870" r:id="rId22"/>
+    <p:sldId id="1874" r:id="rId23"/>
   </p:sldIdLst>
   <p:sldSz cx="12192000" cy="6858000"/>
   <p:notesSz cx="6858000" cy="9144000"/>
@@ -156,14 +164,22 @@
         <p14:section name="Lines theme" id="{EE9670AD-028C-4190-AAA8-2AF0F3B1E372}">
           <p14:sldIdLst>
             <p14:sldId id="1866"/>
-            <p14:sldId id="1889"/>
             <p14:sldId id="1868"/>
             <p14:sldId id="1909"/>
+            <p14:sldId id="1917"/>
+            <p14:sldId id="1918"/>
+            <p14:sldId id="1919"/>
+            <p14:sldId id="1920"/>
+            <p14:sldId id="1921"/>
+            <p14:sldId id="1922"/>
+            <p14:sldId id="1924"/>
+            <p14:sldId id="1923"/>
             <p14:sldId id="1913"/>
+            <p14:sldId id="1925"/>
             <p14:sldId id="1910"/>
+            <p14:sldId id="1914"/>
+            <p14:sldId id="1916"/>
             <p14:sldId id="1908"/>
-            <p14:sldId id="1911"/>
-            <p14:sldId id="1912"/>
             <p14:sldId id="1870"/>
             <p14:sldId id="1874"/>
           </p14:sldIdLst>
@@ -199,6 +215,14 @@
     </p:ext>
   </p:extLst>
 </p:presentation>
+</file>
+
+<file path=ppt/revisionInfo.xml><?xml version="1.0" encoding="utf-8"?>
+<p1510:revInfo xmlns:a="http://schemas.openxmlformats.org/drawingml/2006/main" xmlns:r="http://schemas.openxmlformats.org/officeDocument/2006/relationships" xmlns:p1510="http://schemas.microsoft.com/office/powerpoint/2015/10/main">
+  <p1510:revLst>
+    <p1510:client id="{40E47910-EB4D-4C38-BCAC-E332E313F31D}" v="13" dt="2022-11-03T17:25:24.480"/>
+  </p1510:revLst>
+</p1510:revInfo>
 </file>
 
 <file path=ppt/changesInfos/changesInfo1.xml><?xml version="1.0" encoding="utf-8"?>
@@ -2664,8 +2688,8 @@
   </pc:docChgLst>
   <pc:docChgLst>
     <pc:chgData name="Andrew Holmes" userId="eb9da5768798d098" providerId="LiveId" clId="{40E47910-EB4D-4C38-BCAC-E332E313F31D}"/>
-    <pc:docChg chg="undo custSel addSld delSld modSld modSection">
-      <pc:chgData name="Andrew Holmes" userId="eb9da5768798d098" providerId="LiveId" clId="{40E47910-EB4D-4C38-BCAC-E332E313F31D}" dt="2022-10-22T00:46:38.865" v="541" actId="20577"/>
+    <pc:docChg chg="undo custSel addSld delSld modSld sldOrd modSection">
+      <pc:chgData name="Andrew Holmes" userId="eb9da5768798d098" providerId="LiveId" clId="{40E47910-EB4D-4C38-BCAC-E332E313F31D}" dt="2022-11-03T17:56:06.909" v="3899" actId="20577"/>
       <pc:docMkLst>
         <pc:docMk/>
       </pc:docMkLst>
@@ -2685,13 +2709,13 @@
         </pc:spChg>
       </pc:sldChg>
       <pc:sldChg chg="modSp mod">
-        <pc:chgData name="Andrew Holmes" userId="eb9da5768798d098" providerId="LiveId" clId="{40E47910-EB4D-4C38-BCAC-E332E313F31D}" dt="2022-10-21T20:05:56.938" v="9" actId="20577"/>
+        <pc:chgData name="Andrew Holmes" userId="eb9da5768798d098" providerId="LiveId" clId="{40E47910-EB4D-4C38-BCAC-E332E313F31D}" dt="2022-11-03T16:15:38.195" v="639" actId="207"/>
         <pc:sldMkLst>
           <pc:docMk/>
           <pc:sldMk cId="85230843" sldId="1868"/>
         </pc:sldMkLst>
         <pc:spChg chg="mod">
-          <ac:chgData name="Andrew Holmes" userId="eb9da5768798d098" providerId="LiveId" clId="{40E47910-EB4D-4C38-BCAC-E332E313F31D}" dt="2022-10-21T20:05:56.938" v="9" actId="20577"/>
+          <ac:chgData name="Andrew Holmes" userId="eb9da5768798d098" providerId="LiveId" clId="{40E47910-EB4D-4C38-BCAC-E332E313F31D}" dt="2022-11-03T16:15:38.195" v="639" actId="207"/>
           <ac:spMkLst>
             <pc:docMk/>
             <pc:sldMk cId="85230843" sldId="1868"/>
@@ -2699,8 +2723,115 @@
           </ac:spMkLst>
         </pc:spChg>
       </pc:sldChg>
+      <pc:sldChg chg="modSp mod">
+        <pc:chgData name="Andrew Holmes" userId="eb9da5768798d098" providerId="LiveId" clId="{40E47910-EB4D-4C38-BCAC-E332E313F31D}" dt="2022-11-03T17:10:10.912" v="2535" actId="20577"/>
+        <pc:sldMkLst>
+          <pc:docMk/>
+          <pc:sldMk cId="2701910104" sldId="1870"/>
+        </pc:sldMkLst>
+        <pc:spChg chg="mod">
+          <ac:chgData name="Andrew Holmes" userId="eb9da5768798d098" providerId="LiveId" clId="{40E47910-EB4D-4C38-BCAC-E332E313F31D}" dt="2022-11-03T17:10:10.912" v="2535" actId="20577"/>
+          <ac:spMkLst>
+            <pc:docMk/>
+            <pc:sldMk cId="2701910104" sldId="1870"/>
+            <ac:spMk id="3" creationId="{EF99585A-5E1F-40FA-8E64-BB4F04611657}"/>
+          </ac:spMkLst>
+        </pc:spChg>
+        <pc:spChg chg="mod">
+          <ac:chgData name="Andrew Holmes" userId="eb9da5768798d098" providerId="LiveId" clId="{40E47910-EB4D-4C38-BCAC-E332E313F31D}" dt="2022-11-03T17:07:55.403" v="2163" actId="20577"/>
+          <ac:spMkLst>
+            <pc:docMk/>
+            <pc:sldMk cId="2701910104" sldId="1870"/>
+            <ac:spMk id="5" creationId="{CF037412-7BC5-4AAA-8ED5-FC377A84CB0C}"/>
+          </ac:spMkLst>
+        </pc:spChg>
+      </pc:sldChg>
+      <pc:sldChg chg="modSp mod">
+        <pc:chgData name="Andrew Holmes" userId="eb9da5768798d098" providerId="LiveId" clId="{40E47910-EB4D-4C38-BCAC-E332E313F31D}" dt="2022-11-03T17:07:53.006" v="2161" actId="1076"/>
+        <pc:sldMkLst>
+          <pc:docMk/>
+          <pc:sldMk cId="1533608244" sldId="1874"/>
+        </pc:sldMkLst>
+        <pc:spChg chg="mod">
+          <ac:chgData name="Andrew Holmes" userId="eb9da5768798d098" providerId="LiveId" clId="{40E47910-EB4D-4C38-BCAC-E332E313F31D}" dt="2022-11-03T17:07:53.006" v="2161" actId="1076"/>
+          <ac:spMkLst>
+            <pc:docMk/>
+            <pc:sldMk cId="1533608244" sldId="1874"/>
+            <ac:spMk id="4" creationId="{FD9E38B3-4686-8247-9625-49018D29F408}"/>
+          </ac:spMkLst>
+        </pc:spChg>
+      </pc:sldChg>
+      <pc:sldChg chg="del">
+        <pc:chgData name="Andrew Holmes" userId="eb9da5768798d098" providerId="LiveId" clId="{40E47910-EB4D-4C38-BCAC-E332E313F31D}" dt="2022-11-03T16:15:03.155" v="562" actId="2696"/>
+        <pc:sldMkLst>
+          <pc:docMk/>
+          <pc:sldMk cId="1851186468" sldId="1889"/>
+        </pc:sldMkLst>
+      </pc:sldChg>
+      <pc:sldChg chg="addSp delSp modSp mod">
+        <pc:chgData name="Andrew Holmes" userId="eb9da5768798d098" providerId="LiveId" clId="{40E47910-EB4D-4C38-BCAC-E332E313F31D}" dt="2022-11-03T17:11:41.207" v="2555" actId="20577"/>
+        <pc:sldMkLst>
+          <pc:docMk/>
+          <pc:sldMk cId="3766814269" sldId="1908"/>
+        </pc:sldMkLst>
+        <pc:spChg chg="mod">
+          <ac:chgData name="Andrew Holmes" userId="eb9da5768798d098" providerId="LiveId" clId="{40E47910-EB4D-4C38-BCAC-E332E313F31D}" dt="2022-11-03T17:11:41.207" v="2555" actId="20577"/>
+          <ac:spMkLst>
+            <pc:docMk/>
+            <pc:sldMk cId="3766814269" sldId="1908"/>
+            <ac:spMk id="5" creationId="{16C16E9E-D606-9EAB-04D8-E8770365B66F}"/>
+          </ac:spMkLst>
+        </pc:spChg>
+        <pc:spChg chg="mod">
+          <ac:chgData name="Andrew Holmes" userId="eb9da5768798d098" providerId="LiveId" clId="{40E47910-EB4D-4C38-BCAC-E332E313F31D}" dt="2022-11-03T17:11:40.001" v="2554" actId="1076"/>
+          <ac:spMkLst>
+            <pc:docMk/>
+            <pc:sldMk cId="3766814269" sldId="1908"/>
+            <ac:spMk id="6" creationId="{ED2F2647-95A7-F2D7-B26B-76319AFC1A2E}"/>
+          </ac:spMkLst>
+        </pc:spChg>
+        <pc:picChg chg="del">
+          <ac:chgData name="Andrew Holmes" userId="eb9da5768798d098" providerId="LiveId" clId="{40E47910-EB4D-4C38-BCAC-E332E313F31D}" dt="2022-11-03T17:11:30.827" v="2550" actId="478"/>
+          <ac:picMkLst>
+            <pc:docMk/>
+            <pc:sldMk cId="3766814269" sldId="1908"/>
+            <ac:picMk id="2" creationId="{54C271D8-E932-A312-E406-5E0C796A3EA5}"/>
+          </ac:picMkLst>
+        </pc:picChg>
+        <pc:picChg chg="add mod">
+          <ac:chgData name="Andrew Holmes" userId="eb9da5768798d098" providerId="LiveId" clId="{40E47910-EB4D-4C38-BCAC-E332E313F31D}" dt="2022-11-03T17:11:36.526" v="2553" actId="1076"/>
+          <ac:picMkLst>
+            <pc:docMk/>
+            <pc:sldMk cId="3766814269" sldId="1908"/>
+            <ac:picMk id="3" creationId="{DA419F18-6BB2-AA41-AFE8-7A3948156B21}"/>
+          </ac:picMkLst>
+        </pc:picChg>
+      </pc:sldChg>
+      <pc:sldChg chg="modSp mod">
+        <pc:chgData name="Andrew Holmes" userId="eb9da5768798d098" providerId="LiveId" clId="{40E47910-EB4D-4C38-BCAC-E332E313F31D}" dt="2022-11-03T16:46:45.021" v="1120" actId="20577"/>
+        <pc:sldMkLst>
+          <pc:docMk/>
+          <pc:sldMk cId="3696992974" sldId="1909"/>
+        </pc:sldMkLst>
+        <pc:spChg chg="mod">
+          <ac:chgData name="Andrew Holmes" userId="eb9da5768798d098" providerId="LiveId" clId="{40E47910-EB4D-4C38-BCAC-E332E313F31D}" dt="2022-11-03T16:16:09.361" v="647" actId="20577"/>
+          <ac:spMkLst>
+            <pc:docMk/>
+            <pc:sldMk cId="3696992974" sldId="1909"/>
+            <ac:spMk id="2" creationId="{9183E59B-241F-D343-19AA-E5C9FA65B668}"/>
+          </ac:spMkLst>
+        </pc:spChg>
+        <pc:spChg chg="mod">
+          <ac:chgData name="Andrew Holmes" userId="eb9da5768798d098" providerId="LiveId" clId="{40E47910-EB4D-4C38-BCAC-E332E313F31D}" dt="2022-11-03T16:46:45.021" v="1120" actId="20577"/>
+          <ac:spMkLst>
+            <pc:docMk/>
+            <pc:sldMk cId="3696992974" sldId="1909"/>
+            <ac:spMk id="3" creationId="{728FECCA-83AF-4AB3-A052-968DBB214CB7}"/>
+          </ac:spMkLst>
+        </pc:spChg>
+      </pc:sldChg>
       <pc:sldChg chg="addSp modSp mod">
-        <pc:chgData name="Andrew Holmes" userId="eb9da5768798d098" providerId="LiveId" clId="{40E47910-EB4D-4C38-BCAC-E332E313F31D}" dt="2022-10-22T00:45:57.148" v="483" actId="20577"/>
+        <pc:chgData name="Andrew Holmes" userId="eb9da5768798d098" providerId="LiveId" clId="{40E47910-EB4D-4C38-BCAC-E332E313F31D}" dt="2022-11-03T16:28:59.766" v="1083" actId="207"/>
         <pc:sldMkLst>
           <pc:docMk/>
           <pc:sldMk cId="3988247119" sldId="1910"/>
@@ -2722,7 +2853,7 @@
           </ac:spMkLst>
         </pc:spChg>
         <pc:spChg chg="mod">
-          <ac:chgData name="Andrew Holmes" userId="eb9da5768798d098" providerId="LiveId" clId="{40E47910-EB4D-4C38-BCAC-E332E313F31D}" dt="2022-10-22T00:45:30.064" v="478" actId="27636"/>
+          <ac:chgData name="Andrew Holmes" userId="eb9da5768798d098" providerId="LiveId" clId="{40E47910-EB4D-4C38-BCAC-E332E313F31D}" dt="2022-11-03T16:28:59.766" v="1083" actId="207"/>
           <ac:spMkLst>
             <pc:docMk/>
             <pc:sldMk cId="3988247119" sldId="1910"/>
@@ -2730,8 +2861,22 @@
           </ac:spMkLst>
         </pc:spChg>
       </pc:sldChg>
+      <pc:sldChg chg="del">
+        <pc:chgData name="Andrew Holmes" userId="eb9da5768798d098" providerId="LiveId" clId="{40E47910-EB4D-4C38-BCAC-E332E313F31D}" dt="2022-11-03T17:10:21.552" v="2537" actId="2696"/>
+        <pc:sldMkLst>
+          <pc:docMk/>
+          <pc:sldMk cId="2930394905" sldId="1911"/>
+        </pc:sldMkLst>
+      </pc:sldChg>
+      <pc:sldChg chg="del">
+        <pc:chgData name="Andrew Holmes" userId="eb9da5768798d098" providerId="LiveId" clId="{40E47910-EB4D-4C38-BCAC-E332E313F31D}" dt="2022-11-03T17:10:17.093" v="2536" actId="2696"/>
+        <pc:sldMkLst>
+          <pc:docMk/>
+          <pc:sldMk cId="1196766944" sldId="1912"/>
+        </pc:sldMkLst>
+      </pc:sldChg>
       <pc:sldChg chg="addSp delSp modSp new mod modClrScheme chgLayout">
-        <pc:chgData name="Andrew Holmes" userId="eb9da5768798d098" providerId="LiveId" clId="{40E47910-EB4D-4C38-BCAC-E332E313F31D}" dt="2022-10-22T00:46:38.865" v="541" actId="20577"/>
+        <pc:chgData name="Andrew Holmes" userId="eb9da5768798d098" providerId="LiveId" clId="{40E47910-EB4D-4C38-BCAC-E332E313F31D}" dt="2022-11-03T17:49:50.147" v="3528" actId="20577"/>
         <pc:sldMkLst>
           <pc:docMk/>
           <pc:sldMk cId="2512833240" sldId="1913"/>
@@ -2761,7 +2906,7 @@
           </ac:spMkLst>
         </pc:spChg>
         <pc:spChg chg="add mod ord">
-          <ac:chgData name="Andrew Holmes" userId="eb9da5768798d098" providerId="LiveId" clId="{40E47910-EB4D-4C38-BCAC-E332E313F31D}" dt="2022-10-22T00:46:38.865" v="541" actId="20577"/>
+          <ac:chgData name="Andrew Holmes" userId="eb9da5768798d098" providerId="LiveId" clId="{40E47910-EB4D-4C38-BCAC-E332E313F31D}" dt="2022-11-03T17:49:50.147" v="3528" actId="20577"/>
           <ac:spMkLst>
             <pc:docMk/>
             <pc:sldMk cId="2512833240" sldId="1913"/>
@@ -2775,6 +2920,402 @@
           <pc:docMk/>
           <pc:sldMk cId="1310684845" sldId="1914"/>
         </pc:sldMkLst>
+      </pc:sldChg>
+      <pc:sldChg chg="modSp add mod">
+        <pc:chgData name="Andrew Holmes" userId="eb9da5768798d098" providerId="LiveId" clId="{40E47910-EB4D-4C38-BCAC-E332E313F31D}" dt="2022-11-03T16:29:10.164" v="1085" actId="207"/>
+        <pc:sldMkLst>
+          <pc:docMk/>
+          <pc:sldMk cId="3959502386" sldId="1914"/>
+        </pc:sldMkLst>
+        <pc:spChg chg="mod">
+          <ac:chgData name="Andrew Holmes" userId="eb9da5768798d098" providerId="LiveId" clId="{40E47910-EB4D-4C38-BCAC-E332E313F31D}" dt="2022-11-03T16:29:10.164" v="1085" actId="207"/>
+          <ac:spMkLst>
+            <pc:docMk/>
+            <pc:sldMk cId="3959502386" sldId="1914"/>
+            <ac:spMk id="5" creationId="{F4C48C8D-9E40-726D-1E5E-0998B374610F}"/>
+          </ac:spMkLst>
+        </pc:spChg>
+      </pc:sldChg>
+      <pc:sldChg chg="new del">
+        <pc:chgData name="Andrew Holmes" userId="eb9da5768798d098" providerId="LiveId" clId="{40E47910-EB4D-4C38-BCAC-E332E313F31D}" dt="2022-11-03T16:19:55.126" v="933" actId="2696"/>
+        <pc:sldMkLst>
+          <pc:docMk/>
+          <pc:sldMk cId="1084435281" sldId="1915"/>
+        </pc:sldMkLst>
+      </pc:sldChg>
+      <pc:sldChg chg="modSp add mod">
+        <pc:chgData name="Andrew Holmes" userId="eb9da5768798d098" providerId="LiveId" clId="{40E47910-EB4D-4C38-BCAC-E332E313F31D}" dt="2022-11-03T17:12:23.161" v="2581" actId="20577"/>
+        <pc:sldMkLst>
+          <pc:docMk/>
+          <pc:sldMk cId="1257035233" sldId="1916"/>
+        </pc:sldMkLst>
+        <pc:spChg chg="mod">
+          <ac:chgData name="Andrew Holmes" userId="eb9da5768798d098" providerId="LiveId" clId="{40E47910-EB4D-4C38-BCAC-E332E313F31D}" dt="2022-11-03T17:12:23.161" v="2581" actId="20577"/>
+          <ac:spMkLst>
+            <pc:docMk/>
+            <pc:sldMk cId="1257035233" sldId="1916"/>
+            <ac:spMk id="5" creationId="{F4C48C8D-9E40-726D-1E5E-0998B374610F}"/>
+          </ac:spMkLst>
+        </pc:spChg>
+      </pc:sldChg>
+      <pc:sldChg chg="addSp modSp new mod">
+        <pc:chgData name="Andrew Holmes" userId="eb9da5768798d098" providerId="LiveId" clId="{40E47910-EB4D-4C38-BCAC-E332E313F31D}" dt="2022-11-03T16:49:57.590" v="1361" actId="2710"/>
+        <pc:sldMkLst>
+          <pc:docMk/>
+          <pc:sldMk cId="885477531" sldId="1917"/>
+        </pc:sldMkLst>
+        <pc:spChg chg="mod">
+          <ac:chgData name="Andrew Holmes" userId="eb9da5768798d098" providerId="LiveId" clId="{40E47910-EB4D-4C38-BCAC-E332E313F31D}" dt="2022-11-03T16:49:57.590" v="1361" actId="2710"/>
+          <ac:spMkLst>
+            <pc:docMk/>
+            <pc:sldMk cId="885477531" sldId="1917"/>
+            <ac:spMk id="2" creationId="{8F487B6C-2374-8158-C393-12101C2F62D5}"/>
+          </ac:spMkLst>
+        </pc:spChg>
+        <pc:spChg chg="mod">
+          <ac:chgData name="Andrew Holmes" userId="eb9da5768798d098" providerId="LiveId" clId="{40E47910-EB4D-4C38-BCAC-E332E313F31D}" dt="2022-11-03T16:46:52.351" v="1132" actId="20577"/>
+          <ac:spMkLst>
+            <pc:docMk/>
+            <pc:sldMk cId="885477531" sldId="1917"/>
+            <ac:spMk id="3" creationId="{54A0FC04-4C54-25FA-4DDE-088F61B19DC8}"/>
+          </ac:spMkLst>
+        </pc:spChg>
+        <pc:spChg chg="add mod">
+          <ac:chgData name="Andrew Holmes" userId="eb9da5768798d098" providerId="LiveId" clId="{40E47910-EB4D-4C38-BCAC-E332E313F31D}" dt="2022-11-03T16:48:06.688" v="1142" actId="14100"/>
+          <ac:spMkLst>
+            <pc:docMk/>
+            <pc:sldMk cId="885477531" sldId="1917"/>
+            <ac:spMk id="4" creationId="{48701F87-7830-907A-92F5-7460CED2EB0F}"/>
+          </ac:spMkLst>
+        </pc:spChg>
+      </pc:sldChg>
+      <pc:sldChg chg="addSp modSp new mod">
+        <pc:chgData name="Andrew Holmes" userId="eb9da5768798d098" providerId="LiveId" clId="{40E47910-EB4D-4C38-BCAC-E332E313F31D}" dt="2022-11-03T16:52:38.086" v="1493" actId="20577"/>
+        <pc:sldMkLst>
+          <pc:docMk/>
+          <pc:sldMk cId="1715883970" sldId="1918"/>
+        </pc:sldMkLst>
+        <pc:spChg chg="mod">
+          <ac:chgData name="Andrew Holmes" userId="eb9da5768798d098" providerId="LiveId" clId="{40E47910-EB4D-4C38-BCAC-E332E313F31D}" dt="2022-11-03T16:52:38.086" v="1493" actId="20577"/>
+          <ac:spMkLst>
+            <pc:docMk/>
+            <pc:sldMk cId="1715883970" sldId="1918"/>
+            <ac:spMk id="2" creationId="{B536B95D-8BD5-2809-2463-D2AA83DDEAA9}"/>
+          </ac:spMkLst>
+        </pc:spChg>
+        <pc:spChg chg="mod">
+          <ac:chgData name="Andrew Holmes" userId="eb9da5768798d098" providerId="LiveId" clId="{40E47910-EB4D-4C38-BCAC-E332E313F31D}" dt="2022-11-03T16:51:54.263" v="1379" actId="14100"/>
+          <ac:spMkLst>
+            <pc:docMk/>
+            <pc:sldMk cId="1715883970" sldId="1918"/>
+            <ac:spMk id="3" creationId="{27703E24-22CB-EDEC-59AA-253208558036}"/>
+          </ac:spMkLst>
+        </pc:spChg>
+        <pc:picChg chg="add mod">
+          <ac:chgData name="Andrew Holmes" userId="eb9da5768798d098" providerId="LiveId" clId="{40E47910-EB4D-4C38-BCAC-E332E313F31D}" dt="2022-11-03T16:51:48.551" v="1369" actId="1076"/>
+          <ac:picMkLst>
+            <pc:docMk/>
+            <pc:sldMk cId="1715883970" sldId="1918"/>
+            <ac:picMk id="4" creationId="{4A98C2DE-31FF-6A5D-9288-7CC162BE4546}"/>
+          </ac:picMkLst>
+        </pc:picChg>
+      </pc:sldChg>
+      <pc:sldChg chg="addSp modSp new mod">
+        <pc:chgData name="Andrew Holmes" userId="eb9da5768798d098" providerId="LiveId" clId="{40E47910-EB4D-4C38-BCAC-E332E313F31D}" dt="2022-11-03T16:59:07.506" v="1902" actId="113"/>
+        <pc:sldMkLst>
+          <pc:docMk/>
+          <pc:sldMk cId="125621075" sldId="1919"/>
+        </pc:sldMkLst>
+        <pc:spChg chg="mod">
+          <ac:chgData name="Andrew Holmes" userId="eb9da5768798d098" providerId="LiveId" clId="{40E47910-EB4D-4C38-BCAC-E332E313F31D}" dt="2022-11-03T16:59:07.506" v="1902" actId="113"/>
+          <ac:spMkLst>
+            <pc:docMk/>
+            <pc:sldMk cId="125621075" sldId="1919"/>
+            <ac:spMk id="2" creationId="{56D823AA-F844-AE19-3D1A-DE12F8F18F93}"/>
+          </ac:spMkLst>
+        </pc:spChg>
+        <pc:spChg chg="mod">
+          <ac:chgData name="Andrew Holmes" userId="eb9da5768798d098" providerId="LiveId" clId="{40E47910-EB4D-4C38-BCAC-E332E313F31D}" dt="2022-11-03T16:52:45.359" v="1507" actId="20577"/>
+          <ac:spMkLst>
+            <pc:docMk/>
+            <pc:sldMk cId="125621075" sldId="1919"/>
+            <ac:spMk id="3" creationId="{32E683F7-D59A-293C-9A11-B77D133EDBDF}"/>
+          </ac:spMkLst>
+        </pc:spChg>
+        <pc:picChg chg="add mod">
+          <ac:chgData name="Andrew Holmes" userId="eb9da5768798d098" providerId="LiveId" clId="{40E47910-EB4D-4C38-BCAC-E332E313F31D}" dt="2022-11-03T16:58:59.746" v="1899" actId="14100"/>
+          <ac:picMkLst>
+            <pc:docMk/>
+            <pc:sldMk cId="125621075" sldId="1919"/>
+            <ac:picMk id="4" creationId="{5DA26D26-1100-E0F9-1E52-FD47510C0A58}"/>
+          </ac:picMkLst>
+        </pc:picChg>
+      </pc:sldChg>
+      <pc:sldChg chg="addSp delSp modSp new mod modClrScheme chgLayout">
+        <pc:chgData name="Andrew Holmes" userId="eb9da5768798d098" providerId="LiveId" clId="{40E47910-EB4D-4C38-BCAC-E332E313F31D}" dt="2022-11-03T17:02:18.111" v="2036" actId="1076"/>
+        <pc:sldMkLst>
+          <pc:docMk/>
+          <pc:sldMk cId="353373354" sldId="1920"/>
+        </pc:sldMkLst>
+        <pc:spChg chg="del mod ord">
+          <ac:chgData name="Andrew Holmes" userId="eb9da5768798d098" providerId="LiveId" clId="{40E47910-EB4D-4C38-BCAC-E332E313F31D}" dt="2022-11-03T17:00:25.325" v="1920" actId="700"/>
+          <ac:spMkLst>
+            <pc:docMk/>
+            <pc:sldMk cId="353373354" sldId="1920"/>
+            <ac:spMk id="2" creationId="{B4EAC19C-3374-C500-DACC-A808D9E59F88}"/>
+          </ac:spMkLst>
+        </pc:spChg>
+        <pc:spChg chg="mod ord">
+          <ac:chgData name="Andrew Holmes" userId="eb9da5768798d098" providerId="LiveId" clId="{40E47910-EB4D-4C38-BCAC-E332E313F31D}" dt="2022-11-03T17:01:51.755" v="2009" actId="1076"/>
+          <ac:spMkLst>
+            <pc:docMk/>
+            <pc:sldMk cId="353373354" sldId="1920"/>
+            <ac:spMk id="3" creationId="{08F88AB4-D3DF-C96A-8F34-DA45C1B4910D}"/>
+          </ac:spMkLst>
+        </pc:spChg>
+        <pc:spChg chg="add mod">
+          <ac:chgData name="Andrew Holmes" userId="eb9da5768798d098" providerId="LiveId" clId="{40E47910-EB4D-4C38-BCAC-E332E313F31D}" dt="2022-11-03T17:01:13.330" v="1967" actId="1076"/>
+          <ac:spMkLst>
+            <pc:docMk/>
+            <pc:sldMk cId="353373354" sldId="1920"/>
+            <ac:spMk id="4" creationId="{3BD33D1C-BB27-1819-2266-2A23B8BAFD28}"/>
+          </ac:spMkLst>
+        </pc:spChg>
+        <pc:spChg chg="add del mod ord">
+          <ac:chgData name="Andrew Holmes" userId="eb9da5768798d098" providerId="LiveId" clId="{40E47910-EB4D-4C38-BCAC-E332E313F31D}" dt="2022-11-03T17:00:30.008" v="1921" actId="700"/>
+          <ac:spMkLst>
+            <pc:docMk/>
+            <pc:sldMk cId="353373354" sldId="1920"/>
+            <ac:spMk id="5" creationId="{0A229211-C943-596C-4E0D-02931A94C0BA}"/>
+          </ac:spMkLst>
+        </pc:spChg>
+        <pc:spChg chg="add mod ord">
+          <ac:chgData name="Andrew Holmes" userId="eb9da5768798d098" providerId="LiveId" clId="{40E47910-EB4D-4C38-BCAC-E332E313F31D}" dt="2022-11-03T17:00:58.595" v="1964" actId="403"/>
+          <ac:spMkLst>
+            <pc:docMk/>
+            <pc:sldMk cId="353373354" sldId="1920"/>
+            <ac:spMk id="6" creationId="{20D8CECC-97C7-CA61-240A-4737326947D3}"/>
+          </ac:spMkLst>
+        </pc:spChg>
+        <pc:spChg chg="add mod">
+          <ac:chgData name="Andrew Holmes" userId="eb9da5768798d098" providerId="LiveId" clId="{40E47910-EB4D-4C38-BCAC-E332E313F31D}" dt="2022-11-03T17:01:09.615" v="1966" actId="1076"/>
+          <ac:spMkLst>
+            <pc:docMk/>
+            <pc:sldMk cId="353373354" sldId="1920"/>
+            <ac:spMk id="7" creationId="{8EE475C2-75D3-D450-2166-6C81D74BCE51}"/>
+          </ac:spMkLst>
+        </pc:spChg>
+        <pc:spChg chg="add mod">
+          <ac:chgData name="Andrew Holmes" userId="eb9da5768798d098" providerId="LiveId" clId="{40E47910-EB4D-4C38-BCAC-E332E313F31D}" dt="2022-11-03T17:01:26.261" v="2004" actId="20577"/>
+          <ac:spMkLst>
+            <pc:docMk/>
+            <pc:sldMk cId="353373354" sldId="1920"/>
+            <ac:spMk id="8" creationId="{D000D468-0E5E-BD6F-0C5A-E331F9FD48C2}"/>
+          </ac:spMkLst>
+        </pc:spChg>
+        <pc:spChg chg="add mod">
+          <ac:chgData name="Andrew Holmes" userId="eb9da5768798d098" providerId="LiveId" clId="{40E47910-EB4D-4C38-BCAC-E332E313F31D}" dt="2022-11-03T17:02:02.943" v="2015" actId="1076"/>
+          <ac:spMkLst>
+            <pc:docMk/>
+            <pc:sldMk cId="353373354" sldId="1920"/>
+            <ac:spMk id="11" creationId="{29D9A1F2-3378-F416-3245-CDD598170EE7}"/>
+          </ac:spMkLst>
+        </pc:spChg>
+        <pc:spChg chg="add mod">
+          <ac:chgData name="Andrew Holmes" userId="eb9da5768798d098" providerId="LiveId" clId="{40E47910-EB4D-4C38-BCAC-E332E313F31D}" dt="2022-11-03T17:02:18.111" v="2036" actId="1076"/>
+          <ac:spMkLst>
+            <pc:docMk/>
+            <pc:sldMk cId="353373354" sldId="1920"/>
+            <ac:spMk id="12" creationId="{FCEA28FD-B643-CFAD-2034-3D08C9725280}"/>
+          </ac:spMkLst>
+        </pc:spChg>
+        <pc:cxnChg chg="add del">
+          <ac:chgData name="Andrew Holmes" userId="eb9da5768798d098" providerId="LiveId" clId="{40E47910-EB4D-4C38-BCAC-E332E313F31D}" dt="2022-11-03T17:01:44.617" v="2006" actId="11529"/>
+          <ac:cxnSpMkLst>
+            <pc:docMk/>
+            <pc:sldMk cId="353373354" sldId="1920"/>
+            <ac:cxnSpMk id="10" creationId="{7A38CDF7-CC02-F583-E679-EDCFB03F1A6C}"/>
+          </ac:cxnSpMkLst>
+        </pc:cxnChg>
+      </pc:sldChg>
+      <pc:sldChg chg="addSp delSp modSp add mod">
+        <pc:chgData name="Andrew Holmes" userId="eb9da5768798d098" providerId="LiveId" clId="{40E47910-EB4D-4C38-BCAC-E332E313F31D}" dt="2022-11-03T17:06:50.716" v="2157" actId="1076"/>
+        <pc:sldMkLst>
+          <pc:docMk/>
+          <pc:sldMk cId="1021765635" sldId="1921"/>
+        </pc:sldMkLst>
+        <pc:spChg chg="add del mod">
+          <ac:chgData name="Andrew Holmes" userId="eb9da5768798d098" providerId="LiveId" clId="{40E47910-EB4D-4C38-BCAC-E332E313F31D}" dt="2022-11-03T17:06:17.404" v="2078" actId="1076"/>
+          <ac:spMkLst>
+            <pc:docMk/>
+            <pc:sldMk cId="1021765635" sldId="1921"/>
+            <ac:spMk id="2" creationId="{BFB58069-9C06-EBDC-5D8A-777C0EBBD986}"/>
+          </ac:spMkLst>
+        </pc:spChg>
+        <pc:spChg chg="mod">
+          <ac:chgData name="Andrew Holmes" userId="eb9da5768798d098" providerId="LiveId" clId="{40E47910-EB4D-4C38-BCAC-E332E313F31D}" dt="2022-11-03T17:06:47.445" v="2156" actId="1076"/>
+          <ac:spMkLst>
+            <pc:docMk/>
+            <pc:sldMk cId="1021765635" sldId="1921"/>
+            <ac:spMk id="3" creationId="{08F88AB4-D3DF-C96A-8F34-DA45C1B4910D}"/>
+          </ac:spMkLst>
+        </pc:spChg>
+        <pc:spChg chg="del">
+          <ac:chgData name="Andrew Holmes" userId="eb9da5768798d098" providerId="LiveId" clId="{40E47910-EB4D-4C38-BCAC-E332E313F31D}" dt="2022-11-03T17:02:35.860" v="2040" actId="478"/>
+          <ac:spMkLst>
+            <pc:docMk/>
+            <pc:sldMk cId="1021765635" sldId="1921"/>
+            <ac:spMk id="4" creationId="{3BD33D1C-BB27-1819-2266-2A23B8BAFD28}"/>
+          </ac:spMkLst>
+        </pc:spChg>
+        <pc:spChg chg="mod">
+          <ac:chgData name="Andrew Holmes" userId="eb9da5768798d098" providerId="LiveId" clId="{40E47910-EB4D-4C38-BCAC-E332E313F31D}" dt="2022-11-03T17:06:50.716" v="2157" actId="1076"/>
+          <ac:spMkLst>
+            <pc:docMk/>
+            <pc:sldMk cId="1021765635" sldId="1921"/>
+            <ac:spMk id="6" creationId="{20D8CECC-97C7-CA61-240A-4737326947D3}"/>
+          </ac:spMkLst>
+        </pc:spChg>
+        <pc:spChg chg="del">
+          <ac:chgData name="Andrew Holmes" userId="eb9da5768798d098" providerId="LiveId" clId="{40E47910-EB4D-4C38-BCAC-E332E313F31D}" dt="2022-11-03T17:02:33.831" v="2038" actId="478"/>
+          <ac:spMkLst>
+            <pc:docMk/>
+            <pc:sldMk cId="1021765635" sldId="1921"/>
+            <ac:spMk id="7" creationId="{8EE475C2-75D3-D450-2166-6C81D74BCE51}"/>
+          </ac:spMkLst>
+        </pc:spChg>
+        <pc:spChg chg="del">
+          <ac:chgData name="Andrew Holmes" userId="eb9da5768798d098" providerId="LiveId" clId="{40E47910-EB4D-4C38-BCAC-E332E313F31D}" dt="2022-11-03T17:02:35.008" v="2039" actId="478"/>
+          <ac:spMkLst>
+            <pc:docMk/>
+            <pc:sldMk cId="1021765635" sldId="1921"/>
+            <ac:spMk id="8" creationId="{D000D468-0E5E-BD6F-0C5A-E331F9FD48C2}"/>
+          </ac:spMkLst>
+        </pc:spChg>
+        <pc:spChg chg="del">
+          <ac:chgData name="Andrew Holmes" userId="eb9da5768798d098" providerId="LiveId" clId="{40E47910-EB4D-4C38-BCAC-E332E313F31D}" dt="2022-11-03T17:02:41.311" v="2041" actId="478"/>
+          <ac:spMkLst>
+            <pc:docMk/>
+            <pc:sldMk cId="1021765635" sldId="1921"/>
+            <ac:spMk id="11" creationId="{29D9A1F2-3378-F416-3245-CDD598170EE7}"/>
+          </ac:spMkLst>
+        </pc:spChg>
+        <pc:spChg chg="del">
+          <ac:chgData name="Andrew Holmes" userId="eb9da5768798d098" providerId="LiveId" clId="{40E47910-EB4D-4C38-BCAC-E332E313F31D}" dt="2022-11-03T17:02:42.575" v="2042" actId="478"/>
+          <ac:spMkLst>
+            <pc:docMk/>
+            <pc:sldMk cId="1021765635" sldId="1921"/>
+            <ac:spMk id="12" creationId="{FCEA28FD-B643-CFAD-2034-3D08C9725280}"/>
+          </ac:spMkLst>
+        </pc:spChg>
+      </pc:sldChg>
+      <pc:sldChg chg="modSp new mod">
+        <pc:chgData name="Andrew Holmes" userId="eb9da5768798d098" providerId="LiveId" clId="{40E47910-EB4D-4C38-BCAC-E332E313F31D}" dt="2022-11-03T17:56:06.909" v="3899" actId="20577"/>
+        <pc:sldMkLst>
+          <pc:docMk/>
+          <pc:sldMk cId="4120805806" sldId="1922"/>
+        </pc:sldMkLst>
+        <pc:spChg chg="mod">
+          <ac:chgData name="Andrew Holmes" userId="eb9da5768798d098" providerId="LiveId" clId="{40E47910-EB4D-4C38-BCAC-E332E313F31D}" dt="2022-11-03T17:19:53.434" v="2815" actId="20577"/>
+          <ac:spMkLst>
+            <pc:docMk/>
+            <pc:sldMk cId="4120805806" sldId="1922"/>
+            <ac:spMk id="2" creationId="{7C095B84-AFD2-4DFA-693A-140565E3D5DD}"/>
+          </ac:spMkLst>
+        </pc:spChg>
+        <pc:spChg chg="mod">
+          <ac:chgData name="Andrew Holmes" userId="eb9da5768798d098" providerId="LiveId" clId="{40E47910-EB4D-4C38-BCAC-E332E313F31D}" dt="2022-11-03T17:56:06.909" v="3899" actId="20577"/>
+          <ac:spMkLst>
+            <pc:docMk/>
+            <pc:sldMk cId="4120805806" sldId="1922"/>
+            <ac:spMk id="3" creationId="{AB6D2421-BB0D-8283-A4FB-B825FD7CBE51}"/>
+          </ac:spMkLst>
+        </pc:spChg>
+      </pc:sldChg>
+      <pc:sldChg chg="modSp new mod ord">
+        <pc:chgData name="Andrew Holmes" userId="eb9da5768798d098" providerId="LiveId" clId="{40E47910-EB4D-4C38-BCAC-E332E313F31D}" dt="2022-11-03T17:27:47.519" v="3271" actId="27636"/>
+        <pc:sldMkLst>
+          <pc:docMk/>
+          <pc:sldMk cId="368663873" sldId="1923"/>
+        </pc:sldMkLst>
+        <pc:spChg chg="mod">
+          <ac:chgData name="Andrew Holmes" userId="eb9da5768798d098" providerId="LiveId" clId="{40E47910-EB4D-4C38-BCAC-E332E313F31D}" dt="2022-11-03T17:27:47.519" v="3271" actId="27636"/>
+          <ac:spMkLst>
+            <pc:docMk/>
+            <pc:sldMk cId="368663873" sldId="1923"/>
+            <ac:spMk id="2" creationId="{9E0F694A-8548-2372-D6A8-4EB7F6F5415B}"/>
+          </ac:spMkLst>
+        </pc:spChg>
+        <pc:spChg chg="mod">
+          <ac:chgData name="Andrew Holmes" userId="eb9da5768798d098" providerId="LiveId" clId="{40E47910-EB4D-4C38-BCAC-E332E313F31D}" dt="2022-11-03T17:13:41.346" v="2591" actId="20577"/>
+          <ac:spMkLst>
+            <pc:docMk/>
+            <pc:sldMk cId="368663873" sldId="1923"/>
+            <ac:spMk id="3" creationId="{FF2BC59E-5D8F-0F30-F86E-BBF5CB7B3970}"/>
+          </ac:spMkLst>
+        </pc:spChg>
+      </pc:sldChg>
+      <pc:sldChg chg="addSp modSp new mod">
+        <pc:chgData name="Andrew Holmes" userId="eb9da5768798d098" providerId="LiveId" clId="{40E47910-EB4D-4C38-BCAC-E332E313F31D}" dt="2022-11-03T17:26:13.891" v="3248" actId="14100"/>
+        <pc:sldMkLst>
+          <pc:docMk/>
+          <pc:sldMk cId="1524615642" sldId="1924"/>
+        </pc:sldMkLst>
+        <pc:spChg chg="mod">
+          <ac:chgData name="Andrew Holmes" userId="eb9da5768798d098" providerId="LiveId" clId="{40E47910-EB4D-4C38-BCAC-E332E313F31D}" dt="2022-11-03T17:24:16.126" v="3162" actId="20577"/>
+          <ac:spMkLst>
+            <pc:docMk/>
+            <pc:sldMk cId="1524615642" sldId="1924"/>
+            <ac:spMk id="2" creationId="{92AC45F0-4B81-1292-4ED7-6AB7AA20812F}"/>
+          </ac:spMkLst>
+        </pc:spChg>
+        <pc:spChg chg="mod">
+          <ac:chgData name="Andrew Holmes" userId="eb9da5768798d098" providerId="LiveId" clId="{40E47910-EB4D-4C38-BCAC-E332E313F31D}" dt="2022-11-03T17:26:13.891" v="3248" actId="14100"/>
+          <ac:spMkLst>
+            <pc:docMk/>
+            <pc:sldMk cId="1524615642" sldId="1924"/>
+            <ac:spMk id="3" creationId="{F9DD54A7-7604-E406-16AE-48AE9AA5D72E}"/>
+          </ac:spMkLst>
+        </pc:spChg>
+        <pc:picChg chg="add mod">
+          <ac:chgData name="Andrew Holmes" userId="eb9da5768798d098" providerId="LiveId" clId="{40E47910-EB4D-4C38-BCAC-E332E313F31D}" dt="2022-11-03T17:25:28.043" v="3170" actId="1076"/>
+          <ac:picMkLst>
+            <pc:docMk/>
+            <pc:sldMk cId="1524615642" sldId="1924"/>
+            <ac:picMk id="4" creationId="{EBA07F68-8C55-4C8D-00DF-A2A9016369FB}"/>
+          </ac:picMkLst>
+        </pc:picChg>
+        <pc:picChg chg="add mod">
+          <ac:chgData name="Andrew Holmes" userId="eb9da5768798d098" providerId="LiveId" clId="{40E47910-EB4D-4C38-BCAC-E332E313F31D}" dt="2022-11-03T17:25:31.653" v="3173" actId="1076"/>
+          <ac:picMkLst>
+            <pc:docMk/>
+            <pc:sldMk cId="1524615642" sldId="1924"/>
+            <ac:picMk id="5" creationId="{DAB6751B-80C6-437F-9F24-A12D3B9F9154}"/>
+          </ac:picMkLst>
+        </pc:picChg>
+      </pc:sldChg>
+      <pc:sldChg chg="modSp add mod">
+        <pc:chgData name="Andrew Holmes" userId="eb9da5768798d098" providerId="LiveId" clId="{40E47910-EB4D-4C38-BCAC-E332E313F31D}" dt="2022-11-03T17:54:31.450" v="3871" actId="20577"/>
+        <pc:sldMkLst>
+          <pc:docMk/>
+          <pc:sldMk cId="1775961184" sldId="1925"/>
+        </pc:sldMkLst>
+        <pc:spChg chg="mod">
+          <ac:chgData name="Andrew Holmes" userId="eb9da5768798d098" providerId="LiveId" clId="{40E47910-EB4D-4C38-BCAC-E332E313F31D}" dt="2022-11-03T17:50:05.791" v="3542" actId="20577"/>
+          <ac:spMkLst>
+            <pc:docMk/>
+            <pc:sldMk cId="1775961184" sldId="1925"/>
+            <ac:spMk id="4" creationId="{099E674A-26AB-0DBA-E575-EA8899393C88}"/>
+          </ac:spMkLst>
+        </pc:spChg>
+        <pc:spChg chg="mod">
+          <ac:chgData name="Andrew Holmes" userId="eb9da5768798d098" providerId="LiveId" clId="{40E47910-EB4D-4C38-BCAC-E332E313F31D}" dt="2022-11-03T17:54:31.450" v="3871" actId="20577"/>
+          <ac:spMkLst>
+            <pc:docMk/>
+            <pc:sldMk cId="1775961184" sldId="1925"/>
+            <ac:spMk id="5" creationId="{0D23BF39-FAAA-A9BD-D8FE-3ED06A727328}"/>
+          </ac:spMkLst>
+        </pc:spChg>
       </pc:sldChg>
     </pc:docChg>
   </pc:docChgLst>
@@ -2875,7 +3416,7 @@
           <a:p>
             <a:fld id="{148EE06D-E2C5-4DF1-B3C1-8E9169AAB10D}" type="datetimeFigureOut">
               <a:rPr lang="en-US" smtClean="0"/>
-              <a:t>10/21/2022</a:t>
+              <a:t>11/3/2022</a:t>
             </a:fld>
             <a:endParaRPr lang="en-US" dirty="0"/>
           </a:p>
@@ -3776,7 +4317,7 @@
             <a:fld id="{6DEB7EE2-04A2-4FB2-9625-C9C73AC4D32F}" type="slidenum">
               <a:rPr lang="en-US" altLang="en-US" smtClean="0"/>
               <a:pPr/>
-              <a:t>3</a:t>
+              <a:t>2</a:t>
             </a:fld>
             <a:endParaRPr lang="en-US" altLang="en-US" dirty="0"/>
           </a:p>
@@ -4403,7 +4944,7 @@
           <a:p>
             <a:fld id="{50A1B9BC-7BE7-4893-90FD-CC95830FD8F2}" type="datetimeFigureOut">
               <a:rPr lang="en-US" smtClean="0"/>
-              <a:t>10/21/2022</a:t>
+              <a:t>11/3/2022</a:t>
             </a:fld>
             <a:endParaRPr lang="en-US" dirty="0"/>
           </a:p>
@@ -6496,7 +7037,7 @@
             <a:fld id="{1D364696-E1F3-49EF-AEC8-730A16D9A23F}" type="datetimeFigureOut">
               <a:rPr lang="en-US" altLang="en-US" smtClean="0"/>
               <a:pPr/>
-              <a:t>10/21/2022</a:t>
+              <a:t>11/3/2022</a:t>
             </a:fld>
             <a:endParaRPr lang="en-US" altLang="en-US" dirty="0"/>
           </a:p>
@@ -6983,10 +7524,10 @@
       </p:grpSpPr>
       <p:sp>
         <p:nvSpPr>
-          <p:cNvPr id="5" name="Title 4">
+          <p:cNvPr id="2" name="Title 1">
             <a:extLst>
               <a:ext uri="{FF2B5EF4-FFF2-40B4-BE49-F238E27FC236}">
-                <a16:creationId xmlns:a16="http://schemas.microsoft.com/office/drawing/2014/main" id="{CF037412-7BC5-4AAA-8ED5-FC377A84CB0C}"/>
+                <a16:creationId xmlns:a16="http://schemas.microsoft.com/office/drawing/2014/main" id="{92AC45F0-4B81-1292-4ED7-6AB7AA20812F}"/>
               </a:ext>
             </a:extLst>
           </p:cNvPr>
@@ -7004,12 +7545,9 @@
           <a:p>
             <a:r>
               <a:rPr lang="en-US" dirty="0"/>
-              <a:t>PSET 5 pointers</a:t>
-            </a:r>
-            <a:br>
-              <a:rPr lang="en-US" dirty="0"/>
-            </a:br>
-            <a:endParaRPr lang="en-US" dirty="0"/>
+              <a:t>More exciting CSS</a:t>
+            </a:r>
+            <a:endParaRPr lang="en-GB" dirty="0"/>
           </a:p>
         </p:txBody>
       </p:sp>
@@ -7018,7 +7556,151 @@
           <p:cNvPr id="3" name="Text Placeholder 2">
             <a:extLst>
               <a:ext uri="{FF2B5EF4-FFF2-40B4-BE49-F238E27FC236}">
-                <a16:creationId xmlns:a16="http://schemas.microsoft.com/office/drawing/2014/main" id="{EF99585A-5E1F-40FA-8E64-BB4F04611657}"/>
+                <a16:creationId xmlns:a16="http://schemas.microsoft.com/office/drawing/2014/main" id="{F9DD54A7-7604-E406-16AE-48AE9AA5D72E}"/>
+              </a:ext>
+            </a:extLst>
+          </p:cNvPr>
+          <p:cNvSpPr>
+            <a:spLocks noGrp="1"/>
+          </p:cNvSpPr>
+          <p:nvPr>
+            <p:ph type="body" sz="quarter" idx="13"/>
+          </p:nvPr>
+        </p:nvSpPr>
+        <p:spPr>
+          <a:xfrm>
+            <a:off x="762000" y="1494004"/>
+            <a:ext cx="10668000" cy="1267153"/>
+          </a:xfrm>
+        </p:spPr>
+        <p:txBody>
+          <a:bodyPr/>
+          <a:lstStyle/>
+          <a:p>
+            <a:r>
+              <a:rPr lang="en-US" sz="2400" b="1" dirty="0"/>
+              <a:t>Flexbox</a:t>
+            </a:r>
+            <a:r>
+              <a:rPr lang="en-US" sz="2400" dirty="0"/>
+              <a:t> – 1D layout</a:t>
+            </a:r>
+          </a:p>
+          <a:p>
+            <a:r>
+              <a:rPr lang="en-US" sz="2400" b="1" dirty="0"/>
+              <a:t>CSS grid </a:t>
+            </a:r>
+            <a:r>
+              <a:rPr lang="en-US" sz="2400" dirty="0"/>
+              <a:t>– 2d layout</a:t>
+            </a:r>
+          </a:p>
+          <a:p>
+            <a:r>
+              <a:rPr lang="en-US" sz="2400" b="1" dirty="0"/>
+              <a:t>CSS animations</a:t>
+            </a:r>
+            <a:endParaRPr lang="en-GB" sz="2400" b="1" dirty="0"/>
+          </a:p>
+        </p:txBody>
+      </p:sp>
+      <p:pic>
+        <p:nvPicPr>
+          <p:cNvPr id="4" name="Picture 3">
+            <a:extLst>
+              <a:ext uri="{FF2B5EF4-FFF2-40B4-BE49-F238E27FC236}">
+                <a16:creationId xmlns:a16="http://schemas.microsoft.com/office/drawing/2014/main" id="{EBA07F68-8C55-4C8D-00DF-A2A9016369FB}"/>
+              </a:ext>
+            </a:extLst>
+          </p:cNvPr>
+          <p:cNvPicPr>
+            <a:picLocks noChangeAspect="1"/>
+          </p:cNvPicPr>
+          <p:nvPr/>
+        </p:nvPicPr>
+        <p:blipFill>
+          <a:blip r:embed="rId2"/>
+          <a:stretch>
+            <a:fillRect/>
+          </a:stretch>
+        </p:blipFill>
+        <p:spPr>
+          <a:xfrm>
+            <a:off x="449426" y="2761158"/>
+            <a:ext cx="5988698" cy="2994349"/>
+          </a:xfrm>
+          <a:prstGeom prst="rect">
+            <a:avLst/>
+          </a:prstGeom>
+        </p:spPr>
+      </p:pic>
+      <p:pic>
+        <p:nvPicPr>
+          <p:cNvPr id="5" name="Picture 4">
+            <a:extLst>
+              <a:ext uri="{FF2B5EF4-FFF2-40B4-BE49-F238E27FC236}">
+                <a16:creationId xmlns:a16="http://schemas.microsoft.com/office/drawing/2014/main" id="{DAB6751B-80C6-437F-9F24-A12D3B9F9154}"/>
+              </a:ext>
+            </a:extLst>
+          </p:cNvPr>
+          <p:cNvPicPr>
+            <a:picLocks noChangeAspect="1"/>
+          </p:cNvPicPr>
+          <p:nvPr/>
+        </p:nvPicPr>
+        <p:blipFill>
+          <a:blip r:embed="rId3"/>
+          <a:stretch>
+            <a:fillRect/>
+          </a:stretch>
+        </p:blipFill>
+        <p:spPr>
+          <a:xfrm>
+            <a:off x="6736705" y="2341680"/>
+            <a:ext cx="5119322" cy="3413827"/>
+          </a:xfrm>
+          <a:prstGeom prst="rect">
+            <a:avLst/>
+          </a:prstGeom>
+        </p:spPr>
+      </p:pic>
+    </p:spTree>
+    <p:extLst>
+      <p:ext uri="{BB962C8B-B14F-4D97-AF65-F5344CB8AC3E}">
+        <p14:creationId xmlns:p14="http://schemas.microsoft.com/office/powerpoint/2010/main" val="1524615642"/>
+      </p:ext>
+    </p:extLst>
+  </p:cSld>
+  <p:clrMapOvr>
+    <a:masterClrMapping/>
+  </p:clrMapOvr>
+</p:sld>
+</file>
+
+<file path=ppt/slides/slide11.xml><?xml version="1.0" encoding="utf-8"?>
+<p:sld xmlns:a="http://schemas.openxmlformats.org/drawingml/2006/main" xmlns:r="http://schemas.openxmlformats.org/officeDocument/2006/relationships" xmlns:p="http://schemas.openxmlformats.org/presentationml/2006/main">
+  <p:cSld>
+    <p:spTree>
+      <p:nvGrpSpPr>
+        <p:cNvPr id="1" name=""/>
+        <p:cNvGrpSpPr/>
+        <p:nvPr/>
+      </p:nvGrpSpPr>
+      <p:grpSpPr>
+        <a:xfrm>
+          <a:off x="0" y="0"/>
+          <a:ext cx="0" cy="0"/>
+          <a:chOff x="0" y="0"/>
+          <a:chExt cx="0" cy="0"/>
+        </a:xfrm>
+      </p:grpSpPr>
+      <p:sp>
+        <p:nvSpPr>
+          <p:cNvPr id="2" name="Text Placeholder 1">
+            <a:extLst>
+              <a:ext uri="{FF2B5EF4-FFF2-40B4-BE49-F238E27FC236}">
+                <a16:creationId xmlns:a16="http://schemas.microsoft.com/office/drawing/2014/main" id="{9E0F694A-8548-2372-D6A8-4EB7F6F5415B}"/>
               </a:ext>
             </a:extLst>
           </p:cNvPr>
@@ -7031,78 +7713,98 @@
         </p:nvSpPr>
         <p:spPr>
           <a:xfrm>
-            <a:off x="4457700" y="1492899"/>
-            <a:ext cx="7219043" cy="4649140"/>
+            <a:off x="3844212" y="1904999"/>
+            <a:ext cx="7832531" cy="4169230"/>
           </a:xfrm>
         </p:spPr>
         <p:txBody>
-          <a:bodyPr vert="horz" lIns="91440" tIns="45720" rIns="91440" bIns="45720" rtlCol="0" anchor="t">
+          <a:bodyPr>
             <a:normAutofit/>
           </a:bodyPr>
           <a:lstStyle/>
           <a:p>
             <a:r>
               <a:rPr lang="en-US" sz="3200" dirty="0"/>
-              <a:t>Speller:</a:t>
-            </a:r>
-          </a:p>
-          <a:p>
-            <a:pPr marL="285750" indent="-285750">
-              <a:buFont typeface="Arial" panose="020B0604020202020204" pitchFamily="34" charset="0"/>
-              <a:buChar char="•"/>
-            </a:pPr>
+              <a:t>A programming language! Closest to C:</a:t>
+            </a:r>
+          </a:p>
+          <a:p>
             <a:r>
               <a:rPr lang="en-US" sz="3200" b="0" dirty="0"/>
-              <a:t>Hash function: make sure your function at least USES every letter in the string to calculate the hash value.</a:t>
-            </a:r>
-          </a:p>
-          <a:p>
-            <a:pPr marL="285750" indent="-285750">
-              <a:buFont typeface="Arial" panose="020B0604020202020204" pitchFamily="34" charset="0"/>
-              <a:buChar char="•"/>
-            </a:pPr>
+              <a:t>Let x = 5; or var x = 5;           const y = 10;</a:t>
+            </a:r>
+          </a:p>
+          <a:p>
+            <a:endParaRPr lang="en-US" sz="3200" b="0" dirty="0"/>
+          </a:p>
+          <a:p>
             <a:r>
               <a:rPr lang="en-US" sz="3200" b="0" dirty="0"/>
-              <a:t>Lots of arrow notation </a:t>
-            </a:r>
-            <a:r>
-              <a:rPr lang="en-US" sz="3200" b="0" dirty="0">
-                <a:sym typeface="Wingdings" panose="05000000000000000000" pitchFamily="2" charset="2"/>
-              </a:rPr>
-              <a:t></a:t>
-            </a:r>
-            <a:endParaRPr lang="en-US" sz="3200" b="0" dirty="0"/>
-          </a:p>
-          <a:p>
-            <a:pPr marL="285750" indent="-285750">
-              <a:buFont typeface="Arial" panose="020B0604020202020204" pitchFamily="34" charset="0"/>
-              <a:buChar char="•"/>
-            </a:pPr>
+              <a:t>function </a:t>
+            </a:r>
+            <a:r>
+              <a:rPr lang="en-US" sz="3200" b="0" dirty="0" err="1"/>
+              <a:t>doSomething</a:t>
+            </a:r>
             <a:r>
               <a:rPr lang="en-US" sz="3200" b="0" dirty="0"/>
-              <a:t>Remember to free all nodes and close files!</a:t>
-            </a:r>
-          </a:p>
-          <a:p>
-            <a:pPr marL="285750" indent="-285750">
-              <a:buFont typeface="Arial" panose="020B0604020202020204" pitchFamily="34" charset="0"/>
-              <a:buChar char="•"/>
-            </a:pPr>
-            <a:r>
-              <a:rPr lang="en-US" sz="3200" b="0" dirty="0" err="1"/>
-              <a:t>Strcpy</a:t>
-            </a:r>
+              <a:t> (x) {</a:t>
+            </a:r>
+          </a:p>
+          <a:p>
             <a:r>
               <a:rPr lang="en-US" sz="3200" b="0" dirty="0"/>
-              <a:t> may be useful, but is there a way to handle load without using it?</a:t>
-            </a:r>
+              <a:t>	return x + 3;</a:t>
+            </a:r>
+          </a:p>
+          <a:p>
+            <a:r>
+              <a:rPr lang="en-US" sz="3200" b="0" dirty="0"/>
+              <a:t>}</a:t>
+            </a:r>
+          </a:p>
+          <a:p>
+            <a:r>
+              <a:rPr lang="nn-NO" sz="3200" b="0" dirty="0"/>
+              <a:t>for (let i = 0; i &lt; items.length; i++) { ...</a:t>
+            </a:r>
+            <a:endParaRPr lang="en-GB" sz="3200" b="0" dirty="0"/>
+          </a:p>
+        </p:txBody>
+      </p:sp>
+      <p:sp>
+        <p:nvSpPr>
+          <p:cNvPr id="3" name="Title 2">
+            <a:extLst>
+              <a:ext uri="{FF2B5EF4-FFF2-40B4-BE49-F238E27FC236}">
+                <a16:creationId xmlns:a16="http://schemas.microsoft.com/office/drawing/2014/main" id="{FF2BC59E-5D8F-0F30-F86E-BBF5CB7B3970}"/>
+              </a:ext>
+            </a:extLst>
+          </p:cNvPr>
+          <p:cNvSpPr>
+            <a:spLocks noGrp="1"/>
+          </p:cNvSpPr>
+          <p:nvPr>
+            <p:ph type="title"/>
+          </p:nvPr>
+        </p:nvSpPr>
+        <p:spPr/>
+        <p:txBody>
+          <a:bodyPr/>
+          <a:lstStyle/>
+          <a:p>
+            <a:r>
+              <a:rPr lang="en-US" dirty="0"/>
+              <a:t>JS basics</a:t>
+            </a:r>
+            <a:endParaRPr lang="en-GB" dirty="0"/>
           </a:p>
         </p:txBody>
       </p:sp>
     </p:spTree>
     <p:extLst>
       <p:ext uri="{BB962C8B-B14F-4D97-AF65-F5344CB8AC3E}">
-        <p14:creationId xmlns:p14="http://schemas.microsoft.com/office/powerpoint/2010/main" val="2701910104"/>
+        <p14:creationId xmlns:p14="http://schemas.microsoft.com/office/powerpoint/2010/main" val="368663873"/>
       </p:ext>
     </p:extLst>
   </p:cSld>
@@ -7124,634 +7826,7 @@
 </p:sld>
 </file>
 
-<file path=ppt/slides/slide11.xml><?xml version="1.0" encoding="utf-8"?>
-<p:sld xmlns:a="http://schemas.openxmlformats.org/drawingml/2006/main" xmlns:r="http://schemas.openxmlformats.org/officeDocument/2006/relationships" xmlns:p="http://schemas.openxmlformats.org/presentationml/2006/main">
-  <p:cSld>
-    <p:bg>
-      <p:bgPr>
-        <a:solidFill>
-          <a:schemeClr val="accent5"/>
-        </a:solidFill>
-        <a:effectLst/>
-      </p:bgPr>
-    </p:bg>
-    <p:spTree>
-      <p:nvGrpSpPr>
-        <p:cNvPr id="1" name=""/>
-        <p:cNvGrpSpPr/>
-        <p:nvPr/>
-      </p:nvGrpSpPr>
-      <p:grpSpPr>
-        <a:xfrm>
-          <a:off x="0" y="0"/>
-          <a:ext cx="0" cy="0"/>
-          <a:chOff x="0" y="0"/>
-          <a:chExt cx="0" cy="0"/>
-        </a:xfrm>
-      </p:grpSpPr>
-      <p:sp>
-        <p:nvSpPr>
-          <p:cNvPr id="4" name="Title 3">
-            <a:extLst>
-              <a:ext uri="{FF2B5EF4-FFF2-40B4-BE49-F238E27FC236}">
-                <a16:creationId xmlns:a16="http://schemas.microsoft.com/office/drawing/2014/main" id="{FD9E38B3-4686-8247-9625-49018D29F408}"/>
-              </a:ext>
-            </a:extLst>
-          </p:cNvPr>
-          <p:cNvSpPr>
-            <a:spLocks noGrp="1"/>
-          </p:cNvSpPr>
-          <p:nvPr>
-            <p:ph type="title"/>
-          </p:nvPr>
-        </p:nvSpPr>
-        <p:spPr>
-          <a:xfrm>
-            <a:off x="1525298" y="4685478"/>
-            <a:ext cx="9141397" cy="1231106"/>
-          </a:xfrm>
-        </p:spPr>
-        <p:txBody>
-          <a:bodyPr/>
-          <a:lstStyle/>
-          <a:p>
-            <a:pPr algn="ctr"/>
-            <a:r>
-              <a:rPr lang="en-US" sz="4000" b="1" dirty="0" err="1">
-                <a:solidFill>
-                  <a:schemeClr val="tx1"/>
-                </a:solidFill>
-              </a:rPr>
-              <a:t>Cya</a:t>
-            </a:r>
-            <a:r>
-              <a:rPr lang="en-US" sz="4000" b="1" dirty="0">
-                <a:solidFill>
-                  <a:schemeClr val="tx1"/>
-                </a:solidFill>
-              </a:rPr>
-              <a:t> next week :D</a:t>
-            </a:r>
-            <a:br>
-              <a:rPr lang="en-US" sz="4000" b="1" dirty="0">
-                <a:solidFill>
-                  <a:schemeClr val="tx1"/>
-                </a:solidFill>
-              </a:rPr>
-            </a:br>
-            <a:r>
-              <a:rPr lang="en-US" sz="4000" b="1" dirty="0">
-                <a:solidFill>
-                  <a:schemeClr val="tx1"/>
-                </a:solidFill>
-              </a:rPr>
-              <a:t>TIME FOR A NEW LANGUAGE!</a:t>
-            </a:r>
-            <a:endParaRPr lang="en-US" b="1" dirty="0">
-              <a:solidFill>
-                <a:schemeClr val="tx1"/>
-              </a:solidFill>
-            </a:endParaRPr>
-          </a:p>
-        </p:txBody>
-      </p:sp>
-      <p:pic>
-        <p:nvPicPr>
-          <p:cNvPr id="3074" name="Picture 2" descr="Pokémon Go Community Day September - Oshawott | WePC">
-            <a:extLst>
-              <a:ext uri="{FF2B5EF4-FFF2-40B4-BE49-F238E27FC236}">
-                <a16:creationId xmlns:a16="http://schemas.microsoft.com/office/drawing/2014/main" id="{50D6D74D-57BF-C327-B2B4-C68ED958CA4C}"/>
-              </a:ext>
-            </a:extLst>
-          </p:cNvPr>
-          <p:cNvPicPr>
-            <a:picLocks noChangeAspect="1" noChangeArrowheads="1"/>
-          </p:cNvPicPr>
-          <p:nvPr/>
-        </p:nvPicPr>
-        <p:blipFill>
-          <a:blip r:embed="rId2">
-            <a:extLst>
-              <a:ext uri="{28A0092B-C50C-407E-A947-70E740481C1C}">
-                <a14:useLocalDpi xmlns:a14="http://schemas.microsoft.com/office/drawing/2010/main" val="0"/>
-              </a:ext>
-            </a:extLst>
-          </a:blip>
-          <a:srcRect/>
-          <a:stretch>
-            <a:fillRect/>
-          </a:stretch>
-        </p:blipFill>
-        <p:spPr bwMode="auto">
-          <a:xfrm>
-            <a:off x="2882120" y="788437"/>
-            <a:ext cx="6427755" cy="3615612"/>
-          </a:xfrm>
-          <a:prstGeom prst="rect">
-            <a:avLst/>
-          </a:prstGeom>
-          <a:noFill/>
-          <a:extLst>
-            <a:ext uri="{909E8E84-426E-40DD-AFC4-6F175D3DCCD1}">
-              <a14:hiddenFill xmlns:a14="http://schemas.microsoft.com/office/drawing/2010/main">
-                <a:solidFill>
-                  <a:srgbClr val="FFFFFF"/>
-                </a:solidFill>
-              </a14:hiddenFill>
-            </a:ext>
-          </a:extLst>
-        </p:spPr>
-      </p:pic>
-    </p:spTree>
-    <p:extLst>
-      <p:ext uri="{BB962C8B-B14F-4D97-AF65-F5344CB8AC3E}">
-        <p14:creationId xmlns:p14="http://schemas.microsoft.com/office/powerpoint/2010/main" val="1533608244"/>
-      </p:ext>
-    </p:extLst>
-  </p:cSld>
-  <p:clrMapOvr>
-    <a:masterClrMapping/>
-  </p:clrMapOvr>
-  <mc:AlternateContent xmlns:mc="http://schemas.openxmlformats.org/markup-compatibility/2006" xmlns:p14="http://schemas.microsoft.com/office/powerpoint/2010/main">
-    <mc:Choice Requires="p14">
-      <p:transition spd="med" p14:dur="700">
-        <p:fade/>
-      </p:transition>
-    </mc:Choice>
-    <mc:Fallback xmlns="">
-      <p:transition spd="med">
-        <p:fade/>
-      </p:transition>
-    </mc:Fallback>
-  </mc:AlternateContent>
-</p:sld>
-</file>
-
-<file path=ppt/slides/slide2.xml><?xml version="1.0" encoding="utf-8"?>
-<p:sld xmlns:a="http://schemas.openxmlformats.org/drawingml/2006/main" xmlns:r="http://schemas.openxmlformats.org/officeDocument/2006/relationships" xmlns:p="http://schemas.openxmlformats.org/presentationml/2006/main">
-  <p:cSld>
-    <p:spTree>
-      <p:nvGrpSpPr>
-        <p:cNvPr id="1" name=""/>
-        <p:cNvGrpSpPr/>
-        <p:nvPr/>
-      </p:nvGrpSpPr>
-      <p:grpSpPr>
-        <a:xfrm>
-          <a:off x="0" y="0"/>
-          <a:ext cx="0" cy="0"/>
-          <a:chOff x="0" y="0"/>
-          <a:chExt cx="0" cy="0"/>
-        </a:xfrm>
-      </p:grpSpPr>
-      <p:sp>
-        <p:nvSpPr>
-          <p:cNvPr id="5" name="Text Placeholder 4">
-            <a:extLst>
-              <a:ext uri="{FF2B5EF4-FFF2-40B4-BE49-F238E27FC236}">
-                <a16:creationId xmlns:a16="http://schemas.microsoft.com/office/drawing/2014/main" id="{3E7DA5E5-53BF-3F47-CEC2-092473DAE151}"/>
-              </a:ext>
-            </a:extLst>
-          </p:cNvPr>
-          <p:cNvSpPr>
-            <a:spLocks noGrp="1"/>
-          </p:cNvSpPr>
-          <p:nvPr>
-            <p:ph type="body" sz="quarter" idx="11"/>
-          </p:nvPr>
-        </p:nvSpPr>
-        <p:spPr>
-          <a:xfrm>
-            <a:off x="4457700" y="1904999"/>
-            <a:ext cx="7219043" cy="4019551"/>
-          </a:xfrm>
-        </p:spPr>
-        <p:txBody>
-          <a:bodyPr>
-            <a:normAutofit/>
-          </a:bodyPr>
-          <a:lstStyle/>
-          <a:p>
-            <a:r>
-              <a:rPr lang="en-US" sz="3200" u="sng" dirty="0"/>
-              <a:t>Tutorial time</a:t>
-            </a:r>
-          </a:p>
-          <a:p>
-            <a:r>
-              <a:rPr lang="en-US" sz="3200" b="0" dirty="0"/>
-              <a:t>5-6pm </a:t>
-            </a:r>
-            <a:r>
-              <a:rPr lang="en-US" sz="3200" b="0" dirty="0" err="1"/>
-              <a:t>Pfoho</a:t>
-            </a:r>
-            <a:r>
-              <a:rPr lang="en-US" sz="3200" b="0" dirty="0"/>
-              <a:t> </a:t>
-            </a:r>
-            <a:r>
-              <a:rPr lang="en-US" sz="3200" b="0" dirty="0" err="1"/>
-              <a:t>dhall</a:t>
-            </a:r>
-            <a:r>
-              <a:rPr lang="en-US" sz="3200" b="0" dirty="0"/>
-              <a:t> (can be hybrid, email me if needed)</a:t>
-            </a:r>
-          </a:p>
-          <a:p>
-            <a:r>
-              <a:rPr lang="en-US" sz="3200" u="sng" dirty="0"/>
-              <a:t>Email</a:t>
-            </a:r>
-            <a:endParaRPr lang="en-US" sz="3200" b="0" dirty="0"/>
-          </a:p>
-          <a:p>
-            <a:r>
-              <a:rPr lang="en-US" sz="3200" dirty="0">
-                <a:hlinkClick r:id="rId2"/>
-              </a:rPr>
-              <a:t>aholmes@college.harvard.edu</a:t>
-            </a:r>
-            <a:endParaRPr lang="en-US" sz="3200" u="sng" dirty="0">
-              <a:hlinkClick r:id="rId3"/>
-            </a:endParaRPr>
-          </a:p>
-          <a:p>
-            <a:r>
-              <a:rPr lang="en-US" sz="3200" u="sng" dirty="0">
-                <a:hlinkClick r:id="rId3"/>
-              </a:rPr>
-              <a:t>Slack</a:t>
-            </a:r>
-            <a:endParaRPr lang="en-US" sz="3200" b="0" dirty="0"/>
-          </a:p>
-        </p:txBody>
-      </p:sp>
-      <p:sp>
-        <p:nvSpPr>
-          <p:cNvPr id="4" name="Title 3">
-            <a:extLst>
-              <a:ext uri="{FF2B5EF4-FFF2-40B4-BE49-F238E27FC236}">
-                <a16:creationId xmlns:a16="http://schemas.microsoft.com/office/drawing/2014/main" id="{7E9B8C64-6B03-CA49-CC44-F37FB66EA8DB}"/>
-              </a:ext>
-            </a:extLst>
-          </p:cNvPr>
-          <p:cNvSpPr>
-            <a:spLocks noGrp="1"/>
-          </p:cNvSpPr>
-          <p:nvPr>
-            <p:ph type="title"/>
-          </p:nvPr>
-        </p:nvSpPr>
-        <p:spPr/>
-        <p:txBody>
-          <a:bodyPr>
-            <a:normAutofit/>
-          </a:bodyPr>
-          <a:lstStyle/>
-          <a:p>
-            <a:r>
-              <a:rPr lang="en-US" sz="4800" dirty="0"/>
-              <a:t>Useful info</a:t>
-            </a:r>
-            <a:endParaRPr lang="en-GB" sz="4800" dirty="0"/>
-          </a:p>
-        </p:txBody>
-      </p:sp>
-    </p:spTree>
-    <p:extLst>
-      <p:ext uri="{BB962C8B-B14F-4D97-AF65-F5344CB8AC3E}">
-        <p14:creationId xmlns:p14="http://schemas.microsoft.com/office/powerpoint/2010/main" val="1851186468"/>
-      </p:ext>
-    </p:extLst>
-  </p:cSld>
-  <p:clrMapOvr>
-    <a:masterClrMapping/>
-  </p:clrMapOvr>
-  <mc:AlternateContent xmlns:mc="http://schemas.openxmlformats.org/markup-compatibility/2006" xmlns:p14="http://schemas.microsoft.com/office/powerpoint/2010/main">
-    <mc:Choice Requires="p14">
-      <p:transition spd="med" p14:dur="700">
-        <p:fade/>
-      </p:transition>
-    </mc:Choice>
-    <mc:Fallback xmlns="">
-      <p:transition spd="med">
-        <p:fade/>
-      </p:transition>
-    </mc:Fallback>
-  </mc:AlternateContent>
-</p:sld>
-</file>
-
-<file path=ppt/slides/slide3.xml><?xml version="1.0" encoding="utf-8"?>
-<p:sld xmlns:a="http://schemas.openxmlformats.org/drawingml/2006/main" xmlns:r="http://schemas.openxmlformats.org/officeDocument/2006/relationships" xmlns:p="http://schemas.openxmlformats.org/presentationml/2006/main">
-  <p:cSld>
-    <p:bg>
-      <p:bgPr>
-        <a:solidFill>
-          <a:schemeClr val="accent1"/>
-        </a:solidFill>
-        <a:effectLst/>
-      </p:bgPr>
-    </p:bg>
-    <p:spTree>
-      <p:nvGrpSpPr>
-        <p:cNvPr id="1" name=""/>
-        <p:cNvGrpSpPr/>
-        <p:nvPr/>
-      </p:nvGrpSpPr>
-      <p:grpSpPr>
-        <a:xfrm>
-          <a:off x="0" y="0"/>
-          <a:ext cx="0" cy="0"/>
-          <a:chOff x="0" y="0"/>
-          <a:chExt cx="0" cy="0"/>
-        </a:xfrm>
-      </p:grpSpPr>
-      <p:sp>
-        <p:nvSpPr>
-          <p:cNvPr id="4" name="Title 3">
-            <a:extLst>
-              <a:ext uri="{FF2B5EF4-FFF2-40B4-BE49-F238E27FC236}">
-                <a16:creationId xmlns:a16="http://schemas.microsoft.com/office/drawing/2014/main" id="{FD9E38B3-4686-8247-9625-49018D29F408}"/>
-              </a:ext>
-            </a:extLst>
-          </p:cNvPr>
-          <p:cNvSpPr>
-            <a:spLocks noGrp="1"/>
-          </p:cNvSpPr>
-          <p:nvPr>
-            <p:ph type="title"/>
-          </p:nvPr>
-        </p:nvSpPr>
-        <p:spPr>
-          <a:xfrm>
-            <a:off x="1525301" y="558553"/>
-            <a:ext cx="9141397" cy="615553"/>
-          </a:xfrm>
-        </p:spPr>
-        <p:txBody>
-          <a:bodyPr/>
-          <a:lstStyle/>
-          <a:p>
-            <a:pPr algn="ctr"/>
-            <a:r>
-              <a:rPr lang="en-US" sz="4000" b="1" dirty="0">
-                <a:solidFill>
-                  <a:schemeClr val="tx1"/>
-                </a:solidFill>
-              </a:rPr>
-              <a:t>Today’s Logistics</a:t>
-            </a:r>
-          </a:p>
-        </p:txBody>
-      </p:sp>
-      <p:sp>
-        <p:nvSpPr>
-          <p:cNvPr id="6" name="Text Placeholder 5">
-            <a:extLst>
-              <a:ext uri="{FF2B5EF4-FFF2-40B4-BE49-F238E27FC236}">
-                <a16:creationId xmlns:a16="http://schemas.microsoft.com/office/drawing/2014/main" id="{7DCBA01B-ECA4-4938-872A-B38BEB13AC06}"/>
-              </a:ext>
-            </a:extLst>
-          </p:cNvPr>
-          <p:cNvSpPr>
-            <a:spLocks noGrp="1"/>
-          </p:cNvSpPr>
-          <p:nvPr>
-            <p:ph type="body" sz="quarter" idx="12"/>
-          </p:nvPr>
-        </p:nvSpPr>
-        <p:spPr>
-          <a:xfrm>
-            <a:off x="2196305" y="1894243"/>
-            <a:ext cx="7799387" cy="3993373"/>
-          </a:xfrm>
-        </p:spPr>
-        <p:txBody>
-          <a:bodyPr/>
-          <a:lstStyle/>
-          <a:p>
-            <a:pPr marL="285750" indent="-285750">
-              <a:spcAft>
-                <a:spcPts val="1000"/>
-              </a:spcAft>
-              <a:buFont typeface="Arial" panose="020B0604020202020204" pitchFamily="34" charset="0"/>
-              <a:buChar char="•"/>
-            </a:pPr>
-            <a:r>
-              <a:rPr lang="en-US" sz="4000" dirty="0">
-                <a:solidFill>
-                  <a:srgbClr val="002060"/>
-                </a:solidFill>
-              </a:rPr>
-              <a:t>HTML</a:t>
-            </a:r>
-          </a:p>
-          <a:p>
-            <a:pPr marL="285750" indent="-285750">
-              <a:spcAft>
-                <a:spcPts val="1000"/>
-              </a:spcAft>
-              <a:buFont typeface="Arial" panose="020B0604020202020204" pitchFamily="34" charset="0"/>
-              <a:buChar char="•"/>
-            </a:pPr>
-            <a:r>
-              <a:rPr lang="en-US" sz="4000" dirty="0">
-                <a:solidFill>
-                  <a:srgbClr val="002060"/>
-                </a:solidFill>
-              </a:rPr>
-              <a:t>CSS</a:t>
-            </a:r>
-          </a:p>
-          <a:p>
-            <a:pPr marL="285750" indent="-285750">
-              <a:spcAft>
-                <a:spcPts val="1000"/>
-              </a:spcAft>
-              <a:buFont typeface="Arial" panose="020B0604020202020204" pitchFamily="34" charset="0"/>
-              <a:buChar char="•"/>
-            </a:pPr>
-            <a:endParaRPr lang="en-US" sz="4000" dirty="0">
-              <a:solidFill>
-                <a:schemeClr val="tx1"/>
-              </a:solidFill>
-            </a:endParaRPr>
-          </a:p>
-        </p:txBody>
-      </p:sp>
-    </p:spTree>
-    <p:extLst>
-      <p:ext uri="{BB962C8B-B14F-4D97-AF65-F5344CB8AC3E}">
-        <p14:creationId xmlns:p14="http://schemas.microsoft.com/office/powerpoint/2010/main" val="85230843"/>
-      </p:ext>
-    </p:extLst>
-  </p:cSld>
-  <p:clrMapOvr>
-    <a:masterClrMapping/>
-  </p:clrMapOvr>
-  <mc:AlternateContent xmlns:mc="http://schemas.openxmlformats.org/markup-compatibility/2006" xmlns:p14="http://schemas.microsoft.com/office/powerpoint/2010/main">
-    <mc:Choice Requires="p14">
-      <p:transition spd="med" p14:dur="700">
-        <p:fade/>
-      </p:transition>
-    </mc:Choice>
-    <mc:Fallback xmlns="">
-      <p:transition spd="med">
-        <p:fade/>
-      </p:transition>
-    </mc:Fallback>
-  </mc:AlternateContent>
-</p:sld>
-</file>
-
-<file path=ppt/slides/slide4.xml><?xml version="1.0" encoding="utf-8"?>
-<p:sld xmlns:a="http://schemas.openxmlformats.org/drawingml/2006/main" xmlns:r="http://schemas.openxmlformats.org/officeDocument/2006/relationships" xmlns:p="http://schemas.openxmlformats.org/presentationml/2006/main">
-  <p:cSld>
-    <p:spTree>
-      <p:nvGrpSpPr>
-        <p:cNvPr id="1" name=""/>
-        <p:cNvGrpSpPr/>
-        <p:nvPr/>
-      </p:nvGrpSpPr>
-      <p:grpSpPr>
-        <a:xfrm>
-          <a:off x="0" y="0"/>
-          <a:ext cx="0" cy="0"/>
-          <a:chOff x="0" y="0"/>
-          <a:chExt cx="0" cy="0"/>
-        </a:xfrm>
-      </p:grpSpPr>
-      <p:sp>
-        <p:nvSpPr>
-          <p:cNvPr id="3" name="Text Placeholder 2">
-            <a:extLst>
-              <a:ext uri="{FF2B5EF4-FFF2-40B4-BE49-F238E27FC236}">
-                <a16:creationId xmlns:a16="http://schemas.microsoft.com/office/drawing/2014/main" id="{728FECCA-83AF-4AB3-A052-968DBB214CB7}"/>
-              </a:ext>
-            </a:extLst>
-          </p:cNvPr>
-          <p:cNvSpPr>
-            <a:spLocks noGrp="1"/>
-          </p:cNvSpPr>
-          <p:nvPr>
-            <p:ph type="body" sz="quarter" idx="13"/>
-          </p:nvPr>
-        </p:nvSpPr>
-        <p:spPr>
-          <a:xfrm>
-            <a:off x="762000" y="2830327"/>
-            <a:ext cx="10668000" cy="2731487"/>
-          </a:xfrm>
-        </p:spPr>
-        <p:txBody>
-          <a:bodyPr/>
-          <a:lstStyle/>
-          <a:p>
-            <a:pPr algn="ctr">
-              <a:lnSpc>
-                <a:spcPct val="150000"/>
-              </a:lnSpc>
-            </a:pPr>
-            <a:r>
-              <a:rPr lang="en-US" sz="4000" dirty="0"/>
-              <a:t>Practice with structs and arrow notation </a:t>
-            </a:r>
-            <a:r>
-              <a:rPr lang="en-US" sz="4000" dirty="0">
-                <a:sym typeface="Wingdings" panose="05000000000000000000" pitchFamily="2" charset="2"/>
-              </a:rPr>
-              <a:t>:)</a:t>
-            </a:r>
-            <a:endParaRPr lang="en-US" sz="4000" dirty="0"/>
-          </a:p>
-          <a:p>
-            <a:pPr algn="ctr">
-              <a:lnSpc>
-                <a:spcPct val="150000"/>
-              </a:lnSpc>
-            </a:pPr>
-            <a:r>
-              <a:rPr lang="en-GB" sz="4000" dirty="0" err="1"/>
-              <a:t>Structs.c</a:t>
-            </a:r>
-            <a:r>
-              <a:rPr lang="en-GB" sz="4000" dirty="0"/>
-              <a:t> in your email</a:t>
-            </a:r>
-          </a:p>
-          <a:p>
-            <a:pPr algn="ctr">
-              <a:lnSpc>
-                <a:spcPct val="150000"/>
-              </a:lnSpc>
-            </a:pPr>
-            <a:r>
-              <a:rPr lang="en-GB" sz="4000" dirty="0"/>
-              <a:t>Team up!</a:t>
-            </a:r>
-          </a:p>
-        </p:txBody>
-      </p:sp>
-      <p:sp>
-        <p:nvSpPr>
-          <p:cNvPr id="2" name="Title 1">
-            <a:extLst>
-              <a:ext uri="{FF2B5EF4-FFF2-40B4-BE49-F238E27FC236}">
-                <a16:creationId xmlns:a16="http://schemas.microsoft.com/office/drawing/2014/main" id="{9183E59B-241F-D343-19AA-E5C9FA65B668}"/>
-              </a:ext>
-            </a:extLst>
-          </p:cNvPr>
-          <p:cNvSpPr>
-            <a:spLocks noGrp="1"/>
-          </p:cNvSpPr>
-          <p:nvPr>
-            <p:ph type="title"/>
-          </p:nvPr>
-        </p:nvSpPr>
-        <p:spPr>
-          <a:xfrm>
-            <a:off x="762000" y="1504244"/>
-            <a:ext cx="10668000" cy="1015663"/>
-          </a:xfrm>
-        </p:spPr>
-        <p:txBody>
-          <a:bodyPr/>
-          <a:lstStyle/>
-          <a:p>
-            <a:pPr algn="ctr"/>
-            <a:r>
-              <a:rPr lang="en-US" sz="6600" dirty="0" err="1">
-                <a:solidFill>
-                  <a:schemeClr val="tx1"/>
-                </a:solidFill>
-              </a:rPr>
-              <a:t>Structs.c</a:t>
-            </a:r>
-            <a:endParaRPr lang="en-GB" sz="6600" dirty="0">
-              <a:solidFill>
-                <a:schemeClr val="tx1"/>
-              </a:solidFill>
-            </a:endParaRPr>
-          </a:p>
-        </p:txBody>
-      </p:sp>
-    </p:spTree>
-    <p:extLst>
-      <p:ext uri="{BB962C8B-B14F-4D97-AF65-F5344CB8AC3E}">
-        <p14:creationId xmlns:p14="http://schemas.microsoft.com/office/powerpoint/2010/main" val="3696992974"/>
-      </p:ext>
-    </p:extLst>
-  </p:cSld>
-  <p:clrMapOvr>
-    <a:masterClrMapping/>
-  </p:clrMapOvr>
-</p:sld>
-</file>
-
-<file path=ppt/slides/slide5.xml><?xml version="1.0" encoding="utf-8"?>
+<file path=ppt/slides/slide12.xml><?xml version="1.0" encoding="utf-8"?>
 <p:sld xmlns:a="http://schemas.openxmlformats.org/drawingml/2006/main" xmlns:r="http://schemas.openxmlformats.org/officeDocument/2006/relationships" xmlns:p="http://schemas.openxmlformats.org/presentationml/2006/main">
   <p:cSld>
     <p:spTree>
@@ -7784,48 +7859,114 @@
             <p:ph type="body" sz="quarter" idx="11"/>
           </p:nvPr>
         </p:nvSpPr>
-        <p:spPr/>
+        <p:spPr>
+          <a:xfrm>
+            <a:off x="3508310" y="1905000"/>
+            <a:ext cx="8168433" cy="3276600"/>
+          </a:xfrm>
+        </p:spPr>
         <p:txBody>
-          <a:bodyPr/>
+          <a:bodyPr>
+            <a:normAutofit/>
+          </a:bodyPr>
           <a:lstStyle/>
           <a:p>
-            <a:endParaRPr lang="en-US" dirty="0"/>
-          </a:p>
-          <a:p>
-            <a:endParaRPr lang="en-GB" dirty="0"/>
-          </a:p>
-          <a:p>
-            <a:r>
-              <a:rPr lang="en-GB" dirty="0"/>
+            <a:r>
+              <a:rPr lang="en-US" sz="2000" dirty="0" err="1"/>
+              <a:t>Javascript</a:t>
+            </a:r>
+            <a:r>
+              <a:rPr lang="en-US" sz="2000" dirty="0"/>
+              <a:t> allows us to manipulate the DOM. To do so, we need to get DOM objects:</a:t>
+            </a:r>
+          </a:p>
+          <a:p>
+            <a:endParaRPr lang="en-GB" sz="2000" dirty="0"/>
+          </a:p>
+          <a:p>
+            <a:r>
+              <a:rPr lang="en-GB" sz="2000" dirty="0"/>
               <a:t>.</a:t>
             </a:r>
             <a:r>
-              <a:rPr lang="en-GB" dirty="0" err="1"/>
+              <a:rPr lang="en-GB" sz="2000" dirty="0" err="1"/>
               <a:t>getElementById</a:t>
             </a:r>
-            <a:endParaRPr lang="en-GB" dirty="0"/>
-          </a:p>
-          <a:p>
-            <a:r>
-              <a:rPr lang="en-GB" dirty="0"/>
+            <a:r>
+              <a:rPr lang="en-GB" sz="2000" dirty="0"/>
+              <a:t>	</a:t>
+            </a:r>
+            <a:r>
+              <a:rPr lang="en-GB" sz="2000" b="0" dirty="0" err="1"/>
+              <a:t>document.getElementById</a:t>
+            </a:r>
+            <a:r>
+              <a:rPr lang="en-GB" sz="2000" b="0" dirty="0"/>
+              <a:t>(‘main-p’)</a:t>
+            </a:r>
+          </a:p>
+          <a:p>
+            <a:r>
+              <a:rPr lang="en-GB" sz="2000" dirty="0"/>
               <a:t>.</a:t>
             </a:r>
             <a:r>
-              <a:rPr lang="en-GB" dirty="0" err="1"/>
+              <a:rPr lang="en-GB" sz="2000" dirty="0" err="1"/>
               <a:t>querySelector</a:t>
             </a:r>
-            <a:endParaRPr lang="en-GB" dirty="0"/>
-          </a:p>
-          <a:p>
-            <a:r>
-              <a:rPr lang="en-GB" dirty="0"/>
+            <a:r>
+              <a:rPr lang="en-GB" sz="2000" dirty="0"/>
+              <a:t>		</a:t>
+            </a:r>
+            <a:r>
+              <a:rPr lang="en-GB" sz="2000" b="0" dirty="0" err="1"/>
+              <a:t>document.querySelector</a:t>
+            </a:r>
+            <a:r>
+              <a:rPr lang="en-GB" sz="2000" b="0" dirty="0"/>
+              <a:t>(‘.item’)</a:t>
+            </a:r>
+          </a:p>
+          <a:p>
+            <a:r>
+              <a:rPr lang="en-GB" sz="2000" dirty="0"/>
               <a:t>.</a:t>
             </a:r>
             <a:r>
-              <a:rPr lang="en-GB" dirty="0" err="1"/>
+              <a:rPr lang="en-GB" sz="2000" dirty="0" err="1"/>
               <a:t>querySelectorAll</a:t>
             </a:r>
-            <a:endParaRPr lang="en-GB" dirty="0"/>
+            <a:r>
+              <a:rPr lang="en-GB" sz="2000" dirty="0"/>
+              <a:t>	</a:t>
+            </a:r>
+            <a:r>
+              <a:rPr lang="en-GB" sz="2000" b="0" dirty="0" err="1"/>
+              <a:t>document.querySelectorAll</a:t>
+            </a:r>
+            <a:r>
+              <a:rPr lang="en-GB" sz="2000" b="0" dirty="0"/>
+              <a:t>(‘.item’)</a:t>
+            </a:r>
+          </a:p>
+          <a:p>
+            <a:r>
+              <a:rPr lang="en-GB" sz="2000" dirty="0"/>
+              <a:t>.</a:t>
+            </a:r>
+            <a:r>
+              <a:rPr lang="en-GB" sz="2000" dirty="0" err="1"/>
+              <a:t>parentElement</a:t>
+            </a:r>
+            <a:r>
+              <a:rPr lang="en-GB" sz="2000" b="0" dirty="0"/>
+              <a:t>		</a:t>
+            </a:r>
+            <a:r>
+              <a:rPr lang="en-GB" sz="2000" b="0" dirty="0" err="1"/>
+              <a:t>button.parentElement</a:t>
+            </a:r>
+            <a:endParaRPr lang="en-GB" sz="2000" b="0" dirty="0"/>
           </a:p>
         </p:txBody>
       </p:sp>
@@ -7883,7 +8024,196 @@
 </p:sld>
 </file>
 
-<file path=ppt/slides/slide6.xml><?xml version="1.0" encoding="utf-8"?>
+<file path=ppt/slides/slide13.xml><?xml version="1.0" encoding="utf-8"?>
+<p:sld xmlns:a="http://schemas.openxmlformats.org/drawingml/2006/main" xmlns:r="http://schemas.openxmlformats.org/officeDocument/2006/relationships" xmlns:p="http://schemas.openxmlformats.org/presentationml/2006/main">
+  <p:cSld>
+    <p:spTree>
+      <p:nvGrpSpPr>
+        <p:cNvPr id="1" name=""/>
+        <p:cNvGrpSpPr/>
+        <p:nvPr/>
+      </p:nvGrpSpPr>
+      <p:grpSpPr>
+        <a:xfrm>
+          <a:off x="0" y="0"/>
+          <a:ext cx="0" cy="0"/>
+          <a:chOff x="0" y="0"/>
+          <a:chExt cx="0" cy="0"/>
+        </a:xfrm>
+      </p:grpSpPr>
+      <p:sp>
+        <p:nvSpPr>
+          <p:cNvPr id="5" name="Text Placeholder 4">
+            <a:extLst>
+              <a:ext uri="{FF2B5EF4-FFF2-40B4-BE49-F238E27FC236}">
+                <a16:creationId xmlns:a16="http://schemas.microsoft.com/office/drawing/2014/main" id="{0D23BF39-FAAA-A9BD-D8FE-3ED06A727328}"/>
+              </a:ext>
+            </a:extLst>
+          </p:cNvPr>
+          <p:cNvSpPr>
+            <a:spLocks noGrp="1"/>
+          </p:cNvSpPr>
+          <p:nvPr>
+            <p:ph type="body" sz="quarter" idx="11"/>
+          </p:nvPr>
+        </p:nvSpPr>
+        <p:spPr>
+          <a:xfrm>
+            <a:off x="3508310" y="1905000"/>
+            <a:ext cx="8168433" cy="3276600"/>
+          </a:xfrm>
+        </p:spPr>
+        <p:txBody>
+          <a:bodyPr>
+            <a:normAutofit/>
+          </a:bodyPr>
+          <a:lstStyle/>
+          <a:p>
+            <a:r>
+              <a:rPr lang="en-US" sz="2000" dirty="0" err="1"/>
+              <a:t>Javascript</a:t>
+            </a:r>
+            <a:r>
+              <a:rPr lang="en-US" sz="2000" dirty="0"/>
+              <a:t> allows us to manipulate the DOM. To do so, we need to get DOM objects:</a:t>
+            </a:r>
+          </a:p>
+          <a:p>
+            <a:endParaRPr lang="en-GB" sz="2000" dirty="0"/>
+          </a:p>
+          <a:p>
+            <a:r>
+              <a:rPr lang="en-GB" sz="2000" dirty="0"/>
+              <a:t>.</a:t>
+            </a:r>
+            <a:r>
+              <a:rPr lang="en-GB" sz="2000" dirty="0" err="1"/>
+              <a:t>createElement</a:t>
+            </a:r>
+            <a:r>
+              <a:rPr lang="en-GB" sz="2000" dirty="0"/>
+              <a:t>		</a:t>
+            </a:r>
+            <a:r>
+              <a:rPr lang="en-GB" sz="2000" b="0" dirty="0"/>
+              <a:t>let p = </a:t>
+            </a:r>
+            <a:r>
+              <a:rPr lang="en-GB" sz="2000" b="0" dirty="0" err="1"/>
+              <a:t>document.createElement</a:t>
+            </a:r>
+            <a:r>
+              <a:rPr lang="en-GB" sz="2000" b="0" dirty="0"/>
+              <a:t>(‘p’);</a:t>
+            </a:r>
+            <a:endParaRPr lang="en-GB" sz="2000" dirty="0"/>
+          </a:p>
+          <a:p>
+            <a:r>
+              <a:rPr lang="en-GB" sz="2000" dirty="0"/>
+              <a:t>.</a:t>
+            </a:r>
+            <a:r>
+              <a:rPr lang="en-GB" sz="2000" dirty="0" err="1"/>
+              <a:t>innerHTML</a:t>
+            </a:r>
+            <a:r>
+              <a:rPr lang="en-GB" sz="2000" dirty="0"/>
+              <a:t>		</a:t>
+            </a:r>
+            <a:r>
+              <a:rPr lang="en-GB" sz="2000" b="0" dirty="0" err="1"/>
+              <a:t>p.innerHTML</a:t>
+            </a:r>
+            <a:r>
+              <a:rPr lang="en-GB" sz="2000" b="0" dirty="0"/>
+              <a:t>(‘New paragraph!’)</a:t>
+            </a:r>
+          </a:p>
+          <a:p>
+            <a:r>
+              <a:rPr lang="en-GB" sz="2000" dirty="0"/>
+              <a:t>.style			</a:t>
+            </a:r>
+            <a:r>
+              <a:rPr lang="en-GB" sz="2000" b="0" dirty="0" err="1"/>
+              <a:t>p.style.backgroundColor</a:t>
+            </a:r>
+            <a:r>
+              <a:rPr lang="en-GB" sz="2000" b="0" dirty="0"/>
+              <a:t> = “green”;</a:t>
+            </a:r>
+          </a:p>
+          <a:p>
+            <a:endParaRPr lang="en-GB" sz="2000" b="0" dirty="0"/>
+          </a:p>
+          <a:p>
+            <a:r>
+              <a:rPr lang="en-GB" sz="2000" dirty="0">
+                <a:solidFill>
+                  <a:schemeClr val="accent1"/>
+                </a:solidFill>
+              </a:rPr>
+              <a:t>Q: What would display on a page with this code in a &lt;script&gt;</a:t>
+            </a:r>
+          </a:p>
+        </p:txBody>
+      </p:sp>
+      <p:sp>
+        <p:nvSpPr>
+          <p:cNvPr id="4" name="Title 3">
+            <a:extLst>
+              <a:ext uri="{FF2B5EF4-FFF2-40B4-BE49-F238E27FC236}">
+                <a16:creationId xmlns:a16="http://schemas.microsoft.com/office/drawing/2014/main" id="{099E674A-26AB-0DBA-E575-EA8899393C88}"/>
+              </a:ext>
+            </a:extLst>
+          </p:cNvPr>
+          <p:cNvSpPr>
+            <a:spLocks noGrp="1"/>
+          </p:cNvSpPr>
+          <p:nvPr>
+            <p:ph type="title"/>
+          </p:nvPr>
+        </p:nvSpPr>
+        <p:spPr/>
+        <p:txBody>
+          <a:bodyPr/>
+          <a:lstStyle/>
+          <a:p>
+            <a:r>
+              <a:rPr lang="en-US" dirty="0"/>
+              <a:t>JS: Manipulating DOM Elements</a:t>
+            </a:r>
+            <a:endParaRPr lang="en-GB" dirty="0"/>
+          </a:p>
+        </p:txBody>
+      </p:sp>
+    </p:spTree>
+    <p:extLst>
+      <p:ext uri="{BB962C8B-B14F-4D97-AF65-F5344CB8AC3E}">
+        <p14:creationId xmlns:p14="http://schemas.microsoft.com/office/powerpoint/2010/main" val="1775961184"/>
+      </p:ext>
+    </p:extLst>
+  </p:cSld>
+  <p:clrMapOvr>
+    <a:masterClrMapping/>
+  </p:clrMapOvr>
+  <mc:AlternateContent xmlns:mc="http://schemas.openxmlformats.org/markup-compatibility/2006">
+    <mc:Choice xmlns:p14="http://schemas.microsoft.com/office/powerpoint/2010/main" Requires="p14">
+      <p:transition spd="med" p14:dur="700">
+        <p:fade/>
+      </p:transition>
+    </mc:Choice>
+    <mc:Fallback>
+      <p:transition spd="med">
+        <p:fade/>
+      </p:transition>
+    </mc:Fallback>
+  </mc:AlternateContent>
+</p:sld>
+</file>
+
+<file path=ppt/slides/slide14.xml><?xml version="1.0" encoding="utf-8"?>
 <p:sld xmlns:a="http://schemas.openxmlformats.org/drawingml/2006/main" xmlns:r="http://schemas.openxmlformats.org/officeDocument/2006/relationships" xmlns:p="http://schemas.openxmlformats.org/presentationml/2006/main">
   <p:cSld>
     <p:spTree>
@@ -7973,8 +8303,16 @@
           <a:lstStyle/>
           <a:p>
             <a:r>
+              <a:rPr lang="en-US" sz="3600" dirty="0">
+                <a:solidFill>
+                  <a:srgbClr val="FF0000"/>
+                </a:solidFill>
+              </a:rPr>
+              <a:t>&lt;DOM_ELT&gt;.</a:t>
+            </a:r>
+            <a:r>
               <a:rPr lang="en-US" sz="3600" dirty="0"/>
-              <a:t>&lt;DOM_ELT&gt;.</a:t>
+              <a:t> </a:t>
             </a:r>
             <a:r>
               <a:rPr lang="en-US" sz="3600" dirty="0" err="1"/>
@@ -7982,7 +8320,31 @@
             </a:r>
             <a:r>
               <a:rPr lang="en-US" sz="3600" dirty="0"/>
-              <a:t>(&lt;event&gt;, &lt;fun&gt;)</a:t>
+              <a:t>(</a:t>
+            </a:r>
+            <a:r>
+              <a:rPr lang="en-US" sz="3600" dirty="0">
+                <a:solidFill>
+                  <a:srgbClr val="00B050"/>
+                </a:solidFill>
+              </a:rPr>
+              <a:t>&lt;event&gt;</a:t>
+            </a:r>
+            <a:r>
+              <a:rPr lang="en-US" sz="3600" dirty="0"/>
+              <a:t>, </a:t>
+            </a:r>
+            <a:r>
+              <a:rPr lang="en-US" sz="3600" dirty="0">
+                <a:solidFill>
+                  <a:srgbClr val="0070C0"/>
+                </a:solidFill>
+              </a:rPr>
+              <a:t>&lt;fun&gt;</a:t>
+            </a:r>
+            <a:r>
+              <a:rPr lang="en-US" sz="3600" dirty="0"/>
+              <a:t>)</a:t>
             </a:r>
           </a:p>
           <a:p>
@@ -7999,12 +8361,44 @@
           </a:p>
           <a:p>
             <a:r>
+              <a:rPr lang="en-GB" sz="3600" dirty="0" err="1">
+                <a:solidFill>
+                  <a:srgbClr val="FF0000"/>
+                </a:solidFill>
+              </a:rPr>
+              <a:t>button</a:t>
+            </a:r>
+            <a:r>
               <a:rPr lang="en-GB" sz="3600" dirty="0" err="1"/>
-              <a:t>button.addEventListener</a:t>
+              <a:t>.addEventListener</a:t>
             </a:r>
             <a:r>
               <a:rPr lang="en-GB" sz="3600" dirty="0"/>
-              <a:t>(‘click’,  				  	 			                    function() {alert(‘clicked!’)}) </a:t>
+              <a:t>(‘</a:t>
+            </a:r>
+            <a:r>
+              <a:rPr lang="en-GB" sz="3600" dirty="0">
+                <a:solidFill>
+                  <a:srgbClr val="00B050"/>
+                </a:solidFill>
+              </a:rPr>
+              <a:t>click</a:t>
+            </a:r>
+            <a:r>
+              <a:rPr lang="en-GB" sz="3600" dirty="0"/>
+              <a:t>’,  				  	 			                    </a:t>
+            </a:r>
+            <a:r>
+              <a:rPr lang="en-GB" sz="3600" dirty="0">
+                <a:solidFill>
+                  <a:srgbClr val="0070C0"/>
+                </a:solidFill>
+              </a:rPr>
+              <a:t>function() {alert(‘clicked!’)}</a:t>
+            </a:r>
+            <a:r>
+              <a:rPr lang="en-GB" sz="3600" dirty="0"/>
+              <a:t>) </a:t>
             </a:r>
           </a:p>
           <a:p>
@@ -8079,7 +8473,631 @@
 </p:sld>
 </file>
 
-<file path=ppt/slides/slide7.xml><?xml version="1.0" encoding="utf-8"?>
+<file path=ppt/slides/slide15.xml><?xml version="1.0" encoding="utf-8"?>
+<p:sld xmlns:a="http://schemas.openxmlformats.org/drawingml/2006/main" xmlns:r="http://schemas.openxmlformats.org/officeDocument/2006/relationships" xmlns:p="http://schemas.openxmlformats.org/presentationml/2006/main">
+  <p:cSld>
+    <p:spTree>
+      <p:nvGrpSpPr>
+        <p:cNvPr id="1" name=""/>
+        <p:cNvGrpSpPr/>
+        <p:nvPr/>
+      </p:nvGrpSpPr>
+      <p:grpSpPr>
+        <a:xfrm>
+          <a:off x="0" y="0"/>
+          <a:ext cx="0" cy="0"/>
+          <a:chOff x="0" y="0"/>
+          <a:chExt cx="0" cy="0"/>
+        </a:xfrm>
+      </p:grpSpPr>
+      <p:sp>
+        <p:nvSpPr>
+          <p:cNvPr id="2" name="Rectangle 1">
+            <a:extLst>
+              <a:ext uri="{FF2B5EF4-FFF2-40B4-BE49-F238E27FC236}">
+                <a16:creationId xmlns:a16="http://schemas.microsoft.com/office/drawing/2014/main" id="{5D514BD6-D740-229D-723E-A4EB0F2E66EB}"/>
+              </a:ext>
+            </a:extLst>
+          </p:cNvPr>
+          <p:cNvSpPr/>
+          <p:nvPr/>
+        </p:nvSpPr>
+        <p:spPr>
+          <a:xfrm>
+            <a:off x="237241" y="1683076"/>
+            <a:ext cx="11668813" cy="4798244"/>
+          </a:xfrm>
+          <a:prstGeom prst="rect">
+            <a:avLst/>
+          </a:prstGeom>
+        </p:spPr>
+        <p:style>
+          <a:lnRef idx="2">
+            <a:schemeClr val="accent6"/>
+          </a:lnRef>
+          <a:fillRef idx="1">
+            <a:schemeClr val="lt1"/>
+          </a:fillRef>
+          <a:effectRef idx="0">
+            <a:schemeClr val="accent6"/>
+          </a:effectRef>
+          <a:fontRef idx="minor">
+            <a:schemeClr val="dk1"/>
+          </a:fontRef>
+        </p:style>
+        <p:txBody>
+          <a:bodyPr rtlCol="0" anchor="ctr"/>
+          <a:lstStyle/>
+          <a:p>
+            <a:pPr algn="ctr"/>
+            <a:endParaRPr lang="en-GB"/>
+          </a:p>
+        </p:txBody>
+      </p:sp>
+      <p:sp>
+        <p:nvSpPr>
+          <p:cNvPr id="5" name="Text Placeholder 4">
+            <a:extLst>
+              <a:ext uri="{FF2B5EF4-FFF2-40B4-BE49-F238E27FC236}">
+                <a16:creationId xmlns:a16="http://schemas.microsoft.com/office/drawing/2014/main" id="{F4C48C8D-9E40-726D-1E5E-0998B374610F}"/>
+              </a:ext>
+            </a:extLst>
+          </p:cNvPr>
+          <p:cNvSpPr>
+            <a:spLocks noGrp="1"/>
+          </p:cNvSpPr>
+          <p:nvPr>
+            <p:ph type="body" sz="quarter" idx="11"/>
+          </p:nvPr>
+        </p:nvSpPr>
+        <p:spPr>
+          <a:xfrm>
+            <a:off x="237242" y="1904998"/>
+            <a:ext cx="11717518" cy="4354400"/>
+          </a:xfrm>
+        </p:spPr>
+        <p:txBody>
+          <a:bodyPr>
+            <a:normAutofit/>
+          </a:bodyPr>
+          <a:lstStyle/>
+          <a:p>
+            <a:r>
+              <a:rPr lang="en-GB" sz="3600" dirty="0" err="1">
+                <a:solidFill>
+                  <a:srgbClr val="FF0000"/>
+                </a:solidFill>
+              </a:rPr>
+              <a:t>button</a:t>
+            </a:r>
+            <a:r>
+              <a:rPr lang="en-GB" sz="3600" dirty="0" err="1"/>
+              <a:t>.addEventListener</a:t>
+            </a:r>
+            <a:r>
+              <a:rPr lang="en-GB" sz="3600" dirty="0"/>
+              <a:t>(‘</a:t>
+            </a:r>
+            <a:r>
+              <a:rPr lang="en-GB" sz="3600" dirty="0">
+                <a:solidFill>
+                  <a:srgbClr val="00B050"/>
+                </a:solidFill>
+              </a:rPr>
+              <a:t>click</a:t>
+            </a:r>
+            <a:r>
+              <a:rPr lang="en-GB" sz="3600" dirty="0"/>
+              <a:t>’,  				  	 			                    </a:t>
+            </a:r>
+            <a:r>
+              <a:rPr lang="en-GB" sz="3600" u="sng" dirty="0">
+                <a:solidFill>
+                  <a:srgbClr val="0070C0"/>
+                </a:solidFill>
+              </a:rPr>
+              <a:t>function() {alert(‘clicked!’)}</a:t>
+            </a:r>
+            <a:r>
+              <a:rPr lang="en-GB" sz="3600" dirty="0"/>
+              <a:t>)</a:t>
+            </a:r>
+          </a:p>
+          <a:p>
+            <a:r>
+              <a:rPr lang="en-GB" sz="3600" b="0" dirty="0"/>
+              <a:t>Anonymous functions:</a:t>
+            </a:r>
+          </a:p>
+          <a:p>
+            <a:pPr marL="571500" indent="-571500">
+              <a:buFont typeface="Arial" panose="020B0604020202020204" pitchFamily="34" charset="0"/>
+              <a:buChar char="•"/>
+            </a:pPr>
+            <a:r>
+              <a:rPr lang="en-GB" sz="3600" b="0" dirty="0"/>
+              <a:t>When we don’t need to re-use a function</a:t>
+            </a:r>
+          </a:p>
+          <a:p>
+            <a:pPr marL="571500" indent="-571500">
+              <a:buFont typeface="Arial" panose="020B0604020202020204" pitchFamily="34" charset="0"/>
+              <a:buChar char="•"/>
+            </a:pPr>
+            <a:r>
+              <a:rPr lang="en-GB" sz="3600" b="0" dirty="0"/>
+              <a:t>Function not bound to an ‘identifier’ (name!)</a:t>
+            </a:r>
+          </a:p>
+          <a:p>
+            <a:endParaRPr lang="en-GB" sz="3600" dirty="0"/>
+          </a:p>
+          <a:p>
+            <a:endParaRPr lang="en-GB" sz="3600" dirty="0"/>
+          </a:p>
+        </p:txBody>
+      </p:sp>
+      <p:sp>
+        <p:nvSpPr>
+          <p:cNvPr id="4" name="Title 3">
+            <a:extLst>
+              <a:ext uri="{FF2B5EF4-FFF2-40B4-BE49-F238E27FC236}">
+                <a16:creationId xmlns:a16="http://schemas.microsoft.com/office/drawing/2014/main" id="{AB4E58E0-D53B-7887-78FA-5B63A22C8E6D}"/>
+              </a:ext>
+            </a:extLst>
+          </p:cNvPr>
+          <p:cNvSpPr>
+            <a:spLocks noGrp="1"/>
+          </p:cNvSpPr>
+          <p:nvPr>
+            <p:ph type="title"/>
+          </p:nvPr>
+        </p:nvSpPr>
+        <p:spPr>
+          <a:xfrm>
+            <a:off x="450915" y="395533"/>
+            <a:ext cx="6476999" cy="1189037"/>
+          </a:xfrm>
+        </p:spPr>
+        <p:txBody>
+          <a:bodyPr>
+            <a:normAutofit fontScale="90000"/>
+          </a:bodyPr>
+          <a:lstStyle/>
+          <a:p>
+            <a:r>
+              <a:rPr lang="en-US" sz="6000" dirty="0"/>
+              <a:t>JS: Event Listeners</a:t>
+            </a:r>
+            <a:endParaRPr lang="en-GB" sz="6000" dirty="0"/>
+          </a:p>
+        </p:txBody>
+      </p:sp>
+    </p:spTree>
+    <p:extLst>
+      <p:ext uri="{BB962C8B-B14F-4D97-AF65-F5344CB8AC3E}">
+        <p14:creationId xmlns:p14="http://schemas.microsoft.com/office/powerpoint/2010/main" val="3959502386"/>
+      </p:ext>
+    </p:extLst>
+  </p:cSld>
+  <p:clrMapOvr>
+    <a:masterClrMapping/>
+  </p:clrMapOvr>
+  <mc:AlternateContent xmlns:mc="http://schemas.openxmlformats.org/markup-compatibility/2006">
+    <mc:Choice xmlns:p14="http://schemas.microsoft.com/office/powerpoint/2010/main" Requires="p14">
+      <p:transition spd="med" p14:dur="700">
+        <p:fade/>
+      </p:transition>
+    </mc:Choice>
+    <mc:Fallback>
+      <p:transition spd="med">
+        <p:fade/>
+      </p:transition>
+    </mc:Fallback>
+  </mc:AlternateContent>
+</p:sld>
+</file>
+
+<file path=ppt/slides/slide16.xml><?xml version="1.0" encoding="utf-8"?>
+<p:sld xmlns:a="http://schemas.openxmlformats.org/drawingml/2006/main" xmlns:r="http://schemas.openxmlformats.org/officeDocument/2006/relationships" xmlns:p="http://schemas.openxmlformats.org/presentationml/2006/main">
+  <p:cSld>
+    <p:spTree>
+      <p:nvGrpSpPr>
+        <p:cNvPr id="1" name=""/>
+        <p:cNvGrpSpPr/>
+        <p:nvPr/>
+      </p:nvGrpSpPr>
+      <p:grpSpPr>
+        <a:xfrm>
+          <a:off x="0" y="0"/>
+          <a:ext cx="0" cy="0"/>
+          <a:chOff x="0" y="0"/>
+          <a:chExt cx="0" cy="0"/>
+        </a:xfrm>
+      </p:grpSpPr>
+      <p:sp>
+        <p:nvSpPr>
+          <p:cNvPr id="2" name="Rectangle 1">
+            <a:extLst>
+              <a:ext uri="{FF2B5EF4-FFF2-40B4-BE49-F238E27FC236}">
+                <a16:creationId xmlns:a16="http://schemas.microsoft.com/office/drawing/2014/main" id="{5D514BD6-D740-229D-723E-A4EB0F2E66EB}"/>
+              </a:ext>
+            </a:extLst>
+          </p:cNvPr>
+          <p:cNvSpPr/>
+          <p:nvPr/>
+        </p:nvSpPr>
+        <p:spPr>
+          <a:xfrm>
+            <a:off x="237241" y="1683076"/>
+            <a:ext cx="11668813" cy="4798244"/>
+          </a:xfrm>
+          <a:prstGeom prst="rect">
+            <a:avLst/>
+          </a:prstGeom>
+        </p:spPr>
+        <p:style>
+          <a:lnRef idx="2">
+            <a:schemeClr val="accent6"/>
+          </a:lnRef>
+          <a:fillRef idx="1">
+            <a:schemeClr val="lt1"/>
+          </a:fillRef>
+          <a:effectRef idx="0">
+            <a:schemeClr val="accent6"/>
+          </a:effectRef>
+          <a:fontRef idx="minor">
+            <a:schemeClr val="dk1"/>
+          </a:fontRef>
+        </p:style>
+        <p:txBody>
+          <a:bodyPr rtlCol="0" anchor="ctr"/>
+          <a:lstStyle/>
+          <a:p>
+            <a:pPr algn="ctr"/>
+            <a:endParaRPr lang="en-GB"/>
+          </a:p>
+        </p:txBody>
+      </p:sp>
+      <p:sp>
+        <p:nvSpPr>
+          <p:cNvPr id="5" name="Text Placeholder 4">
+            <a:extLst>
+              <a:ext uri="{FF2B5EF4-FFF2-40B4-BE49-F238E27FC236}">
+                <a16:creationId xmlns:a16="http://schemas.microsoft.com/office/drawing/2014/main" id="{F4C48C8D-9E40-726D-1E5E-0998B374610F}"/>
+              </a:ext>
+            </a:extLst>
+          </p:cNvPr>
+          <p:cNvSpPr>
+            <a:spLocks noGrp="1"/>
+          </p:cNvSpPr>
+          <p:nvPr>
+            <p:ph type="body" sz="quarter" idx="11"/>
+          </p:nvPr>
+        </p:nvSpPr>
+        <p:spPr>
+          <a:xfrm>
+            <a:off x="237242" y="1904998"/>
+            <a:ext cx="11717518" cy="4354400"/>
+          </a:xfrm>
+        </p:spPr>
+        <p:txBody>
+          <a:bodyPr>
+            <a:normAutofit lnSpcReduction="10000"/>
+          </a:bodyPr>
+          <a:lstStyle/>
+          <a:p>
+            <a:r>
+              <a:rPr lang="en-GB" sz="3600" dirty="0" err="1">
+                <a:solidFill>
+                  <a:schemeClr val="accent1"/>
+                </a:solidFill>
+              </a:rPr>
+              <a:t>button</a:t>
+            </a:r>
+            <a:r>
+              <a:rPr lang="en-GB" sz="3600" dirty="0" err="1"/>
+              <a:t>.addEventListener</a:t>
+            </a:r>
+            <a:r>
+              <a:rPr lang="en-GB" sz="3600" dirty="0"/>
+              <a:t>(‘</a:t>
+            </a:r>
+            <a:r>
+              <a:rPr lang="en-GB" sz="3600" dirty="0">
+                <a:solidFill>
+                  <a:srgbClr val="00B050"/>
+                </a:solidFill>
+              </a:rPr>
+              <a:t>click</a:t>
+            </a:r>
+            <a:r>
+              <a:rPr lang="en-GB" sz="3600" dirty="0"/>
+              <a:t>’,  				  	 			                    </a:t>
+            </a:r>
+            <a:r>
+              <a:rPr lang="en-GB" sz="3600" u="sng" dirty="0">
+                <a:solidFill>
+                  <a:srgbClr val="0070C0"/>
+                </a:solidFill>
+              </a:rPr>
+              <a:t>function() {</a:t>
+            </a:r>
+            <a:r>
+              <a:rPr lang="en-GB" sz="3600" u="sng" dirty="0">
+                <a:solidFill>
+                  <a:schemeClr val="tx1"/>
+                </a:solidFill>
+              </a:rPr>
+              <a:t>alert(‘clicked!’)</a:t>
+            </a:r>
+            <a:r>
+              <a:rPr lang="en-GB" sz="3600" u="sng" dirty="0">
+                <a:solidFill>
+                  <a:srgbClr val="0070C0"/>
+                </a:solidFill>
+              </a:rPr>
+              <a:t>}</a:t>
+            </a:r>
+            <a:r>
+              <a:rPr lang="en-GB" sz="3600" dirty="0"/>
+              <a:t>)</a:t>
+            </a:r>
+          </a:p>
+          <a:p>
+            <a:r>
+              <a:rPr lang="en-GB" sz="3600" dirty="0"/>
+              <a:t>		----------------------------------------</a:t>
+            </a:r>
+          </a:p>
+          <a:p>
+            <a:r>
+              <a:rPr lang="en-GB" sz="3600" dirty="0">
+                <a:solidFill>
+                  <a:srgbClr val="0070C0"/>
+                </a:solidFill>
+                <a:effectLst/>
+                <a:latin typeface="Consolas" panose="020B0609020204030204" pitchFamily="49" charset="0"/>
+              </a:rPr>
+              <a:t>function</a:t>
+            </a:r>
+            <a:r>
+              <a:rPr lang="en-GB" sz="3600" dirty="0">
+                <a:solidFill>
+                  <a:srgbClr val="D4D4D4"/>
+                </a:solidFill>
+                <a:effectLst/>
+                <a:latin typeface="Consolas" panose="020B0609020204030204" pitchFamily="49" charset="0"/>
+              </a:rPr>
+              <a:t> </a:t>
+            </a:r>
+            <a:r>
+              <a:rPr lang="en-GB" sz="3600" dirty="0" err="1">
+                <a:solidFill>
+                  <a:srgbClr val="FFC000"/>
+                </a:solidFill>
+                <a:effectLst/>
+                <a:latin typeface="Consolas" panose="020B0609020204030204" pitchFamily="49" charset="0"/>
+              </a:rPr>
+              <a:t>handleAlert</a:t>
+            </a:r>
+            <a:r>
+              <a:rPr lang="en-GB" sz="3600" dirty="0">
+                <a:solidFill>
+                  <a:srgbClr val="D4D4D4"/>
+                </a:solidFill>
+                <a:effectLst/>
+                <a:latin typeface="Consolas" panose="020B0609020204030204" pitchFamily="49" charset="0"/>
+              </a:rPr>
+              <a:t>() {</a:t>
+            </a:r>
+          </a:p>
+          <a:p>
+            <a:r>
+              <a:rPr lang="en-GB" sz="3600" dirty="0">
+                <a:solidFill>
+                  <a:srgbClr val="D4D4D4"/>
+                </a:solidFill>
+                <a:effectLst/>
+                <a:latin typeface="Consolas" panose="020B0609020204030204" pitchFamily="49" charset="0"/>
+              </a:rPr>
+              <a:t>    </a:t>
+            </a:r>
+            <a:r>
+              <a:rPr lang="en-GB" sz="3600" dirty="0">
+                <a:solidFill>
+                  <a:schemeClr val="tx1"/>
+                </a:solidFill>
+                <a:effectLst/>
+                <a:latin typeface="Consolas" panose="020B0609020204030204" pitchFamily="49" charset="0"/>
+              </a:rPr>
+              <a:t>alert(“Loaded!");</a:t>
+            </a:r>
+          </a:p>
+          <a:p>
+            <a:r>
+              <a:rPr lang="en-GB" sz="3600" dirty="0">
+                <a:solidFill>
+                  <a:srgbClr val="D4D4D4"/>
+                </a:solidFill>
+                <a:effectLst/>
+                <a:latin typeface="Consolas" panose="020B0609020204030204" pitchFamily="49" charset="0"/>
+              </a:rPr>
+              <a:t>}</a:t>
+            </a:r>
+          </a:p>
+          <a:p>
+            <a:r>
+              <a:rPr lang="en-GB" sz="3600" dirty="0" err="1">
+                <a:solidFill>
+                  <a:srgbClr val="FF0000"/>
+                </a:solidFill>
+                <a:effectLst/>
+                <a:latin typeface="Consolas" panose="020B0609020204030204" pitchFamily="49" charset="0"/>
+              </a:rPr>
+              <a:t>document</a:t>
+            </a:r>
+            <a:r>
+              <a:rPr lang="en-GB" sz="3600" dirty="0" err="1">
+                <a:solidFill>
+                  <a:srgbClr val="D4D4D4"/>
+                </a:solidFill>
+                <a:effectLst/>
+                <a:latin typeface="Consolas" panose="020B0609020204030204" pitchFamily="49" charset="0"/>
+              </a:rPr>
+              <a:t>.</a:t>
+            </a:r>
+            <a:r>
+              <a:rPr lang="en-GB" sz="3600" dirty="0" err="1">
+                <a:solidFill>
+                  <a:srgbClr val="6A6967"/>
+                </a:solidFill>
+                <a:effectLst/>
+                <a:latin typeface="Consolas" panose="020B0609020204030204" pitchFamily="49" charset="0"/>
+              </a:rPr>
+              <a:t>addEventListener</a:t>
+            </a:r>
+            <a:r>
+              <a:rPr lang="en-GB" sz="3600" dirty="0">
+                <a:solidFill>
+                  <a:srgbClr val="D4D4D4"/>
+                </a:solidFill>
+                <a:effectLst/>
+                <a:latin typeface="Consolas" panose="020B0609020204030204" pitchFamily="49" charset="0"/>
+              </a:rPr>
+              <a:t>(</a:t>
+            </a:r>
+            <a:r>
+              <a:rPr lang="en-GB" sz="3600" dirty="0">
+                <a:solidFill>
+                  <a:srgbClr val="CE9178"/>
+                </a:solidFill>
+                <a:effectLst/>
+                <a:latin typeface="Consolas" panose="020B0609020204030204" pitchFamily="49" charset="0"/>
+              </a:rPr>
+              <a:t>‘</a:t>
+            </a:r>
+            <a:r>
+              <a:rPr lang="en-GB" sz="3600" dirty="0" err="1">
+                <a:solidFill>
+                  <a:srgbClr val="00B050"/>
+                </a:solidFill>
+                <a:effectLst/>
+                <a:latin typeface="Consolas" panose="020B0609020204030204" pitchFamily="49" charset="0"/>
+              </a:rPr>
+              <a:t>DOMContentLoaded</a:t>
+            </a:r>
+            <a:r>
+              <a:rPr lang="en-GB" sz="3600" dirty="0">
+                <a:solidFill>
+                  <a:srgbClr val="CE9178"/>
+                </a:solidFill>
+                <a:effectLst/>
+                <a:latin typeface="Consolas" panose="020B0609020204030204" pitchFamily="49" charset="0"/>
+              </a:rPr>
+              <a:t>'</a:t>
+            </a:r>
+            <a:r>
+              <a:rPr lang="en-GB" sz="3600" dirty="0">
+                <a:solidFill>
+                  <a:srgbClr val="D4D4D4"/>
+                </a:solidFill>
+                <a:effectLst/>
+                <a:latin typeface="Consolas" panose="020B0609020204030204" pitchFamily="49" charset="0"/>
+              </a:rPr>
+              <a:t>, </a:t>
+            </a:r>
+            <a:r>
+              <a:rPr lang="en-GB" sz="3600" dirty="0" err="1">
+                <a:solidFill>
+                  <a:srgbClr val="0070C0"/>
+                </a:solidFill>
+                <a:effectLst/>
+                <a:latin typeface="Consolas" panose="020B0609020204030204" pitchFamily="49" charset="0"/>
+              </a:rPr>
+              <a:t>handleAlert</a:t>
+            </a:r>
+            <a:r>
+              <a:rPr lang="en-GB" sz="3600" dirty="0">
+                <a:solidFill>
+                  <a:srgbClr val="D4D4D4"/>
+                </a:solidFill>
+                <a:effectLst/>
+                <a:latin typeface="Consolas" panose="020B0609020204030204" pitchFamily="49" charset="0"/>
+              </a:rPr>
+              <a:t>);</a:t>
+            </a:r>
+          </a:p>
+          <a:p>
+            <a:endParaRPr lang="en-GB" sz="3600" dirty="0"/>
+          </a:p>
+          <a:p>
+            <a:endParaRPr lang="en-GB" sz="3600" dirty="0"/>
+          </a:p>
+        </p:txBody>
+      </p:sp>
+      <p:sp>
+        <p:nvSpPr>
+          <p:cNvPr id="4" name="Title 3">
+            <a:extLst>
+              <a:ext uri="{FF2B5EF4-FFF2-40B4-BE49-F238E27FC236}">
+                <a16:creationId xmlns:a16="http://schemas.microsoft.com/office/drawing/2014/main" id="{AB4E58E0-D53B-7887-78FA-5B63A22C8E6D}"/>
+              </a:ext>
+            </a:extLst>
+          </p:cNvPr>
+          <p:cNvSpPr>
+            <a:spLocks noGrp="1"/>
+          </p:cNvSpPr>
+          <p:nvPr>
+            <p:ph type="title"/>
+          </p:nvPr>
+        </p:nvSpPr>
+        <p:spPr>
+          <a:xfrm>
+            <a:off x="450915" y="395533"/>
+            <a:ext cx="6476999" cy="1189037"/>
+          </a:xfrm>
+        </p:spPr>
+        <p:txBody>
+          <a:bodyPr>
+            <a:normAutofit fontScale="90000"/>
+          </a:bodyPr>
+          <a:lstStyle/>
+          <a:p>
+            <a:r>
+              <a:rPr lang="en-US" sz="6000" dirty="0"/>
+              <a:t>JS: Event Listeners</a:t>
+            </a:r>
+            <a:endParaRPr lang="en-GB" sz="6000" dirty="0"/>
+          </a:p>
+        </p:txBody>
+      </p:sp>
+    </p:spTree>
+    <p:extLst>
+      <p:ext uri="{BB962C8B-B14F-4D97-AF65-F5344CB8AC3E}">
+        <p14:creationId xmlns:p14="http://schemas.microsoft.com/office/powerpoint/2010/main" val="1257035233"/>
+      </p:ext>
+    </p:extLst>
+  </p:cSld>
+  <p:clrMapOvr>
+    <a:masterClrMapping/>
+  </p:clrMapOvr>
+  <mc:AlternateContent xmlns:mc="http://schemas.openxmlformats.org/markup-compatibility/2006">
+    <mc:Choice xmlns:p14="http://schemas.microsoft.com/office/powerpoint/2010/main" Requires="p14">
+      <p:transition spd="med" p14:dur="700">
+        <p:fade/>
+      </p:transition>
+    </mc:Choice>
+    <mc:Fallback>
+      <p:transition spd="med">
+        <p:fade/>
+      </p:transition>
+    </mc:Fallback>
+  </mc:AlternateContent>
+</p:sld>
+</file>
+
+<file path=ppt/slides/slide17.xml><?xml version="1.0" encoding="utf-8"?>
 <p:sld xmlns:a="http://schemas.openxmlformats.org/drawingml/2006/main" xmlns:r="http://schemas.openxmlformats.org/officeDocument/2006/relationships" xmlns:p="http://schemas.openxmlformats.org/presentationml/2006/main">
   <p:cSld>
     <p:spTree>
@@ -8119,7 +9137,7 @@
           <a:p>
             <a:r>
               <a:rPr lang="en-US" dirty="0"/>
-              <a:t>Lab problem: inheritance</a:t>
+              <a:t>Lab problem:</a:t>
             </a:r>
             <a:endParaRPr lang="en-GB" dirty="0"/>
           </a:p>
@@ -8143,7 +9161,7 @@
         </p:nvSpPr>
         <p:spPr>
           <a:xfrm>
-            <a:off x="6766875" y="2796595"/>
+            <a:off x="3493416" y="3783970"/>
             <a:ext cx="5205167" cy="3882313"/>
           </a:xfrm>
         </p:spPr>
@@ -8163,7 +9181,7 @@
                   </a:extLst>
                 </a:hlinkClick>
               </a:rPr>
-              <a:t>https://cs50.harvard.edu/college/2022/fall/labs/5/</a:t>
+              <a:t>https://cs50.harvard.edu/college/2022/fall/labs/8/</a:t>
             </a:r>
             <a:r>
               <a:rPr lang="en-GB" sz="3600" dirty="0"/>
@@ -8174,10 +9192,10 @@
       </p:sp>
       <p:pic>
         <p:nvPicPr>
-          <p:cNvPr id="2" name="Picture 1">
+          <p:cNvPr id="3" name="Picture 2">
             <a:extLst>
               <a:ext uri="{FF2B5EF4-FFF2-40B4-BE49-F238E27FC236}">
-                <a16:creationId xmlns:a16="http://schemas.microsoft.com/office/drawing/2014/main" id="{54C271D8-E932-A312-E406-5E0C796A3EA5}"/>
+                <a16:creationId xmlns:a16="http://schemas.microsoft.com/office/drawing/2014/main" id="{DA419F18-6BB2-AA41-AFE8-7A3948156B21}"/>
               </a:ext>
             </a:extLst>
           </p:cNvPr>
@@ -8194,8 +9212,8 @@
         </p:blipFill>
         <p:spPr>
           <a:xfrm>
-            <a:off x="219958" y="1707430"/>
-            <a:ext cx="6364591" cy="3443140"/>
+            <a:off x="2740479" y="1514483"/>
+            <a:ext cx="6711042" cy="2087134"/>
           </a:xfrm>
           <a:prstGeom prst="rect">
             <a:avLst/>
@@ -8206,6 +9224,1991 @@
     <p:extLst>
       <p:ext uri="{BB962C8B-B14F-4D97-AF65-F5344CB8AC3E}">
         <p14:creationId xmlns:p14="http://schemas.microsoft.com/office/powerpoint/2010/main" val="3766814269"/>
+      </p:ext>
+    </p:extLst>
+  </p:cSld>
+  <p:clrMapOvr>
+    <a:masterClrMapping/>
+  </p:clrMapOvr>
+</p:sld>
+</file>
+
+<file path=ppt/slides/slide18.xml><?xml version="1.0" encoding="utf-8"?>
+<p:sld xmlns:a="http://schemas.openxmlformats.org/drawingml/2006/main" xmlns:r="http://schemas.openxmlformats.org/officeDocument/2006/relationships" xmlns:p="http://schemas.openxmlformats.org/presentationml/2006/main">
+  <p:cSld>
+    <p:spTree>
+      <p:nvGrpSpPr>
+        <p:cNvPr id="1" name=""/>
+        <p:cNvGrpSpPr/>
+        <p:nvPr/>
+      </p:nvGrpSpPr>
+      <p:grpSpPr>
+        <a:xfrm>
+          <a:off x="0" y="0"/>
+          <a:ext cx="0" cy="0"/>
+          <a:chOff x="0" y="0"/>
+          <a:chExt cx="0" cy="0"/>
+        </a:xfrm>
+      </p:grpSpPr>
+      <p:sp>
+        <p:nvSpPr>
+          <p:cNvPr id="5" name="Title 4">
+            <a:extLst>
+              <a:ext uri="{FF2B5EF4-FFF2-40B4-BE49-F238E27FC236}">
+                <a16:creationId xmlns:a16="http://schemas.microsoft.com/office/drawing/2014/main" id="{CF037412-7BC5-4AAA-8ED5-FC377A84CB0C}"/>
+              </a:ext>
+            </a:extLst>
+          </p:cNvPr>
+          <p:cNvSpPr>
+            <a:spLocks noGrp="1"/>
+          </p:cNvSpPr>
+          <p:nvPr>
+            <p:ph type="title"/>
+          </p:nvPr>
+        </p:nvSpPr>
+        <p:spPr/>
+        <p:txBody>
+          <a:bodyPr/>
+          <a:lstStyle/>
+          <a:p>
+            <a:r>
+              <a:rPr lang="en-US" dirty="0"/>
+              <a:t>PSET 8 pointers</a:t>
+            </a:r>
+            <a:br>
+              <a:rPr lang="en-US" dirty="0"/>
+            </a:br>
+            <a:endParaRPr lang="en-US" dirty="0"/>
+          </a:p>
+        </p:txBody>
+      </p:sp>
+      <p:sp>
+        <p:nvSpPr>
+          <p:cNvPr id="3" name="Text Placeholder 2">
+            <a:extLst>
+              <a:ext uri="{FF2B5EF4-FFF2-40B4-BE49-F238E27FC236}">
+                <a16:creationId xmlns:a16="http://schemas.microsoft.com/office/drawing/2014/main" id="{EF99585A-5E1F-40FA-8E64-BB4F04611657}"/>
+              </a:ext>
+            </a:extLst>
+          </p:cNvPr>
+          <p:cNvSpPr>
+            <a:spLocks noGrp="1"/>
+          </p:cNvSpPr>
+          <p:nvPr>
+            <p:ph type="body" sz="quarter" idx="11"/>
+          </p:nvPr>
+        </p:nvSpPr>
+        <p:spPr>
+          <a:xfrm>
+            <a:off x="4457700" y="1492899"/>
+            <a:ext cx="7219043" cy="4649140"/>
+          </a:xfrm>
+        </p:spPr>
+        <p:txBody>
+          <a:bodyPr vert="horz" lIns="91440" tIns="45720" rIns="91440" bIns="45720" rtlCol="0" anchor="t">
+            <a:normAutofit/>
+          </a:bodyPr>
+          <a:lstStyle/>
+          <a:p>
+            <a:r>
+              <a:rPr lang="en-US" sz="3200" dirty="0"/>
+              <a:t>Homepage:</a:t>
+            </a:r>
+          </a:p>
+          <a:p>
+            <a:pPr marL="457200" indent="-457200">
+              <a:buFont typeface="Arial" panose="020B0604020202020204" pitchFamily="34" charset="0"/>
+              <a:buChar char="•"/>
+            </a:pPr>
+            <a:r>
+              <a:rPr lang="en-US" sz="3200" b="0" dirty="0"/>
+              <a:t>Meet all the criteria!</a:t>
+            </a:r>
+          </a:p>
+          <a:p>
+            <a:pPr marL="457200" indent="-457200">
+              <a:buFont typeface="Arial" panose="020B0604020202020204" pitchFamily="34" charset="0"/>
+              <a:buChar char="•"/>
+            </a:pPr>
+            <a:r>
+              <a:rPr lang="en-US" sz="3200" b="0" dirty="0"/>
+              <a:t>Use the internet!</a:t>
+            </a:r>
+          </a:p>
+          <a:p>
+            <a:pPr marL="457200" indent="-457200">
+              <a:buFont typeface="Arial" panose="020B0604020202020204" pitchFamily="34" charset="0"/>
+              <a:buChar char="•"/>
+            </a:pPr>
+            <a:r>
+              <a:rPr lang="en-US" sz="3200" b="0" dirty="0"/>
+              <a:t>Inspect element pages to see how others have done things that you like. </a:t>
+            </a:r>
+            <a:r>
+              <a:rPr lang="en-US" sz="3200" b="0" dirty="0" err="1"/>
+              <a:t>Youtube</a:t>
+            </a:r>
+            <a:r>
+              <a:rPr lang="en-US" sz="3200" b="0" dirty="0"/>
+              <a:t> tutorials also great!</a:t>
+            </a:r>
+          </a:p>
+          <a:p>
+            <a:pPr marL="457200" indent="-457200">
+              <a:buFont typeface="Arial" panose="020B0604020202020204" pitchFamily="34" charset="0"/>
+              <a:buChar char="•"/>
+            </a:pPr>
+            <a:r>
+              <a:rPr lang="en-US" sz="3200" b="0" dirty="0"/>
+              <a:t>Ideas: portfolio website, website for each of your hobbies, basic sketch-up of a website you like, anything!</a:t>
+            </a:r>
+          </a:p>
+        </p:txBody>
+      </p:sp>
+    </p:spTree>
+    <p:extLst>
+      <p:ext uri="{BB962C8B-B14F-4D97-AF65-F5344CB8AC3E}">
+        <p14:creationId xmlns:p14="http://schemas.microsoft.com/office/powerpoint/2010/main" val="2701910104"/>
+      </p:ext>
+    </p:extLst>
+  </p:cSld>
+  <p:clrMapOvr>
+    <a:masterClrMapping/>
+  </p:clrMapOvr>
+  <mc:AlternateContent xmlns:mc="http://schemas.openxmlformats.org/markup-compatibility/2006" xmlns:p14="http://schemas.microsoft.com/office/powerpoint/2010/main">
+    <mc:Choice Requires="p14">
+      <p:transition spd="med" p14:dur="700">
+        <p:fade/>
+      </p:transition>
+    </mc:Choice>
+    <mc:Fallback xmlns="">
+      <p:transition spd="med">
+        <p:fade/>
+      </p:transition>
+    </mc:Fallback>
+  </mc:AlternateContent>
+</p:sld>
+</file>
+
+<file path=ppt/slides/slide19.xml><?xml version="1.0" encoding="utf-8"?>
+<p:sld xmlns:a="http://schemas.openxmlformats.org/drawingml/2006/main" xmlns:r="http://schemas.openxmlformats.org/officeDocument/2006/relationships" xmlns:p="http://schemas.openxmlformats.org/presentationml/2006/main">
+  <p:cSld>
+    <p:bg>
+      <p:bgPr>
+        <a:solidFill>
+          <a:schemeClr val="accent5"/>
+        </a:solidFill>
+        <a:effectLst/>
+      </p:bgPr>
+    </p:bg>
+    <p:spTree>
+      <p:nvGrpSpPr>
+        <p:cNvPr id="1" name=""/>
+        <p:cNvGrpSpPr/>
+        <p:nvPr/>
+      </p:nvGrpSpPr>
+      <p:grpSpPr>
+        <a:xfrm>
+          <a:off x="0" y="0"/>
+          <a:ext cx="0" cy="0"/>
+          <a:chOff x="0" y="0"/>
+          <a:chExt cx="0" cy="0"/>
+        </a:xfrm>
+      </p:grpSpPr>
+      <p:sp>
+        <p:nvSpPr>
+          <p:cNvPr id="4" name="Title 3">
+            <a:extLst>
+              <a:ext uri="{FF2B5EF4-FFF2-40B4-BE49-F238E27FC236}">
+                <a16:creationId xmlns:a16="http://schemas.microsoft.com/office/drawing/2014/main" id="{FD9E38B3-4686-8247-9625-49018D29F408}"/>
+              </a:ext>
+            </a:extLst>
+          </p:cNvPr>
+          <p:cNvSpPr>
+            <a:spLocks noGrp="1"/>
+          </p:cNvSpPr>
+          <p:nvPr>
+            <p:ph type="title"/>
+          </p:nvPr>
+        </p:nvSpPr>
+        <p:spPr>
+          <a:xfrm>
+            <a:off x="1525298" y="4909145"/>
+            <a:ext cx="9141397" cy="615553"/>
+          </a:xfrm>
+        </p:spPr>
+        <p:txBody>
+          <a:bodyPr/>
+          <a:lstStyle/>
+          <a:p>
+            <a:pPr algn="ctr"/>
+            <a:r>
+              <a:rPr lang="en-US" sz="4000" b="1" dirty="0" err="1">
+                <a:solidFill>
+                  <a:schemeClr val="tx1"/>
+                </a:solidFill>
+              </a:rPr>
+              <a:t>Cya</a:t>
+            </a:r>
+            <a:r>
+              <a:rPr lang="en-US" sz="4000" b="1" dirty="0">
+                <a:solidFill>
+                  <a:schemeClr val="tx1"/>
+                </a:solidFill>
+              </a:rPr>
+              <a:t> next week :D</a:t>
+            </a:r>
+            <a:endParaRPr lang="en-US" b="1" dirty="0">
+              <a:solidFill>
+                <a:schemeClr val="tx1"/>
+              </a:solidFill>
+            </a:endParaRPr>
+          </a:p>
+        </p:txBody>
+      </p:sp>
+      <p:pic>
+        <p:nvPicPr>
+          <p:cNvPr id="3074" name="Picture 2" descr="Pokémon Go Community Day September - Oshawott | WePC">
+            <a:extLst>
+              <a:ext uri="{FF2B5EF4-FFF2-40B4-BE49-F238E27FC236}">
+                <a16:creationId xmlns:a16="http://schemas.microsoft.com/office/drawing/2014/main" id="{50D6D74D-57BF-C327-B2B4-C68ED958CA4C}"/>
+              </a:ext>
+            </a:extLst>
+          </p:cNvPr>
+          <p:cNvPicPr>
+            <a:picLocks noChangeAspect="1" noChangeArrowheads="1"/>
+          </p:cNvPicPr>
+          <p:nvPr/>
+        </p:nvPicPr>
+        <p:blipFill>
+          <a:blip r:embed="rId2">
+            <a:extLst>
+              <a:ext uri="{28A0092B-C50C-407E-A947-70E740481C1C}">
+                <a14:useLocalDpi xmlns:a14="http://schemas.microsoft.com/office/drawing/2010/main" val="0"/>
+              </a:ext>
+            </a:extLst>
+          </a:blip>
+          <a:srcRect/>
+          <a:stretch>
+            <a:fillRect/>
+          </a:stretch>
+        </p:blipFill>
+        <p:spPr bwMode="auto">
+          <a:xfrm>
+            <a:off x="2882120" y="788437"/>
+            <a:ext cx="6427755" cy="3615612"/>
+          </a:xfrm>
+          <a:prstGeom prst="rect">
+            <a:avLst/>
+          </a:prstGeom>
+          <a:noFill/>
+          <a:extLst>
+            <a:ext uri="{909E8E84-426E-40DD-AFC4-6F175D3DCCD1}">
+              <a14:hiddenFill xmlns:a14="http://schemas.microsoft.com/office/drawing/2010/main">
+                <a:solidFill>
+                  <a:srgbClr val="FFFFFF"/>
+                </a:solidFill>
+              </a14:hiddenFill>
+            </a:ext>
+          </a:extLst>
+        </p:spPr>
+      </p:pic>
+    </p:spTree>
+    <p:extLst>
+      <p:ext uri="{BB962C8B-B14F-4D97-AF65-F5344CB8AC3E}">
+        <p14:creationId xmlns:p14="http://schemas.microsoft.com/office/powerpoint/2010/main" val="1533608244"/>
+      </p:ext>
+    </p:extLst>
+  </p:cSld>
+  <p:clrMapOvr>
+    <a:masterClrMapping/>
+  </p:clrMapOvr>
+  <mc:AlternateContent xmlns:mc="http://schemas.openxmlformats.org/markup-compatibility/2006" xmlns:p14="http://schemas.microsoft.com/office/powerpoint/2010/main">
+    <mc:Choice Requires="p14">
+      <p:transition spd="med" p14:dur="700">
+        <p:fade/>
+      </p:transition>
+    </mc:Choice>
+    <mc:Fallback xmlns="">
+      <p:transition spd="med">
+        <p:fade/>
+      </p:transition>
+    </mc:Fallback>
+  </mc:AlternateContent>
+</p:sld>
+</file>
+
+<file path=ppt/slides/slide2.xml><?xml version="1.0" encoding="utf-8"?>
+<p:sld xmlns:a="http://schemas.openxmlformats.org/drawingml/2006/main" xmlns:r="http://schemas.openxmlformats.org/officeDocument/2006/relationships" xmlns:p="http://schemas.openxmlformats.org/presentationml/2006/main">
+  <p:cSld>
+    <p:bg>
+      <p:bgPr>
+        <a:solidFill>
+          <a:schemeClr val="accent1"/>
+        </a:solidFill>
+        <a:effectLst/>
+      </p:bgPr>
+    </p:bg>
+    <p:spTree>
+      <p:nvGrpSpPr>
+        <p:cNvPr id="1" name=""/>
+        <p:cNvGrpSpPr/>
+        <p:nvPr/>
+      </p:nvGrpSpPr>
+      <p:grpSpPr>
+        <a:xfrm>
+          <a:off x="0" y="0"/>
+          <a:ext cx="0" cy="0"/>
+          <a:chOff x="0" y="0"/>
+          <a:chExt cx="0" cy="0"/>
+        </a:xfrm>
+      </p:grpSpPr>
+      <p:sp>
+        <p:nvSpPr>
+          <p:cNvPr id="4" name="Title 3">
+            <a:extLst>
+              <a:ext uri="{FF2B5EF4-FFF2-40B4-BE49-F238E27FC236}">
+                <a16:creationId xmlns:a16="http://schemas.microsoft.com/office/drawing/2014/main" id="{FD9E38B3-4686-8247-9625-49018D29F408}"/>
+              </a:ext>
+            </a:extLst>
+          </p:cNvPr>
+          <p:cNvSpPr>
+            <a:spLocks noGrp="1"/>
+          </p:cNvSpPr>
+          <p:nvPr>
+            <p:ph type="title"/>
+          </p:nvPr>
+        </p:nvSpPr>
+        <p:spPr>
+          <a:xfrm>
+            <a:off x="1525301" y="558553"/>
+            <a:ext cx="9141397" cy="615553"/>
+          </a:xfrm>
+        </p:spPr>
+        <p:txBody>
+          <a:bodyPr/>
+          <a:lstStyle/>
+          <a:p>
+            <a:pPr algn="ctr"/>
+            <a:r>
+              <a:rPr lang="en-US" sz="4000" b="1" dirty="0">
+                <a:solidFill>
+                  <a:schemeClr val="tx1"/>
+                </a:solidFill>
+              </a:rPr>
+              <a:t>Today’s Logistics</a:t>
+            </a:r>
+          </a:p>
+        </p:txBody>
+      </p:sp>
+      <p:sp>
+        <p:nvSpPr>
+          <p:cNvPr id="6" name="Text Placeholder 5">
+            <a:extLst>
+              <a:ext uri="{FF2B5EF4-FFF2-40B4-BE49-F238E27FC236}">
+                <a16:creationId xmlns:a16="http://schemas.microsoft.com/office/drawing/2014/main" id="{7DCBA01B-ECA4-4938-872A-B38BEB13AC06}"/>
+              </a:ext>
+            </a:extLst>
+          </p:cNvPr>
+          <p:cNvSpPr>
+            <a:spLocks noGrp="1"/>
+          </p:cNvSpPr>
+          <p:nvPr>
+            <p:ph type="body" sz="quarter" idx="12"/>
+          </p:nvPr>
+        </p:nvSpPr>
+        <p:spPr>
+          <a:xfrm>
+            <a:off x="2196305" y="1894243"/>
+            <a:ext cx="7799387" cy="3993373"/>
+          </a:xfrm>
+        </p:spPr>
+        <p:txBody>
+          <a:bodyPr/>
+          <a:lstStyle/>
+          <a:p>
+            <a:pPr marL="285750" indent="-285750">
+              <a:spcAft>
+                <a:spcPts val="1000"/>
+              </a:spcAft>
+              <a:buFont typeface="Arial" panose="020B0604020202020204" pitchFamily="34" charset="0"/>
+              <a:buChar char="•"/>
+            </a:pPr>
+            <a:r>
+              <a:rPr lang="en-US" sz="4000" dirty="0">
+                <a:solidFill>
+                  <a:srgbClr val="002060"/>
+                </a:solidFill>
+              </a:rPr>
+              <a:t>HTML/CSS recap</a:t>
+            </a:r>
+          </a:p>
+          <a:p>
+            <a:pPr marL="285750" indent="-285750">
+              <a:spcAft>
+                <a:spcPts val="1000"/>
+              </a:spcAft>
+              <a:buFont typeface="Arial" panose="020B0604020202020204" pitchFamily="34" charset="0"/>
+              <a:buChar char="•"/>
+            </a:pPr>
+            <a:r>
+              <a:rPr lang="en-US" sz="4000" dirty="0">
+                <a:solidFill>
+                  <a:srgbClr val="FFFF00"/>
+                </a:solidFill>
+              </a:rPr>
+              <a:t>HTML/CSS exercise</a:t>
+            </a:r>
+          </a:p>
+          <a:p>
+            <a:pPr marL="285750" indent="-285750">
+              <a:spcAft>
+                <a:spcPts val="1000"/>
+              </a:spcAft>
+              <a:buFont typeface="Arial" panose="020B0604020202020204" pitchFamily="34" charset="0"/>
+              <a:buChar char="•"/>
+            </a:pPr>
+            <a:r>
+              <a:rPr lang="en-US" sz="4000" dirty="0">
+                <a:solidFill>
+                  <a:srgbClr val="002060"/>
+                </a:solidFill>
+              </a:rPr>
+              <a:t>JavaScript review</a:t>
+            </a:r>
+          </a:p>
+          <a:p>
+            <a:pPr marL="285750" indent="-285750">
+              <a:spcAft>
+                <a:spcPts val="1000"/>
+              </a:spcAft>
+              <a:buFont typeface="Arial" panose="020B0604020202020204" pitchFamily="34" charset="0"/>
+              <a:buChar char="•"/>
+            </a:pPr>
+            <a:r>
+              <a:rPr lang="en-US" sz="4000" dirty="0">
+                <a:solidFill>
+                  <a:srgbClr val="FFFF00"/>
+                </a:solidFill>
+              </a:rPr>
+              <a:t>Lab – Trivia!</a:t>
+            </a:r>
+          </a:p>
+          <a:p>
+            <a:pPr marL="285750" indent="-285750">
+              <a:spcAft>
+                <a:spcPts val="1000"/>
+              </a:spcAft>
+              <a:buFont typeface="Arial" panose="020B0604020202020204" pitchFamily="34" charset="0"/>
+              <a:buChar char="•"/>
+            </a:pPr>
+            <a:endParaRPr lang="en-US" sz="4000" dirty="0">
+              <a:solidFill>
+                <a:srgbClr val="002060"/>
+              </a:solidFill>
+            </a:endParaRPr>
+          </a:p>
+          <a:p>
+            <a:pPr marL="285750" indent="-285750">
+              <a:spcAft>
+                <a:spcPts val="1000"/>
+              </a:spcAft>
+              <a:buFont typeface="Arial" panose="020B0604020202020204" pitchFamily="34" charset="0"/>
+              <a:buChar char="•"/>
+            </a:pPr>
+            <a:endParaRPr lang="en-US" sz="4000" dirty="0">
+              <a:solidFill>
+                <a:schemeClr val="tx1"/>
+              </a:solidFill>
+            </a:endParaRPr>
+          </a:p>
+        </p:txBody>
+      </p:sp>
+    </p:spTree>
+    <p:extLst>
+      <p:ext uri="{BB962C8B-B14F-4D97-AF65-F5344CB8AC3E}">
+        <p14:creationId xmlns:p14="http://schemas.microsoft.com/office/powerpoint/2010/main" val="85230843"/>
+      </p:ext>
+    </p:extLst>
+  </p:cSld>
+  <p:clrMapOvr>
+    <a:masterClrMapping/>
+  </p:clrMapOvr>
+  <mc:AlternateContent xmlns:mc="http://schemas.openxmlformats.org/markup-compatibility/2006" xmlns:p14="http://schemas.microsoft.com/office/powerpoint/2010/main">
+    <mc:Choice Requires="p14">
+      <p:transition spd="med" p14:dur="700">
+        <p:fade/>
+      </p:transition>
+    </mc:Choice>
+    <mc:Fallback xmlns="">
+      <p:transition spd="med">
+        <p:fade/>
+      </p:transition>
+    </mc:Fallback>
+  </mc:AlternateContent>
+</p:sld>
+</file>
+
+<file path=ppt/slides/slide3.xml><?xml version="1.0" encoding="utf-8"?>
+<p:sld xmlns:a="http://schemas.openxmlformats.org/drawingml/2006/main" xmlns:r="http://schemas.openxmlformats.org/officeDocument/2006/relationships" xmlns:p="http://schemas.openxmlformats.org/presentationml/2006/main">
+  <p:cSld>
+    <p:spTree>
+      <p:nvGrpSpPr>
+        <p:cNvPr id="1" name=""/>
+        <p:cNvGrpSpPr/>
+        <p:nvPr/>
+      </p:nvGrpSpPr>
+      <p:grpSpPr>
+        <a:xfrm>
+          <a:off x="0" y="0"/>
+          <a:ext cx="0" cy="0"/>
+          <a:chOff x="0" y="0"/>
+          <a:chExt cx="0" cy="0"/>
+        </a:xfrm>
+      </p:grpSpPr>
+      <p:sp>
+        <p:nvSpPr>
+          <p:cNvPr id="3" name="Text Placeholder 2">
+            <a:extLst>
+              <a:ext uri="{FF2B5EF4-FFF2-40B4-BE49-F238E27FC236}">
+                <a16:creationId xmlns:a16="http://schemas.microsoft.com/office/drawing/2014/main" id="{728FECCA-83AF-4AB3-A052-968DBB214CB7}"/>
+              </a:ext>
+            </a:extLst>
+          </p:cNvPr>
+          <p:cNvSpPr>
+            <a:spLocks noGrp="1"/>
+          </p:cNvSpPr>
+          <p:nvPr>
+            <p:ph type="body" sz="quarter" idx="13"/>
+          </p:nvPr>
+        </p:nvSpPr>
+        <p:spPr>
+          <a:xfrm>
+            <a:off x="762000" y="2830327"/>
+            <a:ext cx="10668000" cy="2731487"/>
+          </a:xfrm>
+        </p:spPr>
+        <p:txBody>
+          <a:bodyPr/>
+          <a:lstStyle/>
+          <a:p>
+            <a:pPr algn="ctr">
+              <a:lnSpc>
+                <a:spcPct val="150000"/>
+              </a:lnSpc>
+            </a:pPr>
+            <a:r>
+              <a:rPr lang="en-US" sz="4000" dirty="0"/>
+              <a:t>Making pretty websites!</a:t>
+            </a:r>
+            <a:endParaRPr lang="en-GB" sz="4000" dirty="0"/>
+          </a:p>
+        </p:txBody>
+      </p:sp>
+      <p:sp>
+        <p:nvSpPr>
+          <p:cNvPr id="2" name="Title 1">
+            <a:extLst>
+              <a:ext uri="{FF2B5EF4-FFF2-40B4-BE49-F238E27FC236}">
+                <a16:creationId xmlns:a16="http://schemas.microsoft.com/office/drawing/2014/main" id="{9183E59B-241F-D343-19AA-E5C9FA65B668}"/>
+              </a:ext>
+            </a:extLst>
+          </p:cNvPr>
+          <p:cNvSpPr>
+            <a:spLocks noGrp="1"/>
+          </p:cNvSpPr>
+          <p:nvPr>
+            <p:ph type="title"/>
+          </p:nvPr>
+        </p:nvSpPr>
+        <p:spPr>
+          <a:xfrm>
+            <a:off x="762000" y="1504244"/>
+            <a:ext cx="10668000" cy="1015663"/>
+          </a:xfrm>
+        </p:spPr>
+        <p:txBody>
+          <a:bodyPr/>
+          <a:lstStyle/>
+          <a:p>
+            <a:pPr algn="ctr"/>
+            <a:r>
+              <a:rPr lang="en-US" sz="6600" dirty="0">
+                <a:solidFill>
+                  <a:schemeClr val="tx1"/>
+                </a:solidFill>
+              </a:rPr>
+              <a:t>HTML/CSS</a:t>
+            </a:r>
+            <a:endParaRPr lang="en-GB" sz="6600" dirty="0">
+              <a:solidFill>
+                <a:schemeClr val="tx1"/>
+              </a:solidFill>
+            </a:endParaRPr>
+          </a:p>
+        </p:txBody>
+      </p:sp>
+    </p:spTree>
+    <p:extLst>
+      <p:ext uri="{BB962C8B-B14F-4D97-AF65-F5344CB8AC3E}">
+        <p14:creationId xmlns:p14="http://schemas.microsoft.com/office/powerpoint/2010/main" val="3696992974"/>
+      </p:ext>
+    </p:extLst>
+  </p:cSld>
+  <p:clrMapOvr>
+    <a:masterClrMapping/>
+  </p:clrMapOvr>
+</p:sld>
+</file>
+
+<file path=ppt/slides/slide4.xml><?xml version="1.0" encoding="utf-8"?>
+<p:sld xmlns:a="http://schemas.openxmlformats.org/drawingml/2006/main" xmlns:r="http://schemas.openxmlformats.org/officeDocument/2006/relationships" xmlns:p="http://schemas.openxmlformats.org/presentationml/2006/main">
+  <p:cSld>
+    <p:spTree>
+      <p:nvGrpSpPr>
+        <p:cNvPr id="1" name=""/>
+        <p:cNvGrpSpPr/>
+        <p:nvPr/>
+      </p:nvGrpSpPr>
+      <p:grpSpPr>
+        <a:xfrm>
+          <a:off x="0" y="0"/>
+          <a:ext cx="0" cy="0"/>
+          <a:chOff x="0" y="0"/>
+          <a:chExt cx="0" cy="0"/>
+        </a:xfrm>
+      </p:grpSpPr>
+      <p:sp>
+        <p:nvSpPr>
+          <p:cNvPr id="2" name="Text Placeholder 1">
+            <a:extLst>
+              <a:ext uri="{FF2B5EF4-FFF2-40B4-BE49-F238E27FC236}">
+                <a16:creationId xmlns:a16="http://schemas.microsoft.com/office/drawing/2014/main" id="{8F487B6C-2374-8158-C393-12101C2F62D5}"/>
+              </a:ext>
+            </a:extLst>
+          </p:cNvPr>
+          <p:cNvSpPr>
+            <a:spLocks noGrp="1"/>
+          </p:cNvSpPr>
+          <p:nvPr>
+            <p:ph type="body" sz="quarter" idx="13"/>
+          </p:nvPr>
+        </p:nvSpPr>
+        <p:spPr>
+          <a:xfrm>
+            <a:off x="7809723" y="1923909"/>
+            <a:ext cx="4226768" cy="3891915"/>
+          </a:xfrm>
+        </p:spPr>
+        <p:txBody>
+          <a:bodyPr/>
+          <a:lstStyle/>
+          <a:p>
+            <a:pPr>
+              <a:lnSpc>
+                <a:spcPct val="100000"/>
+              </a:lnSpc>
+            </a:pPr>
+            <a:r>
+              <a:rPr lang="en-US" sz="2800" dirty="0"/>
+              <a:t>The basic layout of an HTML document. Things to remember:</a:t>
+            </a:r>
+          </a:p>
+          <a:p>
+            <a:pPr marL="342900" indent="-342900">
+              <a:lnSpc>
+                <a:spcPct val="100000"/>
+              </a:lnSpc>
+              <a:buFont typeface="Arial" panose="020B0604020202020204" pitchFamily="34" charset="0"/>
+              <a:buChar char="•"/>
+            </a:pPr>
+            <a:r>
+              <a:rPr lang="en-US" sz="2800" dirty="0"/>
+              <a:t>index.html standard</a:t>
+            </a:r>
+          </a:p>
+          <a:p>
+            <a:pPr marL="342900" indent="-342900">
+              <a:lnSpc>
+                <a:spcPct val="100000"/>
+              </a:lnSpc>
+              <a:buFont typeface="Arial" panose="020B0604020202020204" pitchFamily="34" charset="0"/>
+              <a:buChar char="•"/>
+            </a:pPr>
+            <a:r>
+              <a:rPr lang="en-US" sz="2800" dirty="0"/>
+              <a:t>metadata goes in head tags  (not displayed content)</a:t>
+            </a:r>
+          </a:p>
+          <a:p>
+            <a:pPr marL="342900" indent="-342900">
+              <a:lnSpc>
+                <a:spcPct val="100000"/>
+              </a:lnSpc>
+              <a:buFont typeface="Arial" panose="020B0604020202020204" pitchFamily="34" charset="0"/>
+              <a:buChar char="•"/>
+            </a:pPr>
+            <a:r>
+              <a:rPr lang="en-US" sz="2800" dirty="0"/>
+              <a:t>Need to use &lt;link&gt; to use a CSS stylesheet</a:t>
+            </a:r>
+            <a:endParaRPr lang="en-GB" sz="2800" dirty="0"/>
+          </a:p>
+        </p:txBody>
+      </p:sp>
+      <p:sp>
+        <p:nvSpPr>
+          <p:cNvPr id="3" name="Title 2">
+            <a:extLst>
+              <a:ext uri="{FF2B5EF4-FFF2-40B4-BE49-F238E27FC236}">
+                <a16:creationId xmlns:a16="http://schemas.microsoft.com/office/drawing/2014/main" id="{54A0FC04-4C54-25FA-4DDE-088F61B19DC8}"/>
+              </a:ext>
+            </a:extLst>
+          </p:cNvPr>
+          <p:cNvSpPr>
+            <a:spLocks noGrp="1"/>
+          </p:cNvSpPr>
+          <p:nvPr>
+            <p:ph type="title"/>
+          </p:nvPr>
+        </p:nvSpPr>
+        <p:spPr/>
+        <p:txBody>
+          <a:bodyPr/>
+          <a:lstStyle/>
+          <a:p>
+            <a:r>
+              <a:rPr lang="en-US" dirty="0"/>
+              <a:t>HTML basics</a:t>
+            </a:r>
+            <a:endParaRPr lang="en-GB" dirty="0"/>
+          </a:p>
+        </p:txBody>
+      </p:sp>
+      <p:sp>
+        <p:nvSpPr>
+          <p:cNvPr id="4" name="TextBox 3">
+            <a:extLst>
+              <a:ext uri="{FF2B5EF4-FFF2-40B4-BE49-F238E27FC236}">
+                <a16:creationId xmlns:a16="http://schemas.microsoft.com/office/drawing/2014/main" id="{48701F87-7830-907A-92F5-7460CED2EB0F}"/>
+              </a:ext>
+            </a:extLst>
+          </p:cNvPr>
+          <p:cNvSpPr txBox="1"/>
+          <p:nvPr/>
+        </p:nvSpPr>
+        <p:spPr>
+          <a:xfrm>
+            <a:off x="762000" y="1783952"/>
+            <a:ext cx="6907763" cy="4031873"/>
+          </a:xfrm>
+          <a:prstGeom prst="rect">
+            <a:avLst/>
+          </a:prstGeom>
+          <a:solidFill>
+            <a:schemeClr val="tx1"/>
+          </a:solidFill>
+        </p:spPr>
+        <p:txBody>
+          <a:bodyPr wrap="square" rtlCol="0">
+            <a:spAutoFit/>
+          </a:bodyPr>
+          <a:lstStyle/>
+          <a:p>
+            <a:r>
+              <a:rPr lang="en-US" sz="3200" b="0" dirty="0">
+                <a:solidFill>
+                  <a:srgbClr val="808080"/>
+                </a:solidFill>
+                <a:effectLst/>
+                <a:latin typeface="Consolas" panose="020B0609020204030204" pitchFamily="49" charset="0"/>
+              </a:rPr>
+              <a:t>&lt;</a:t>
+            </a:r>
+            <a:r>
+              <a:rPr lang="en-US" sz="3200" b="0" dirty="0">
+                <a:solidFill>
+                  <a:srgbClr val="569CD6"/>
+                </a:solidFill>
+                <a:effectLst/>
+                <a:latin typeface="Consolas" panose="020B0609020204030204" pitchFamily="49" charset="0"/>
+              </a:rPr>
+              <a:t>html</a:t>
+            </a:r>
+            <a:r>
+              <a:rPr lang="en-US" sz="3200" b="0" dirty="0">
+                <a:solidFill>
+                  <a:srgbClr val="808080"/>
+                </a:solidFill>
+                <a:effectLst/>
+                <a:latin typeface="Consolas" panose="020B0609020204030204" pitchFamily="49" charset="0"/>
+              </a:rPr>
+              <a:t>&gt;</a:t>
+            </a:r>
+            <a:endParaRPr lang="en-US" sz="3200" b="0" dirty="0">
+              <a:solidFill>
+                <a:srgbClr val="D4D4D4"/>
+              </a:solidFill>
+              <a:effectLst/>
+              <a:latin typeface="Consolas" panose="020B0609020204030204" pitchFamily="49" charset="0"/>
+            </a:endParaRPr>
+          </a:p>
+          <a:p>
+            <a:r>
+              <a:rPr lang="en-US" sz="3200" b="0" dirty="0">
+                <a:solidFill>
+                  <a:srgbClr val="808080"/>
+                </a:solidFill>
+                <a:effectLst/>
+                <a:latin typeface="Consolas" panose="020B0609020204030204" pitchFamily="49" charset="0"/>
+              </a:rPr>
+              <a:t>&lt;</a:t>
+            </a:r>
+            <a:r>
+              <a:rPr lang="en-US" sz="3200" b="0" dirty="0">
+                <a:solidFill>
+                  <a:srgbClr val="569CD6"/>
+                </a:solidFill>
+                <a:effectLst/>
+                <a:latin typeface="Consolas" panose="020B0609020204030204" pitchFamily="49" charset="0"/>
+              </a:rPr>
+              <a:t>head</a:t>
+            </a:r>
+            <a:r>
+              <a:rPr lang="en-US" sz="3200" b="0" dirty="0">
+                <a:solidFill>
+                  <a:srgbClr val="808080"/>
+                </a:solidFill>
+                <a:effectLst/>
+                <a:latin typeface="Consolas" panose="020B0609020204030204" pitchFamily="49" charset="0"/>
+              </a:rPr>
+              <a:t>&gt;</a:t>
+            </a:r>
+            <a:endParaRPr lang="en-US" sz="3200" b="0" dirty="0">
+              <a:solidFill>
+                <a:srgbClr val="D4D4D4"/>
+              </a:solidFill>
+              <a:effectLst/>
+              <a:latin typeface="Consolas" panose="020B0609020204030204" pitchFamily="49" charset="0"/>
+            </a:endParaRPr>
+          </a:p>
+          <a:p>
+            <a:r>
+              <a:rPr lang="en-US" sz="3200" b="0" dirty="0">
+                <a:solidFill>
+                  <a:srgbClr val="D4D4D4"/>
+                </a:solidFill>
+                <a:effectLst/>
+                <a:latin typeface="Consolas" panose="020B0609020204030204" pitchFamily="49" charset="0"/>
+              </a:rPr>
+              <a:t>    </a:t>
+            </a:r>
+            <a:r>
+              <a:rPr lang="en-US" sz="3200" b="0" dirty="0">
+                <a:solidFill>
+                  <a:srgbClr val="808080"/>
+                </a:solidFill>
+                <a:effectLst/>
+                <a:latin typeface="Consolas" panose="020B0609020204030204" pitchFamily="49" charset="0"/>
+              </a:rPr>
+              <a:t>&lt;</a:t>
+            </a:r>
+            <a:r>
+              <a:rPr lang="en-US" sz="3200" b="0" dirty="0">
+                <a:solidFill>
+                  <a:srgbClr val="569CD6"/>
+                </a:solidFill>
+                <a:effectLst/>
+                <a:latin typeface="Consolas" panose="020B0609020204030204" pitchFamily="49" charset="0"/>
+              </a:rPr>
+              <a:t>title</a:t>
+            </a:r>
+            <a:r>
+              <a:rPr lang="en-US" sz="3200" b="0" dirty="0">
+                <a:solidFill>
+                  <a:srgbClr val="808080"/>
+                </a:solidFill>
+                <a:effectLst/>
+                <a:latin typeface="Consolas" panose="020B0609020204030204" pitchFamily="49" charset="0"/>
+              </a:rPr>
+              <a:t>&gt;</a:t>
+            </a:r>
+            <a:r>
+              <a:rPr lang="en-US" sz="3200" b="0" dirty="0">
+                <a:solidFill>
+                  <a:srgbClr val="D4D4D4"/>
+                </a:solidFill>
+                <a:effectLst/>
+                <a:latin typeface="Consolas" panose="020B0609020204030204" pitchFamily="49" charset="0"/>
+              </a:rPr>
+              <a:t>Document</a:t>
+            </a:r>
+            <a:r>
+              <a:rPr lang="en-US" sz="3200" b="0" dirty="0">
+                <a:solidFill>
+                  <a:srgbClr val="808080"/>
+                </a:solidFill>
+                <a:effectLst/>
+                <a:latin typeface="Consolas" panose="020B0609020204030204" pitchFamily="49" charset="0"/>
+              </a:rPr>
+              <a:t>&lt;/</a:t>
+            </a:r>
+            <a:r>
+              <a:rPr lang="en-US" sz="3200" b="0" dirty="0">
+                <a:solidFill>
+                  <a:srgbClr val="569CD6"/>
+                </a:solidFill>
+                <a:effectLst/>
+                <a:latin typeface="Consolas" panose="020B0609020204030204" pitchFamily="49" charset="0"/>
+              </a:rPr>
+              <a:t>title</a:t>
+            </a:r>
+            <a:r>
+              <a:rPr lang="en-US" sz="3200" b="0" dirty="0">
+                <a:solidFill>
+                  <a:srgbClr val="808080"/>
+                </a:solidFill>
+                <a:effectLst/>
+                <a:latin typeface="Consolas" panose="020B0609020204030204" pitchFamily="49" charset="0"/>
+              </a:rPr>
+              <a:t>&gt;</a:t>
+            </a:r>
+            <a:endParaRPr lang="en-US" sz="3200" b="0" dirty="0">
+              <a:solidFill>
+                <a:srgbClr val="D4D4D4"/>
+              </a:solidFill>
+              <a:effectLst/>
+              <a:latin typeface="Consolas" panose="020B0609020204030204" pitchFamily="49" charset="0"/>
+            </a:endParaRPr>
+          </a:p>
+          <a:p>
+            <a:r>
+              <a:rPr lang="en-US" sz="3200" b="0" dirty="0">
+                <a:solidFill>
+                  <a:srgbClr val="808080"/>
+                </a:solidFill>
+                <a:effectLst/>
+                <a:latin typeface="Consolas" panose="020B0609020204030204" pitchFamily="49" charset="0"/>
+              </a:rPr>
+              <a:t>&lt;/</a:t>
+            </a:r>
+            <a:r>
+              <a:rPr lang="en-US" sz="3200" b="0" dirty="0">
+                <a:solidFill>
+                  <a:srgbClr val="569CD6"/>
+                </a:solidFill>
+                <a:effectLst/>
+                <a:latin typeface="Consolas" panose="020B0609020204030204" pitchFamily="49" charset="0"/>
+              </a:rPr>
+              <a:t>head</a:t>
+            </a:r>
+            <a:r>
+              <a:rPr lang="en-US" sz="3200" b="0" dirty="0">
+                <a:solidFill>
+                  <a:srgbClr val="808080"/>
+                </a:solidFill>
+                <a:effectLst/>
+                <a:latin typeface="Consolas" panose="020B0609020204030204" pitchFamily="49" charset="0"/>
+              </a:rPr>
+              <a:t>&gt;</a:t>
+            </a:r>
+            <a:endParaRPr lang="en-US" sz="3200" b="0" dirty="0">
+              <a:solidFill>
+                <a:srgbClr val="D4D4D4"/>
+              </a:solidFill>
+              <a:effectLst/>
+              <a:latin typeface="Consolas" panose="020B0609020204030204" pitchFamily="49" charset="0"/>
+            </a:endParaRPr>
+          </a:p>
+          <a:p>
+            <a:r>
+              <a:rPr lang="en-US" sz="3200" b="0" dirty="0">
+                <a:solidFill>
+                  <a:srgbClr val="808080"/>
+                </a:solidFill>
+                <a:effectLst/>
+                <a:latin typeface="Consolas" panose="020B0609020204030204" pitchFamily="49" charset="0"/>
+              </a:rPr>
+              <a:t>&lt;</a:t>
+            </a:r>
+            <a:r>
+              <a:rPr lang="en-US" sz="3200" b="0" dirty="0">
+                <a:solidFill>
+                  <a:srgbClr val="569CD6"/>
+                </a:solidFill>
+                <a:effectLst/>
+                <a:latin typeface="Consolas" panose="020B0609020204030204" pitchFamily="49" charset="0"/>
+              </a:rPr>
+              <a:t>body</a:t>
+            </a:r>
+            <a:r>
+              <a:rPr lang="en-US" sz="3200" b="0" dirty="0">
+                <a:solidFill>
+                  <a:srgbClr val="808080"/>
+                </a:solidFill>
+                <a:effectLst/>
+                <a:latin typeface="Consolas" panose="020B0609020204030204" pitchFamily="49" charset="0"/>
+              </a:rPr>
+              <a:t>&gt;</a:t>
+            </a:r>
+            <a:endParaRPr lang="en-US" sz="3200" b="0" dirty="0">
+              <a:solidFill>
+                <a:srgbClr val="D4D4D4"/>
+              </a:solidFill>
+              <a:effectLst/>
+              <a:latin typeface="Consolas" panose="020B0609020204030204" pitchFamily="49" charset="0"/>
+            </a:endParaRPr>
+          </a:p>
+          <a:p>
+            <a:r>
+              <a:rPr lang="en-US" sz="3200" b="0" dirty="0">
+                <a:solidFill>
+                  <a:srgbClr val="D4D4D4"/>
+                </a:solidFill>
+                <a:effectLst/>
+                <a:latin typeface="Consolas" panose="020B0609020204030204" pitchFamily="49" charset="0"/>
+              </a:rPr>
+              <a:t>    </a:t>
+            </a:r>
+          </a:p>
+          <a:p>
+            <a:r>
+              <a:rPr lang="en-US" sz="3200" b="0" dirty="0">
+                <a:solidFill>
+                  <a:srgbClr val="808080"/>
+                </a:solidFill>
+                <a:effectLst/>
+                <a:latin typeface="Consolas" panose="020B0609020204030204" pitchFamily="49" charset="0"/>
+              </a:rPr>
+              <a:t>&lt;/</a:t>
+            </a:r>
+            <a:r>
+              <a:rPr lang="en-US" sz="3200" b="0" dirty="0">
+                <a:solidFill>
+                  <a:srgbClr val="569CD6"/>
+                </a:solidFill>
+                <a:effectLst/>
+                <a:latin typeface="Consolas" panose="020B0609020204030204" pitchFamily="49" charset="0"/>
+              </a:rPr>
+              <a:t>body</a:t>
+            </a:r>
+            <a:r>
+              <a:rPr lang="en-US" sz="3200" b="0" dirty="0">
+                <a:solidFill>
+                  <a:srgbClr val="808080"/>
+                </a:solidFill>
+                <a:effectLst/>
+                <a:latin typeface="Consolas" panose="020B0609020204030204" pitchFamily="49" charset="0"/>
+              </a:rPr>
+              <a:t>&gt;</a:t>
+            </a:r>
+            <a:endParaRPr lang="en-US" sz="3200" b="0" dirty="0">
+              <a:solidFill>
+                <a:srgbClr val="D4D4D4"/>
+              </a:solidFill>
+              <a:effectLst/>
+              <a:latin typeface="Consolas" panose="020B0609020204030204" pitchFamily="49" charset="0"/>
+            </a:endParaRPr>
+          </a:p>
+          <a:p>
+            <a:r>
+              <a:rPr lang="en-US" sz="3200" b="0" dirty="0">
+                <a:solidFill>
+                  <a:srgbClr val="808080"/>
+                </a:solidFill>
+                <a:effectLst/>
+                <a:latin typeface="Consolas" panose="020B0609020204030204" pitchFamily="49" charset="0"/>
+              </a:rPr>
+              <a:t>&lt;/</a:t>
+            </a:r>
+            <a:r>
+              <a:rPr lang="en-US" sz="3200" b="0" dirty="0">
+                <a:solidFill>
+                  <a:srgbClr val="569CD6"/>
+                </a:solidFill>
+                <a:effectLst/>
+                <a:latin typeface="Consolas" panose="020B0609020204030204" pitchFamily="49" charset="0"/>
+              </a:rPr>
+              <a:t>html</a:t>
+            </a:r>
+            <a:r>
+              <a:rPr lang="en-US" sz="3200" b="0" dirty="0">
+                <a:solidFill>
+                  <a:srgbClr val="808080"/>
+                </a:solidFill>
+                <a:effectLst/>
+                <a:latin typeface="Consolas" panose="020B0609020204030204" pitchFamily="49" charset="0"/>
+              </a:rPr>
+              <a:t>&gt;</a:t>
+            </a:r>
+            <a:endParaRPr lang="en-US" sz="3200" b="0" dirty="0">
+              <a:solidFill>
+                <a:srgbClr val="D4D4D4"/>
+              </a:solidFill>
+              <a:effectLst/>
+              <a:latin typeface="Consolas" panose="020B0609020204030204" pitchFamily="49" charset="0"/>
+            </a:endParaRPr>
+          </a:p>
+        </p:txBody>
+      </p:sp>
+    </p:spTree>
+    <p:extLst>
+      <p:ext uri="{BB962C8B-B14F-4D97-AF65-F5344CB8AC3E}">
+        <p14:creationId xmlns:p14="http://schemas.microsoft.com/office/powerpoint/2010/main" val="885477531"/>
+      </p:ext>
+    </p:extLst>
+  </p:cSld>
+  <p:clrMapOvr>
+    <a:masterClrMapping/>
+  </p:clrMapOvr>
+</p:sld>
+</file>
+
+<file path=ppt/slides/slide5.xml><?xml version="1.0" encoding="utf-8"?>
+<p:sld xmlns:a="http://schemas.openxmlformats.org/drawingml/2006/main" xmlns:r="http://schemas.openxmlformats.org/officeDocument/2006/relationships" xmlns:p="http://schemas.openxmlformats.org/presentationml/2006/main">
+  <p:cSld>
+    <p:spTree>
+      <p:nvGrpSpPr>
+        <p:cNvPr id="1" name=""/>
+        <p:cNvGrpSpPr/>
+        <p:nvPr/>
+      </p:nvGrpSpPr>
+      <p:grpSpPr>
+        <a:xfrm>
+          <a:off x="0" y="0"/>
+          <a:ext cx="0" cy="0"/>
+          <a:chOff x="0" y="0"/>
+          <a:chExt cx="0" cy="0"/>
+        </a:xfrm>
+      </p:grpSpPr>
+      <p:sp>
+        <p:nvSpPr>
+          <p:cNvPr id="2" name="Text Placeholder 1">
+            <a:extLst>
+              <a:ext uri="{FF2B5EF4-FFF2-40B4-BE49-F238E27FC236}">
+                <a16:creationId xmlns:a16="http://schemas.microsoft.com/office/drawing/2014/main" id="{B536B95D-8BD5-2809-2463-D2AA83DDEAA9}"/>
+              </a:ext>
+            </a:extLst>
+          </p:cNvPr>
+          <p:cNvSpPr>
+            <a:spLocks noGrp="1"/>
+          </p:cNvSpPr>
+          <p:nvPr>
+            <p:ph type="body" sz="quarter" idx="13"/>
+          </p:nvPr>
+        </p:nvSpPr>
+        <p:spPr>
+          <a:xfrm>
+            <a:off x="762000" y="1737298"/>
+            <a:ext cx="3782008" cy="4178309"/>
+          </a:xfrm>
+        </p:spPr>
+        <p:txBody>
+          <a:bodyPr/>
+          <a:lstStyle/>
+          <a:p>
+            <a:r>
+              <a:rPr lang="en-US" sz="2800" b="1" dirty="0"/>
+              <a:t>Internet is your friend this week!</a:t>
+            </a:r>
+          </a:p>
+          <a:p>
+            <a:endParaRPr lang="en-US" sz="2800" b="1" dirty="0"/>
+          </a:p>
+          <a:p>
+            <a:r>
+              <a:rPr lang="en-GB" sz="2800" dirty="0"/>
+              <a:t>There are so many HTML/CSS/JS options I can’t cover even a fraction.</a:t>
+            </a:r>
+          </a:p>
+        </p:txBody>
+      </p:sp>
+      <p:sp>
+        <p:nvSpPr>
+          <p:cNvPr id="3" name="Title 2">
+            <a:extLst>
+              <a:ext uri="{FF2B5EF4-FFF2-40B4-BE49-F238E27FC236}">
+                <a16:creationId xmlns:a16="http://schemas.microsoft.com/office/drawing/2014/main" id="{27703E24-22CB-EDEC-59AA-253208558036}"/>
+              </a:ext>
+            </a:extLst>
+          </p:cNvPr>
+          <p:cNvSpPr>
+            <a:spLocks noGrp="1"/>
+          </p:cNvSpPr>
+          <p:nvPr>
+            <p:ph type="title"/>
+          </p:nvPr>
+        </p:nvSpPr>
+        <p:spPr>
+          <a:xfrm>
+            <a:off x="762000" y="716577"/>
+            <a:ext cx="3959290" cy="615553"/>
+          </a:xfrm>
+        </p:spPr>
+        <p:txBody>
+          <a:bodyPr/>
+          <a:lstStyle/>
+          <a:p>
+            <a:r>
+              <a:rPr lang="en-US" dirty="0"/>
+              <a:t>HTML tags</a:t>
+            </a:r>
+            <a:endParaRPr lang="en-GB" dirty="0"/>
+          </a:p>
+        </p:txBody>
+      </p:sp>
+      <p:pic>
+        <p:nvPicPr>
+          <p:cNvPr id="4" name="Picture 3">
+            <a:extLst>
+              <a:ext uri="{FF2B5EF4-FFF2-40B4-BE49-F238E27FC236}">
+                <a16:creationId xmlns:a16="http://schemas.microsoft.com/office/drawing/2014/main" id="{4A98C2DE-31FF-6A5D-9288-7CC162BE4546}"/>
+              </a:ext>
+            </a:extLst>
+          </p:cNvPr>
+          <p:cNvPicPr>
+            <a:picLocks noChangeAspect="1"/>
+          </p:cNvPicPr>
+          <p:nvPr/>
+        </p:nvPicPr>
+        <p:blipFill>
+          <a:blip r:embed="rId2"/>
+          <a:stretch>
+            <a:fillRect/>
+          </a:stretch>
+        </p:blipFill>
+        <p:spPr>
+          <a:xfrm>
+            <a:off x="5473960" y="834552"/>
+            <a:ext cx="6081840" cy="5562119"/>
+          </a:xfrm>
+          <a:prstGeom prst="rect">
+            <a:avLst/>
+          </a:prstGeom>
+        </p:spPr>
+      </p:pic>
+    </p:spTree>
+    <p:extLst>
+      <p:ext uri="{BB962C8B-B14F-4D97-AF65-F5344CB8AC3E}">
+        <p14:creationId xmlns:p14="http://schemas.microsoft.com/office/powerpoint/2010/main" val="1715883970"/>
+      </p:ext>
+    </p:extLst>
+  </p:cSld>
+  <p:clrMapOvr>
+    <a:masterClrMapping/>
+  </p:clrMapOvr>
+</p:sld>
+</file>
+
+<file path=ppt/slides/slide6.xml><?xml version="1.0" encoding="utf-8"?>
+<p:sld xmlns:a="http://schemas.openxmlformats.org/drawingml/2006/main" xmlns:r="http://schemas.openxmlformats.org/officeDocument/2006/relationships" xmlns:p="http://schemas.openxmlformats.org/presentationml/2006/main">
+  <p:cSld>
+    <p:spTree>
+      <p:nvGrpSpPr>
+        <p:cNvPr id="1" name=""/>
+        <p:cNvGrpSpPr/>
+        <p:nvPr/>
+      </p:nvGrpSpPr>
+      <p:grpSpPr>
+        <a:xfrm>
+          <a:off x="0" y="0"/>
+          <a:ext cx="0" cy="0"/>
+          <a:chOff x="0" y="0"/>
+          <a:chExt cx="0" cy="0"/>
+        </a:xfrm>
+      </p:grpSpPr>
+      <p:sp>
+        <p:nvSpPr>
+          <p:cNvPr id="2" name="Text Placeholder 1">
+            <a:extLst>
+              <a:ext uri="{FF2B5EF4-FFF2-40B4-BE49-F238E27FC236}">
+                <a16:creationId xmlns:a16="http://schemas.microsoft.com/office/drawing/2014/main" id="{56D823AA-F844-AE19-3D1A-DE12F8F18F93}"/>
+              </a:ext>
+            </a:extLst>
+          </p:cNvPr>
+          <p:cNvSpPr>
+            <a:spLocks noGrp="1"/>
+          </p:cNvSpPr>
+          <p:nvPr>
+            <p:ph type="body" sz="quarter" idx="13"/>
+          </p:nvPr>
+        </p:nvSpPr>
+        <p:spPr>
+          <a:xfrm>
+            <a:off x="762000" y="1783951"/>
+            <a:ext cx="3212841" cy="3749101"/>
+          </a:xfrm>
+        </p:spPr>
+        <p:txBody>
+          <a:bodyPr/>
+          <a:lstStyle/>
+          <a:p>
+            <a:r>
+              <a:rPr lang="en-US" sz="2800" dirty="0"/>
+              <a:t>The </a:t>
+            </a:r>
+            <a:r>
+              <a:rPr lang="en-US" sz="2800" b="1" dirty="0"/>
+              <a:t>&lt;div&gt; </a:t>
+            </a:r>
+            <a:r>
+              <a:rPr lang="en-US" sz="2800" dirty="0"/>
+              <a:t>tag is one of the most useful tags in HTML. It is essentially just a container that you can put anything in. It allows us to group content and apply styles efficiently.</a:t>
+            </a:r>
+          </a:p>
+          <a:p>
+            <a:endParaRPr lang="en-US" dirty="0"/>
+          </a:p>
+        </p:txBody>
+      </p:sp>
+      <p:sp>
+        <p:nvSpPr>
+          <p:cNvPr id="3" name="Title 2">
+            <a:extLst>
+              <a:ext uri="{FF2B5EF4-FFF2-40B4-BE49-F238E27FC236}">
+                <a16:creationId xmlns:a16="http://schemas.microsoft.com/office/drawing/2014/main" id="{32E683F7-D59A-293C-9A11-B77D133EDBDF}"/>
+              </a:ext>
+            </a:extLst>
+          </p:cNvPr>
+          <p:cNvSpPr>
+            <a:spLocks noGrp="1"/>
+          </p:cNvSpPr>
+          <p:nvPr>
+            <p:ph type="title"/>
+          </p:nvPr>
+        </p:nvSpPr>
+        <p:spPr/>
+        <p:txBody>
+          <a:bodyPr/>
+          <a:lstStyle/>
+          <a:p>
+            <a:r>
+              <a:rPr lang="en-US" dirty="0"/>
+              <a:t>The &lt;div&gt; tag</a:t>
+            </a:r>
+            <a:endParaRPr lang="en-GB" dirty="0"/>
+          </a:p>
+        </p:txBody>
+      </p:sp>
+      <p:pic>
+        <p:nvPicPr>
+          <p:cNvPr id="4" name="Picture Placeholder 8">
+            <a:extLst>
+              <a:ext uri="{FF2B5EF4-FFF2-40B4-BE49-F238E27FC236}">
+                <a16:creationId xmlns:a16="http://schemas.microsoft.com/office/drawing/2014/main" id="{5DA26D26-1100-E0F9-1E52-FD47510C0A58}"/>
+              </a:ext>
+            </a:extLst>
+          </p:cNvPr>
+          <p:cNvPicPr>
+            <a:picLocks noChangeAspect="1"/>
+          </p:cNvPicPr>
+          <p:nvPr/>
+        </p:nvPicPr>
+        <p:blipFill rotWithShape="1">
+          <a:blip r:embed="rId2"/>
+          <a:srcRect l="5227" r="10259"/>
+          <a:stretch/>
+        </p:blipFill>
+        <p:spPr>
+          <a:xfrm>
+            <a:off x="4135082" y="1590225"/>
+            <a:ext cx="7733457" cy="4232077"/>
+          </a:xfrm>
+          <a:prstGeom prst="rect">
+            <a:avLst/>
+          </a:prstGeom>
+          <a:noFill/>
+        </p:spPr>
+      </p:pic>
+    </p:spTree>
+    <p:extLst>
+      <p:ext uri="{BB962C8B-B14F-4D97-AF65-F5344CB8AC3E}">
+        <p14:creationId xmlns:p14="http://schemas.microsoft.com/office/powerpoint/2010/main" val="125621075"/>
+      </p:ext>
+    </p:extLst>
+  </p:cSld>
+  <p:clrMapOvr>
+    <a:masterClrMapping/>
+  </p:clrMapOvr>
+</p:sld>
+</file>
+
+<file path=ppt/slides/slide7.xml><?xml version="1.0" encoding="utf-8"?>
+<p:sld xmlns:a="http://schemas.openxmlformats.org/drawingml/2006/main" xmlns:r="http://schemas.openxmlformats.org/officeDocument/2006/relationships" xmlns:p="http://schemas.openxmlformats.org/presentationml/2006/main">
+  <p:cSld>
+    <p:spTree>
+      <p:nvGrpSpPr>
+        <p:cNvPr id="1" name=""/>
+        <p:cNvGrpSpPr/>
+        <p:nvPr/>
+      </p:nvGrpSpPr>
+      <p:grpSpPr>
+        <a:xfrm>
+          <a:off x="0" y="0"/>
+          <a:ext cx="0" cy="0"/>
+          <a:chOff x="0" y="0"/>
+          <a:chExt cx="0" cy="0"/>
+        </a:xfrm>
+      </p:grpSpPr>
+      <p:sp>
+        <p:nvSpPr>
+          <p:cNvPr id="3" name="Title 2">
+            <a:extLst>
+              <a:ext uri="{FF2B5EF4-FFF2-40B4-BE49-F238E27FC236}">
+                <a16:creationId xmlns:a16="http://schemas.microsoft.com/office/drawing/2014/main" id="{08F88AB4-D3DF-C96A-8F34-DA45C1B4910D}"/>
+              </a:ext>
+            </a:extLst>
+          </p:cNvPr>
+          <p:cNvSpPr>
+            <a:spLocks noGrp="1"/>
+          </p:cNvSpPr>
+          <p:nvPr>
+            <p:ph type="title"/>
+          </p:nvPr>
+        </p:nvSpPr>
+        <p:spPr/>
+        <p:txBody>
+          <a:bodyPr/>
+          <a:lstStyle/>
+          <a:p>
+            <a:r>
+              <a:rPr lang="en-US" dirty="0"/>
+              <a:t>CSS</a:t>
+            </a:r>
+            <a:endParaRPr lang="en-GB" dirty="0"/>
+          </a:p>
+        </p:txBody>
+      </p:sp>
+      <p:sp>
+        <p:nvSpPr>
+          <p:cNvPr id="6" name="Text Placeholder 5">
+            <a:extLst>
+              <a:ext uri="{FF2B5EF4-FFF2-40B4-BE49-F238E27FC236}">
+                <a16:creationId xmlns:a16="http://schemas.microsoft.com/office/drawing/2014/main" id="{20D8CECC-97C7-CA61-240A-4737326947D3}"/>
+              </a:ext>
+            </a:extLst>
+          </p:cNvPr>
+          <p:cNvSpPr>
+            <a:spLocks noGrp="1"/>
+          </p:cNvSpPr>
+          <p:nvPr>
+            <p:ph type="body" sz="quarter" idx="13"/>
+          </p:nvPr>
+        </p:nvSpPr>
+        <p:spPr/>
+        <p:txBody>
+          <a:bodyPr/>
+          <a:lstStyle/>
+          <a:p>
+            <a:r>
+              <a:rPr lang="en-US" sz="3200" dirty="0"/>
+              <a:t>Used to apply styling to elements!</a:t>
+            </a:r>
+            <a:endParaRPr lang="en-GB" sz="3200" dirty="0"/>
+          </a:p>
+        </p:txBody>
+      </p:sp>
+      <p:sp>
+        <p:nvSpPr>
+          <p:cNvPr id="4" name="TextBox 3">
+            <a:extLst>
+              <a:ext uri="{FF2B5EF4-FFF2-40B4-BE49-F238E27FC236}">
+                <a16:creationId xmlns:a16="http://schemas.microsoft.com/office/drawing/2014/main" id="{3BD33D1C-BB27-1819-2266-2A23B8BAFD28}"/>
+              </a:ext>
+            </a:extLst>
+          </p:cNvPr>
+          <p:cNvSpPr txBox="1"/>
+          <p:nvPr/>
+        </p:nvSpPr>
+        <p:spPr>
+          <a:xfrm>
+            <a:off x="1537996" y="2476499"/>
+            <a:ext cx="9116008" cy="461665"/>
+          </a:xfrm>
+          <a:prstGeom prst="rect">
+            <a:avLst/>
+          </a:prstGeom>
+          <a:solidFill>
+            <a:schemeClr val="tx1"/>
+          </a:solidFill>
+        </p:spPr>
+        <p:txBody>
+          <a:bodyPr wrap="square" rtlCol="0">
+            <a:spAutoFit/>
+          </a:bodyPr>
+          <a:lstStyle/>
+          <a:p>
+            <a:r>
+              <a:rPr lang="en-GB" sz="2400" b="0" dirty="0">
+                <a:solidFill>
+                  <a:srgbClr val="808080"/>
+                </a:solidFill>
+                <a:effectLst/>
+                <a:latin typeface="Consolas" panose="020B0609020204030204" pitchFamily="49" charset="0"/>
+              </a:rPr>
+              <a:t>&lt;</a:t>
+            </a:r>
+            <a:r>
+              <a:rPr lang="en-GB" sz="2400" b="0" dirty="0">
+                <a:solidFill>
+                  <a:srgbClr val="569CD6"/>
+                </a:solidFill>
+                <a:effectLst/>
+                <a:latin typeface="Consolas" panose="020B0609020204030204" pitchFamily="49" charset="0"/>
+              </a:rPr>
+              <a:t>link</a:t>
+            </a:r>
+            <a:r>
+              <a:rPr lang="en-GB" sz="2400" b="0" dirty="0">
+                <a:solidFill>
+                  <a:srgbClr val="D4D4D4"/>
+                </a:solidFill>
+                <a:effectLst/>
+                <a:latin typeface="Consolas" panose="020B0609020204030204" pitchFamily="49" charset="0"/>
+              </a:rPr>
+              <a:t> </a:t>
+            </a:r>
+            <a:r>
+              <a:rPr lang="en-GB" sz="2400" b="0" dirty="0" err="1">
+                <a:solidFill>
+                  <a:srgbClr val="9CDCFE"/>
+                </a:solidFill>
+                <a:effectLst/>
+                <a:latin typeface="Consolas" panose="020B0609020204030204" pitchFamily="49" charset="0"/>
+              </a:rPr>
+              <a:t>rel</a:t>
+            </a:r>
+            <a:r>
+              <a:rPr lang="en-GB" sz="2400" b="0" dirty="0">
+                <a:solidFill>
+                  <a:srgbClr val="D4D4D4"/>
+                </a:solidFill>
+                <a:effectLst/>
+                <a:latin typeface="Consolas" panose="020B0609020204030204" pitchFamily="49" charset="0"/>
+              </a:rPr>
+              <a:t>=</a:t>
+            </a:r>
+            <a:r>
+              <a:rPr lang="en-GB" sz="2400" b="0" dirty="0">
+                <a:solidFill>
+                  <a:srgbClr val="CE9178"/>
+                </a:solidFill>
+                <a:effectLst/>
+                <a:latin typeface="Consolas" panose="020B0609020204030204" pitchFamily="49" charset="0"/>
+              </a:rPr>
+              <a:t>"stylesheet"</a:t>
+            </a:r>
+            <a:r>
+              <a:rPr lang="en-GB" sz="2400" b="0" dirty="0">
+                <a:solidFill>
+                  <a:srgbClr val="D4D4D4"/>
+                </a:solidFill>
+                <a:effectLst/>
+                <a:latin typeface="Consolas" panose="020B0609020204030204" pitchFamily="49" charset="0"/>
+              </a:rPr>
+              <a:t> </a:t>
+            </a:r>
+            <a:r>
+              <a:rPr lang="en-GB" sz="2400" b="0" dirty="0" err="1">
+                <a:solidFill>
+                  <a:srgbClr val="9CDCFE"/>
+                </a:solidFill>
+                <a:effectLst/>
+                <a:latin typeface="Consolas" panose="020B0609020204030204" pitchFamily="49" charset="0"/>
+              </a:rPr>
+              <a:t>href</a:t>
+            </a:r>
+            <a:r>
+              <a:rPr lang="en-GB" sz="2400" b="0" dirty="0">
+                <a:solidFill>
+                  <a:srgbClr val="D4D4D4"/>
+                </a:solidFill>
+                <a:effectLst/>
+                <a:latin typeface="Consolas" panose="020B0609020204030204" pitchFamily="49" charset="0"/>
+              </a:rPr>
+              <a:t>=</a:t>
+            </a:r>
+            <a:r>
+              <a:rPr lang="en-GB" sz="2400" b="0" dirty="0">
+                <a:solidFill>
+                  <a:srgbClr val="CE9178"/>
+                </a:solidFill>
+                <a:effectLst/>
+                <a:latin typeface="Consolas" panose="020B0609020204030204" pitchFamily="49" charset="0"/>
+              </a:rPr>
+              <a:t>"styles/styles.css"</a:t>
+            </a:r>
+            <a:r>
+              <a:rPr lang="en-GB" sz="2400" b="0" dirty="0">
+                <a:solidFill>
+                  <a:srgbClr val="808080"/>
+                </a:solidFill>
+                <a:effectLst/>
+                <a:latin typeface="Consolas" panose="020B0609020204030204" pitchFamily="49" charset="0"/>
+              </a:rPr>
+              <a:t>&gt;</a:t>
+            </a:r>
+            <a:endParaRPr lang="en-GB" sz="2400" b="0" dirty="0">
+              <a:solidFill>
+                <a:srgbClr val="D4D4D4"/>
+              </a:solidFill>
+              <a:effectLst/>
+              <a:latin typeface="Consolas" panose="020B0609020204030204" pitchFamily="49" charset="0"/>
+            </a:endParaRPr>
+          </a:p>
+        </p:txBody>
+      </p:sp>
+      <p:sp>
+        <p:nvSpPr>
+          <p:cNvPr id="7" name="Text Placeholder 5">
+            <a:extLst>
+              <a:ext uri="{FF2B5EF4-FFF2-40B4-BE49-F238E27FC236}">
+                <a16:creationId xmlns:a16="http://schemas.microsoft.com/office/drawing/2014/main" id="{8EE475C2-75D3-D450-2166-6C81D74BCE51}"/>
+              </a:ext>
+            </a:extLst>
+          </p:cNvPr>
+          <p:cNvSpPr txBox="1">
+            <a:spLocks/>
+          </p:cNvSpPr>
+          <p:nvPr/>
+        </p:nvSpPr>
+        <p:spPr>
+          <a:xfrm>
+            <a:off x="762000" y="3695702"/>
+            <a:ext cx="10668000" cy="685800"/>
+          </a:xfrm>
+          <a:prstGeom prst="rect">
+            <a:avLst/>
+          </a:prstGeom>
+          <a:noFill/>
+        </p:spPr>
+        <p:txBody>
+          <a:bodyPr vert="horz" wrap="square" lIns="0" tIns="0" rIns="0" bIns="0" rtlCol="0">
+            <a:noAutofit/>
+          </a:bodyPr>
+          <a:lstStyle>
+            <a:lvl1pPr marL="0" indent="0" algn="l" defTabSz="914400" rtl="0" eaLnBrk="1" latinLnBrk="0" hangingPunct="1">
+              <a:lnSpc>
+                <a:spcPct val="90000"/>
+              </a:lnSpc>
+              <a:spcBef>
+                <a:spcPts val="0"/>
+              </a:spcBef>
+              <a:spcAft>
+                <a:spcPts val="0"/>
+              </a:spcAft>
+              <a:buFont typeface="Arial" panose="020B0604020202020204" pitchFamily="34" charset="0"/>
+              <a:buNone/>
+              <a:defRPr lang="en-US" sz="1800" kern="1200" dirty="0">
+                <a:solidFill>
+                  <a:schemeClr val="tx1"/>
+                </a:solidFill>
+                <a:latin typeface="+mn-lt"/>
+                <a:ea typeface="+mn-ea"/>
+                <a:cs typeface="+mn-cs"/>
+              </a:defRPr>
+            </a:lvl1pPr>
+            <a:lvl2pPr marL="685800" indent="-228600" algn="l" defTabSz="914400" rtl="0" eaLnBrk="1" latinLnBrk="0" hangingPunct="1">
+              <a:lnSpc>
+                <a:spcPct val="90000"/>
+              </a:lnSpc>
+              <a:spcBef>
+                <a:spcPts val="500"/>
+              </a:spcBef>
+              <a:buFont typeface="Arial" panose="020B0604020202020204" pitchFamily="34" charset="0"/>
+              <a:buChar char="•"/>
+              <a:defRPr sz="2400" kern="1200">
+                <a:solidFill>
+                  <a:schemeClr val="tx1"/>
+                </a:solidFill>
+                <a:latin typeface="+mn-lt"/>
+                <a:ea typeface="+mn-ea"/>
+                <a:cs typeface="+mn-cs"/>
+              </a:defRPr>
+            </a:lvl2pPr>
+            <a:lvl3pPr marL="1143000" indent="-228600" algn="l" defTabSz="914400" rtl="0" eaLnBrk="1" latinLnBrk="0" hangingPunct="1">
+              <a:lnSpc>
+                <a:spcPct val="90000"/>
+              </a:lnSpc>
+              <a:spcBef>
+                <a:spcPts val="500"/>
+              </a:spcBef>
+              <a:buFont typeface="Arial" panose="020B0604020202020204" pitchFamily="34" charset="0"/>
+              <a:buChar char="•"/>
+              <a:defRPr sz="2000" kern="1200">
+                <a:solidFill>
+                  <a:schemeClr val="tx1"/>
+                </a:solidFill>
+                <a:latin typeface="+mn-lt"/>
+                <a:ea typeface="+mn-ea"/>
+                <a:cs typeface="+mn-cs"/>
+              </a:defRPr>
+            </a:lvl3pPr>
+            <a:lvl4pPr marL="1600200" indent="-228600" algn="l" defTabSz="914400" rtl="0" eaLnBrk="1" latinLnBrk="0" hangingPunct="1">
+              <a:lnSpc>
+                <a:spcPct val="90000"/>
+              </a:lnSpc>
+              <a:spcBef>
+                <a:spcPts val="500"/>
+              </a:spcBef>
+              <a:buFont typeface="Arial" panose="020B0604020202020204" pitchFamily="34" charset="0"/>
+              <a:buChar char="•"/>
+              <a:defRPr sz="1800" kern="1200">
+                <a:solidFill>
+                  <a:schemeClr val="tx1"/>
+                </a:solidFill>
+                <a:latin typeface="+mn-lt"/>
+                <a:ea typeface="+mn-ea"/>
+                <a:cs typeface="+mn-cs"/>
+              </a:defRPr>
+            </a:lvl4pPr>
+            <a:lvl5pPr marL="2057400" indent="-228600" algn="l" defTabSz="914400" rtl="0" eaLnBrk="1" latinLnBrk="0" hangingPunct="1">
+              <a:lnSpc>
+                <a:spcPct val="90000"/>
+              </a:lnSpc>
+              <a:spcBef>
+                <a:spcPts val="500"/>
+              </a:spcBef>
+              <a:buFont typeface="Arial" panose="020B0604020202020204" pitchFamily="34" charset="0"/>
+              <a:buChar char="•"/>
+              <a:defRPr sz="1800" kern="1200">
+                <a:solidFill>
+                  <a:schemeClr val="tx1"/>
+                </a:solidFill>
+                <a:latin typeface="+mn-lt"/>
+                <a:ea typeface="+mn-ea"/>
+                <a:cs typeface="+mn-cs"/>
+              </a:defRPr>
+            </a:lvl5pPr>
+            <a:lvl6pPr marL="2514600" indent="-228600" algn="l" defTabSz="914400" rtl="0" eaLnBrk="1" latinLnBrk="0" hangingPunct="1">
+              <a:lnSpc>
+                <a:spcPct val="90000"/>
+              </a:lnSpc>
+              <a:spcBef>
+                <a:spcPts val="500"/>
+              </a:spcBef>
+              <a:buFont typeface="Arial" panose="020B0604020202020204" pitchFamily="34" charset="0"/>
+              <a:buChar char="•"/>
+              <a:defRPr sz="1800" kern="1200">
+                <a:solidFill>
+                  <a:schemeClr val="tx1"/>
+                </a:solidFill>
+                <a:latin typeface="+mn-lt"/>
+                <a:ea typeface="+mn-ea"/>
+                <a:cs typeface="+mn-cs"/>
+              </a:defRPr>
+            </a:lvl6pPr>
+            <a:lvl7pPr marL="2971800" indent="-228600" algn="l" defTabSz="914400" rtl="0" eaLnBrk="1" latinLnBrk="0" hangingPunct="1">
+              <a:lnSpc>
+                <a:spcPct val="90000"/>
+              </a:lnSpc>
+              <a:spcBef>
+                <a:spcPts val="500"/>
+              </a:spcBef>
+              <a:buFont typeface="Arial" panose="020B0604020202020204" pitchFamily="34" charset="0"/>
+              <a:buChar char="•"/>
+              <a:defRPr sz="1800" kern="1200">
+                <a:solidFill>
+                  <a:schemeClr val="tx1"/>
+                </a:solidFill>
+                <a:latin typeface="+mn-lt"/>
+                <a:ea typeface="+mn-ea"/>
+                <a:cs typeface="+mn-cs"/>
+              </a:defRPr>
+            </a:lvl7pPr>
+            <a:lvl8pPr marL="3429000" indent="-228600" algn="l" defTabSz="914400" rtl="0" eaLnBrk="1" latinLnBrk="0" hangingPunct="1">
+              <a:lnSpc>
+                <a:spcPct val="90000"/>
+              </a:lnSpc>
+              <a:spcBef>
+                <a:spcPts val="500"/>
+              </a:spcBef>
+              <a:buFont typeface="Arial" panose="020B0604020202020204" pitchFamily="34" charset="0"/>
+              <a:buChar char="•"/>
+              <a:defRPr sz="1800" kern="1200">
+                <a:solidFill>
+                  <a:schemeClr val="tx1"/>
+                </a:solidFill>
+                <a:latin typeface="+mn-lt"/>
+                <a:ea typeface="+mn-ea"/>
+                <a:cs typeface="+mn-cs"/>
+              </a:defRPr>
+            </a:lvl8pPr>
+            <a:lvl9pPr marL="3886200" indent="-228600" algn="l" defTabSz="914400" rtl="0" eaLnBrk="1" latinLnBrk="0" hangingPunct="1">
+              <a:lnSpc>
+                <a:spcPct val="90000"/>
+              </a:lnSpc>
+              <a:spcBef>
+                <a:spcPts val="500"/>
+              </a:spcBef>
+              <a:buFont typeface="Arial" panose="020B0604020202020204" pitchFamily="34" charset="0"/>
+              <a:buChar char="•"/>
+              <a:defRPr sz="1800" kern="1200">
+                <a:solidFill>
+                  <a:schemeClr val="tx1"/>
+                </a:solidFill>
+                <a:latin typeface="+mn-lt"/>
+                <a:ea typeface="+mn-ea"/>
+                <a:cs typeface="+mn-cs"/>
+              </a:defRPr>
+            </a:lvl9pPr>
+          </a:lstStyle>
+          <a:p>
+            <a:pPr fontAlgn="auto"/>
+            <a:r>
+              <a:rPr lang="en-US" sz="3200"/>
+              <a:t>Used to apply styling to elements!</a:t>
+            </a:r>
+          </a:p>
+        </p:txBody>
+      </p:sp>
+      <p:sp>
+        <p:nvSpPr>
+          <p:cNvPr id="8" name="TextBox 7">
+            <a:extLst>
+              <a:ext uri="{FF2B5EF4-FFF2-40B4-BE49-F238E27FC236}">
+                <a16:creationId xmlns:a16="http://schemas.microsoft.com/office/drawing/2014/main" id="{D000D468-0E5E-BD6F-0C5A-E331F9FD48C2}"/>
+              </a:ext>
+            </a:extLst>
+          </p:cNvPr>
+          <p:cNvSpPr txBox="1"/>
+          <p:nvPr/>
+        </p:nvSpPr>
+        <p:spPr>
+          <a:xfrm>
+            <a:off x="1537996" y="3086100"/>
+            <a:ext cx="9116008" cy="461665"/>
+          </a:xfrm>
+          <a:prstGeom prst="rect">
+            <a:avLst/>
+          </a:prstGeom>
+          <a:solidFill>
+            <a:schemeClr val="tx1"/>
+          </a:solidFill>
+        </p:spPr>
+        <p:txBody>
+          <a:bodyPr wrap="square" rtlCol="0">
+            <a:spAutoFit/>
+          </a:bodyPr>
+          <a:lstStyle/>
+          <a:p>
+            <a:r>
+              <a:rPr lang="en-US" sz="2400" dirty="0">
+                <a:solidFill>
+                  <a:srgbClr val="808080"/>
+                </a:solidFill>
+                <a:latin typeface="Consolas" panose="020B0609020204030204" pitchFamily="49" charset="0"/>
+              </a:rPr>
+              <a:t>&lt;</a:t>
+            </a:r>
+            <a:r>
+              <a:rPr lang="en-GB" sz="2400" dirty="0">
+                <a:solidFill>
+                  <a:srgbClr val="808080"/>
+                </a:solidFill>
+                <a:latin typeface="Consolas" panose="020B0609020204030204" pitchFamily="49" charset="0"/>
+              </a:rPr>
+              <a:t>style&gt; … &lt;/style&gt;</a:t>
+            </a:r>
+            <a:endParaRPr lang="en-GB" sz="2400" b="0" dirty="0">
+              <a:solidFill>
+                <a:srgbClr val="D4D4D4"/>
+              </a:solidFill>
+              <a:effectLst/>
+              <a:latin typeface="Consolas" panose="020B0609020204030204" pitchFamily="49" charset="0"/>
+            </a:endParaRPr>
+          </a:p>
+        </p:txBody>
+      </p:sp>
+      <p:sp>
+        <p:nvSpPr>
+          <p:cNvPr id="11" name="Arrow: Right 10">
+            <a:extLst>
+              <a:ext uri="{FF2B5EF4-FFF2-40B4-BE49-F238E27FC236}">
+                <a16:creationId xmlns:a16="http://schemas.microsoft.com/office/drawing/2014/main" id="{29D9A1F2-3378-F416-3245-CDD598170EE7}"/>
+              </a:ext>
+            </a:extLst>
+          </p:cNvPr>
+          <p:cNvSpPr/>
+          <p:nvPr/>
+        </p:nvSpPr>
+        <p:spPr>
+          <a:xfrm rot="8398771">
+            <a:off x="8238949" y="1667912"/>
+            <a:ext cx="1464906" cy="441255"/>
+          </a:xfrm>
+          <a:prstGeom prst="rightArrow">
+            <a:avLst>
+              <a:gd name="adj1" fmla="val 50000"/>
+              <a:gd name="adj2" fmla="val 47492"/>
+            </a:avLst>
+          </a:prstGeom>
+        </p:spPr>
+        <p:style>
+          <a:lnRef idx="2">
+            <a:schemeClr val="accent1">
+              <a:shade val="50000"/>
+            </a:schemeClr>
+          </a:lnRef>
+          <a:fillRef idx="1">
+            <a:schemeClr val="accent1"/>
+          </a:fillRef>
+          <a:effectRef idx="0">
+            <a:schemeClr val="accent1"/>
+          </a:effectRef>
+          <a:fontRef idx="minor">
+            <a:schemeClr val="lt1"/>
+          </a:fontRef>
+        </p:style>
+        <p:txBody>
+          <a:bodyPr rtlCol="0" anchor="ctr"/>
+          <a:lstStyle/>
+          <a:p>
+            <a:pPr algn="ctr"/>
+            <a:endParaRPr lang="en-GB"/>
+          </a:p>
+        </p:txBody>
+      </p:sp>
+      <p:sp>
+        <p:nvSpPr>
+          <p:cNvPr id="12" name="TextBox 11">
+            <a:extLst>
+              <a:ext uri="{FF2B5EF4-FFF2-40B4-BE49-F238E27FC236}">
+                <a16:creationId xmlns:a16="http://schemas.microsoft.com/office/drawing/2014/main" id="{FCEA28FD-B643-CFAD-2034-3D08C9725280}"/>
+              </a:ext>
+            </a:extLst>
+          </p:cNvPr>
+          <p:cNvSpPr txBox="1"/>
+          <p:nvPr/>
+        </p:nvSpPr>
+        <p:spPr>
+          <a:xfrm>
+            <a:off x="9744269" y="642458"/>
+            <a:ext cx="1819469" cy="646331"/>
+          </a:xfrm>
+          <a:prstGeom prst="rect">
+            <a:avLst/>
+          </a:prstGeom>
+          <a:noFill/>
+        </p:spPr>
+        <p:txBody>
+          <a:bodyPr wrap="square" rtlCol="0">
+            <a:spAutoFit/>
+          </a:bodyPr>
+          <a:lstStyle/>
+          <a:p>
+            <a:r>
+              <a:rPr lang="en-US" dirty="0"/>
+              <a:t>Where does this go?</a:t>
+            </a:r>
+            <a:endParaRPr lang="en-GB" dirty="0"/>
+          </a:p>
+        </p:txBody>
+      </p:sp>
+    </p:spTree>
+    <p:extLst>
+      <p:ext uri="{BB962C8B-B14F-4D97-AF65-F5344CB8AC3E}">
+        <p14:creationId xmlns:p14="http://schemas.microsoft.com/office/powerpoint/2010/main" val="353373354"/>
       </p:ext>
     </p:extLst>
   </p:cSld>
@@ -8234,35 +11237,10 @@
       </p:grpSpPr>
       <p:sp>
         <p:nvSpPr>
-          <p:cNvPr id="8" name="Text Placeholder 7">
+          <p:cNvPr id="3" name="Title 2">
             <a:extLst>
               <a:ext uri="{FF2B5EF4-FFF2-40B4-BE49-F238E27FC236}">
-                <a16:creationId xmlns:a16="http://schemas.microsoft.com/office/drawing/2014/main" id="{8502400E-A4E9-2FFC-26ED-B2D7F3113F69}"/>
-              </a:ext>
-            </a:extLst>
-          </p:cNvPr>
-          <p:cNvSpPr>
-            <a:spLocks noGrp="1"/>
-          </p:cNvSpPr>
-          <p:nvPr>
-            <p:ph type="body" sz="quarter" idx="12"/>
-          </p:nvPr>
-        </p:nvSpPr>
-        <p:spPr/>
-        <p:txBody>
-          <a:bodyPr/>
-          <a:lstStyle/>
-          <a:p>
-            <a:endParaRPr lang="en-GB"/>
-          </a:p>
-        </p:txBody>
-      </p:sp>
-      <p:sp>
-        <p:nvSpPr>
-          <p:cNvPr id="7" name="Title 6">
-            <a:extLst>
-              <a:ext uri="{FF2B5EF4-FFF2-40B4-BE49-F238E27FC236}">
-                <a16:creationId xmlns:a16="http://schemas.microsoft.com/office/drawing/2014/main" id="{C882C250-4AEF-0320-0815-D82CFE38536E}"/>
+                <a16:creationId xmlns:a16="http://schemas.microsoft.com/office/drawing/2014/main" id="{08F88AB4-D3DF-C96A-8F34-DA45C1B4910D}"/>
               </a:ext>
             </a:extLst>
           </p:cNvPr>
@@ -8273,49 +11251,742 @@
             <p:ph type="title"/>
           </p:nvPr>
         </p:nvSpPr>
-        <p:spPr/>
+        <p:spPr>
+          <a:xfrm>
+            <a:off x="762000" y="436659"/>
+            <a:ext cx="10668000" cy="615553"/>
+          </a:xfrm>
+        </p:spPr>
         <p:txBody>
           <a:bodyPr/>
           <a:lstStyle/>
           <a:p>
-            <a:endParaRPr lang="en-GB"/>
+            <a:r>
+              <a:rPr lang="en-US" dirty="0"/>
+              <a:t>CSS</a:t>
+            </a:r>
+            <a:endParaRPr lang="en-GB" dirty="0"/>
           </a:p>
         </p:txBody>
       </p:sp>
-      <p:pic>
-        <p:nvPicPr>
-          <p:cNvPr id="4" name="Picture 3">
+      <p:sp>
+        <p:nvSpPr>
+          <p:cNvPr id="6" name="Text Placeholder 5">
             <a:extLst>
               <a:ext uri="{FF2B5EF4-FFF2-40B4-BE49-F238E27FC236}">
-                <a16:creationId xmlns:a16="http://schemas.microsoft.com/office/drawing/2014/main" id="{5D863682-6B4F-BA21-28E0-50FDF71FFD7C}"/>
+                <a16:creationId xmlns:a16="http://schemas.microsoft.com/office/drawing/2014/main" id="{20D8CECC-97C7-CA61-240A-4737326947D3}"/>
               </a:ext>
             </a:extLst>
           </p:cNvPr>
-          <p:cNvPicPr>
-            <a:picLocks noChangeAspect="1"/>
-          </p:cNvPicPr>
-          <p:nvPr/>
-        </p:nvPicPr>
-        <p:blipFill>
-          <a:blip r:embed="rId2"/>
-          <a:stretch>
-            <a:fillRect/>
-          </a:stretch>
-        </p:blipFill>
+          <p:cNvSpPr>
+            <a:spLocks noGrp="1"/>
+          </p:cNvSpPr>
+          <p:nvPr>
+            <p:ph type="body" sz="quarter" idx="13"/>
+          </p:nvPr>
+        </p:nvSpPr>
         <p:spPr>
           <a:xfrm>
-            <a:off x="2148770" y="468578"/>
-            <a:ext cx="7894457" cy="5920843"/>
+            <a:off x="762000" y="1159193"/>
+            <a:ext cx="2680997" cy="5085962"/>
+          </a:xfrm>
+        </p:spPr>
+        <p:txBody>
+          <a:bodyPr/>
+          <a:lstStyle/>
+          <a:p>
+            <a:r>
+              <a:rPr lang="en-US" sz="3200" dirty="0"/>
+              <a:t>Used to apply styling to elements!</a:t>
+            </a:r>
+          </a:p>
+          <a:p>
+            <a:endParaRPr lang="en-US" sz="3200" dirty="0"/>
+          </a:p>
+          <a:p>
+            <a:r>
+              <a:rPr lang="en-US" sz="3200" dirty="0"/>
+              <a:t>. For classes</a:t>
+            </a:r>
+          </a:p>
+          <a:p>
+            <a:endParaRPr lang="en-US" sz="3200" dirty="0"/>
+          </a:p>
+          <a:p>
+            <a:r>
+              <a:rPr lang="en-US" sz="3200" dirty="0"/>
+              <a:t># for ids</a:t>
+            </a:r>
+          </a:p>
+          <a:p>
+            <a:endParaRPr lang="en-US" sz="3200" dirty="0"/>
+          </a:p>
+          <a:p>
+            <a:r>
+              <a:rPr lang="en-US" sz="3200" dirty="0"/>
+              <a:t>Can style all elements of certain type!</a:t>
+            </a:r>
+            <a:endParaRPr lang="en-GB" sz="3200" dirty="0"/>
+          </a:p>
+        </p:txBody>
+      </p:sp>
+      <p:sp>
+        <p:nvSpPr>
+          <p:cNvPr id="2" name="TextBox 1">
+            <a:extLst>
+              <a:ext uri="{FF2B5EF4-FFF2-40B4-BE49-F238E27FC236}">
+                <a16:creationId xmlns:a16="http://schemas.microsoft.com/office/drawing/2014/main" id="{BFB58069-9C06-EBDC-5D8A-777C0EBBD986}"/>
+              </a:ext>
+            </a:extLst>
+          </p:cNvPr>
+          <p:cNvSpPr txBox="1"/>
+          <p:nvPr/>
+        </p:nvSpPr>
+        <p:spPr>
+          <a:xfrm>
+            <a:off x="4469364" y="612844"/>
+            <a:ext cx="7436498" cy="5632311"/>
           </a:xfrm>
           <a:prstGeom prst="rect">
             <a:avLst/>
           </a:prstGeom>
+          <a:solidFill>
+            <a:schemeClr val="tx1"/>
+          </a:solidFill>
         </p:spPr>
-      </p:pic>
+        <p:txBody>
+          <a:bodyPr wrap="square" rtlCol="0">
+            <a:spAutoFit/>
+          </a:bodyPr>
+          <a:lstStyle/>
+          <a:p>
+            <a:r>
+              <a:rPr lang="en-GB" b="0" dirty="0">
+                <a:solidFill>
+                  <a:schemeClr val="accent1"/>
+                </a:solidFill>
+                <a:effectLst/>
+                <a:latin typeface="Consolas" panose="020B0609020204030204" pitchFamily="49" charset="0"/>
+              </a:rPr>
+              <a:t>*</a:t>
+            </a:r>
+            <a:r>
+              <a:rPr lang="en-GB" b="0" dirty="0">
+                <a:solidFill>
+                  <a:srgbClr val="D4D4D4"/>
+                </a:solidFill>
+                <a:effectLst/>
+                <a:latin typeface="Consolas" panose="020B0609020204030204" pitchFamily="49" charset="0"/>
+              </a:rPr>
+              <a:t>{</a:t>
+            </a:r>
+          </a:p>
+          <a:p>
+            <a:r>
+              <a:rPr lang="en-GB" b="0" dirty="0">
+                <a:solidFill>
+                  <a:srgbClr val="D4D4D4"/>
+                </a:solidFill>
+                <a:effectLst/>
+                <a:latin typeface="Consolas" panose="020B0609020204030204" pitchFamily="49" charset="0"/>
+              </a:rPr>
+              <a:t>    </a:t>
+            </a:r>
+            <a:r>
+              <a:rPr lang="en-GB" b="0" dirty="0">
+                <a:solidFill>
+                  <a:srgbClr val="0070C0"/>
+                </a:solidFill>
+                <a:effectLst/>
+                <a:latin typeface="Consolas" panose="020B0609020204030204" pitchFamily="49" charset="0"/>
+              </a:rPr>
+              <a:t>margin</a:t>
+            </a:r>
+            <a:r>
+              <a:rPr lang="en-GB" b="0" dirty="0">
+                <a:solidFill>
+                  <a:srgbClr val="D4D4D4"/>
+                </a:solidFill>
+                <a:effectLst/>
+                <a:latin typeface="Consolas" panose="020B0609020204030204" pitchFamily="49" charset="0"/>
+              </a:rPr>
+              <a:t>: </a:t>
+            </a:r>
+            <a:r>
+              <a:rPr lang="en-GB" b="0" dirty="0">
+                <a:solidFill>
+                  <a:schemeClr val="bg1"/>
+                </a:solidFill>
+                <a:effectLst/>
+                <a:latin typeface="Consolas" panose="020B0609020204030204" pitchFamily="49" charset="0"/>
+              </a:rPr>
+              <a:t>0</a:t>
+            </a:r>
+            <a:r>
+              <a:rPr lang="en-GB" b="0" dirty="0">
+                <a:solidFill>
+                  <a:srgbClr val="D4D4D4"/>
+                </a:solidFill>
+                <a:effectLst/>
+                <a:latin typeface="Consolas" panose="020B0609020204030204" pitchFamily="49" charset="0"/>
+              </a:rPr>
+              <a:t>;</a:t>
+            </a:r>
+          </a:p>
+          <a:p>
+            <a:r>
+              <a:rPr lang="en-GB" b="0" dirty="0">
+                <a:solidFill>
+                  <a:srgbClr val="D4D4D4"/>
+                </a:solidFill>
+                <a:effectLst/>
+                <a:latin typeface="Consolas" panose="020B0609020204030204" pitchFamily="49" charset="0"/>
+              </a:rPr>
+              <a:t>    </a:t>
+            </a:r>
+            <a:r>
+              <a:rPr lang="en-GB" b="0" dirty="0" err="1">
+                <a:solidFill>
+                  <a:srgbClr val="0070C0"/>
+                </a:solidFill>
+                <a:effectLst/>
+                <a:latin typeface="Consolas" panose="020B0609020204030204" pitchFamily="49" charset="0"/>
+              </a:rPr>
+              <a:t>color</a:t>
+            </a:r>
+            <a:r>
+              <a:rPr lang="en-GB" b="0" dirty="0">
+                <a:solidFill>
+                  <a:srgbClr val="D4D4D4"/>
+                </a:solidFill>
+                <a:effectLst/>
+                <a:latin typeface="Consolas" panose="020B0609020204030204" pitchFamily="49" charset="0"/>
+              </a:rPr>
+              <a:t>: </a:t>
+            </a:r>
+            <a:r>
+              <a:rPr lang="en-GB" b="0" dirty="0">
+                <a:solidFill>
+                  <a:schemeClr val="bg1"/>
+                </a:solidFill>
+                <a:effectLst/>
+                <a:latin typeface="Consolas" panose="020B0609020204030204" pitchFamily="49" charset="0"/>
+              </a:rPr>
+              <a:t>white</a:t>
+            </a:r>
+            <a:r>
+              <a:rPr lang="en-GB" b="0" dirty="0">
+                <a:solidFill>
+                  <a:srgbClr val="D4D4D4"/>
+                </a:solidFill>
+                <a:effectLst/>
+                <a:latin typeface="Consolas" panose="020B0609020204030204" pitchFamily="49" charset="0"/>
+              </a:rPr>
+              <a:t>;</a:t>
+            </a:r>
+          </a:p>
+          <a:p>
+            <a:r>
+              <a:rPr lang="en-GB" b="0" dirty="0">
+                <a:solidFill>
+                  <a:srgbClr val="D4D4D4"/>
+                </a:solidFill>
+                <a:effectLst/>
+                <a:latin typeface="Consolas" panose="020B0609020204030204" pitchFamily="49" charset="0"/>
+              </a:rPr>
+              <a:t>}</a:t>
+            </a:r>
+          </a:p>
+          <a:p>
+            <a:br>
+              <a:rPr lang="en-GB" b="0" dirty="0">
+                <a:solidFill>
+                  <a:srgbClr val="D4D4D4"/>
+                </a:solidFill>
+                <a:effectLst/>
+                <a:latin typeface="Consolas" panose="020B0609020204030204" pitchFamily="49" charset="0"/>
+              </a:rPr>
+            </a:br>
+            <a:r>
+              <a:rPr lang="en-GB" b="0" dirty="0">
+                <a:solidFill>
+                  <a:schemeClr val="accent1"/>
+                </a:solidFill>
+                <a:effectLst/>
+                <a:latin typeface="Consolas" panose="020B0609020204030204" pitchFamily="49" charset="0"/>
+              </a:rPr>
+              <a:t>body</a:t>
+            </a:r>
+            <a:r>
+              <a:rPr lang="en-GB" b="0" dirty="0">
+                <a:solidFill>
+                  <a:srgbClr val="D4D4D4"/>
+                </a:solidFill>
+                <a:effectLst/>
+                <a:latin typeface="Consolas" panose="020B0609020204030204" pitchFamily="49" charset="0"/>
+              </a:rPr>
+              <a:t>{</a:t>
+            </a:r>
+          </a:p>
+          <a:p>
+            <a:r>
+              <a:rPr lang="en-GB" b="0" dirty="0">
+                <a:solidFill>
+                  <a:srgbClr val="D4D4D4"/>
+                </a:solidFill>
+                <a:effectLst/>
+                <a:latin typeface="Consolas" panose="020B0609020204030204" pitchFamily="49" charset="0"/>
+              </a:rPr>
+              <a:t>    </a:t>
+            </a:r>
+            <a:r>
+              <a:rPr lang="en-GB" b="0" dirty="0">
+                <a:solidFill>
+                  <a:srgbClr val="0070C0"/>
+                </a:solidFill>
+                <a:effectLst/>
+                <a:latin typeface="Consolas" panose="020B0609020204030204" pitchFamily="49" charset="0"/>
+              </a:rPr>
+              <a:t>background-</a:t>
+            </a:r>
+            <a:r>
+              <a:rPr lang="en-GB" b="0" dirty="0" err="1">
+                <a:solidFill>
+                  <a:srgbClr val="0070C0"/>
+                </a:solidFill>
+                <a:effectLst/>
+                <a:latin typeface="Consolas" panose="020B0609020204030204" pitchFamily="49" charset="0"/>
+              </a:rPr>
+              <a:t>color</a:t>
+            </a:r>
+            <a:r>
+              <a:rPr lang="en-GB" b="0" dirty="0">
+                <a:solidFill>
+                  <a:srgbClr val="D4D4D4"/>
+                </a:solidFill>
+                <a:effectLst/>
+                <a:latin typeface="Consolas" panose="020B0609020204030204" pitchFamily="49" charset="0"/>
+              </a:rPr>
+              <a:t>: </a:t>
+            </a:r>
+            <a:r>
+              <a:rPr lang="en-GB" b="0" dirty="0" err="1">
+                <a:solidFill>
+                  <a:schemeClr val="bg1"/>
+                </a:solidFill>
+                <a:effectLst/>
+                <a:latin typeface="Consolas" panose="020B0609020204030204" pitchFamily="49" charset="0"/>
+              </a:rPr>
+              <a:t>aliceblue</a:t>
+            </a:r>
+            <a:r>
+              <a:rPr lang="en-GB" b="0" dirty="0">
+                <a:solidFill>
+                  <a:srgbClr val="D4D4D4"/>
+                </a:solidFill>
+                <a:effectLst/>
+                <a:latin typeface="Consolas" panose="020B0609020204030204" pitchFamily="49" charset="0"/>
+              </a:rPr>
+              <a:t>;</a:t>
+            </a:r>
+          </a:p>
+          <a:p>
+            <a:r>
+              <a:rPr lang="en-GB" b="0" dirty="0">
+                <a:solidFill>
+                  <a:srgbClr val="D4D4D4"/>
+                </a:solidFill>
+                <a:effectLst/>
+                <a:latin typeface="Consolas" panose="020B0609020204030204" pitchFamily="49" charset="0"/>
+              </a:rPr>
+              <a:t>    </a:t>
+            </a:r>
+            <a:r>
+              <a:rPr lang="en-GB" b="0" dirty="0">
+                <a:solidFill>
+                  <a:srgbClr val="0070C0"/>
+                </a:solidFill>
+                <a:effectLst/>
+                <a:latin typeface="Consolas" panose="020B0609020204030204" pitchFamily="49" charset="0"/>
+              </a:rPr>
+              <a:t>font-size</a:t>
+            </a:r>
+            <a:r>
+              <a:rPr lang="en-GB" b="0" dirty="0">
+                <a:solidFill>
+                  <a:srgbClr val="D4D4D4"/>
+                </a:solidFill>
+                <a:effectLst/>
+                <a:latin typeface="Consolas" panose="020B0609020204030204" pitchFamily="49" charset="0"/>
+              </a:rPr>
+              <a:t>: </a:t>
+            </a:r>
+            <a:r>
+              <a:rPr lang="en-GB" b="0" dirty="0">
+                <a:solidFill>
+                  <a:schemeClr val="bg1"/>
+                </a:solidFill>
+                <a:effectLst/>
+                <a:latin typeface="Consolas" panose="020B0609020204030204" pitchFamily="49" charset="0"/>
+              </a:rPr>
+              <a:t>20px</a:t>
+            </a:r>
+            <a:r>
+              <a:rPr lang="en-GB" b="0" dirty="0">
+                <a:solidFill>
+                  <a:srgbClr val="D4D4D4"/>
+                </a:solidFill>
+                <a:effectLst/>
+                <a:latin typeface="Consolas" panose="020B0609020204030204" pitchFamily="49" charset="0"/>
+              </a:rPr>
+              <a:t>;</a:t>
+            </a:r>
+          </a:p>
+          <a:p>
+            <a:r>
+              <a:rPr lang="en-GB" b="0" dirty="0">
+                <a:solidFill>
+                  <a:srgbClr val="D4D4D4"/>
+                </a:solidFill>
+                <a:effectLst/>
+                <a:latin typeface="Consolas" panose="020B0609020204030204" pitchFamily="49" charset="0"/>
+              </a:rPr>
+              <a:t>    </a:t>
+            </a:r>
+            <a:r>
+              <a:rPr lang="en-GB" b="0" dirty="0">
+                <a:solidFill>
+                  <a:srgbClr val="0070C0"/>
+                </a:solidFill>
+                <a:effectLst/>
+                <a:latin typeface="Consolas" panose="020B0609020204030204" pitchFamily="49" charset="0"/>
+              </a:rPr>
+              <a:t>width</a:t>
+            </a:r>
+            <a:r>
+              <a:rPr lang="en-GB" b="0" dirty="0">
+                <a:solidFill>
+                  <a:srgbClr val="D4D4D4"/>
+                </a:solidFill>
+                <a:effectLst/>
+                <a:latin typeface="Consolas" panose="020B0609020204030204" pitchFamily="49" charset="0"/>
+              </a:rPr>
+              <a:t>: </a:t>
+            </a:r>
+            <a:r>
+              <a:rPr lang="en-GB" b="0" dirty="0">
+                <a:solidFill>
+                  <a:schemeClr val="bg1"/>
+                </a:solidFill>
+                <a:effectLst/>
+                <a:latin typeface="Consolas" panose="020B0609020204030204" pitchFamily="49" charset="0"/>
+              </a:rPr>
+              <a:t>100%</a:t>
+            </a:r>
+            <a:r>
+              <a:rPr lang="en-GB" b="0" dirty="0">
+                <a:solidFill>
+                  <a:srgbClr val="D4D4D4"/>
+                </a:solidFill>
+                <a:effectLst/>
+                <a:latin typeface="Consolas" panose="020B0609020204030204" pitchFamily="49" charset="0"/>
+              </a:rPr>
+              <a:t>;</a:t>
+            </a:r>
+          </a:p>
+          <a:p>
+            <a:r>
+              <a:rPr lang="en-GB" b="0" dirty="0">
+                <a:solidFill>
+                  <a:srgbClr val="D4D4D4"/>
+                </a:solidFill>
+                <a:effectLst/>
+                <a:latin typeface="Consolas" panose="020B0609020204030204" pitchFamily="49" charset="0"/>
+              </a:rPr>
+              <a:t>    </a:t>
+            </a:r>
+            <a:r>
+              <a:rPr lang="en-GB" b="0" dirty="0">
+                <a:solidFill>
+                  <a:srgbClr val="0070C0"/>
+                </a:solidFill>
+                <a:effectLst/>
+                <a:latin typeface="Consolas" panose="020B0609020204030204" pitchFamily="49" charset="0"/>
+              </a:rPr>
+              <a:t>height</a:t>
+            </a:r>
+            <a:r>
+              <a:rPr lang="en-GB" b="0" dirty="0">
+                <a:solidFill>
+                  <a:srgbClr val="D4D4D4"/>
+                </a:solidFill>
+                <a:effectLst/>
+                <a:latin typeface="Consolas" panose="020B0609020204030204" pitchFamily="49" charset="0"/>
+              </a:rPr>
+              <a:t>: </a:t>
+            </a:r>
+            <a:r>
+              <a:rPr lang="en-GB" b="0" dirty="0">
+                <a:solidFill>
+                  <a:schemeClr val="bg1"/>
+                </a:solidFill>
+                <a:effectLst/>
+                <a:latin typeface="Consolas" panose="020B0609020204030204" pitchFamily="49" charset="0"/>
+              </a:rPr>
+              <a:t>100vh</a:t>
+            </a:r>
+            <a:r>
+              <a:rPr lang="en-GB" b="0" dirty="0">
+                <a:solidFill>
+                  <a:srgbClr val="D4D4D4"/>
+                </a:solidFill>
+                <a:effectLst/>
+                <a:latin typeface="Consolas" panose="020B0609020204030204" pitchFamily="49" charset="0"/>
+              </a:rPr>
+              <a:t>;</a:t>
+            </a:r>
+          </a:p>
+          <a:p>
+            <a:r>
+              <a:rPr lang="en-GB" b="0" dirty="0">
+                <a:solidFill>
+                  <a:srgbClr val="D4D4D4"/>
+                </a:solidFill>
+                <a:effectLst/>
+                <a:latin typeface="Consolas" panose="020B0609020204030204" pitchFamily="49" charset="0"/>
+              </a:rPr>
+              <a:t>}</a:t>
+            </a:r>
+          </a:p>
+          <a:p>
+            <a:br>
+              <a:rPr lang="en-GB" b="0" dirty="0">
+                <a:solidFill>
+                  <a:srgbClr val="D4D4D4"/>
+                </a:solidFill>
+                <a:effectLst/>
+                <a:latin typeface="Consolas" panose="020B0609020204030204" pitchFamily="49" charset="0"/>
+              </a:rPr>
+            </a:br>
+            <a:r>
+              <a:rPr lang="en-GB" b="0" dirty="0">
+                <a:solidFill>
+                  <a:srgbClr val="D7BA7D"/>
+                </a:solidFill>
+                <a:effectLst/>
+                <a:latin typeface="Consolas" panose="020B0609020204030204" pitchFamily="49" charset="0"/>
+              </a:rPr>
+              <a:t>.</a:t>
+            </a:r>
+            <a:r>
+              <a:rPr lang="en-GB" b="0" dirty="0">
+                <a:solidFill>
+                  <a:schemeClr val="accent1"/>
+                </a:solidFill>
+                <a:effectLst/>
+                <a:latin typeface="Consolas" panose="020B0609020204030204" pitchFamily="49" charset="0"/>
+              </a:rPr>
+              <a:t>example</a:t>
+            </a:r>
+            <a:r>
+              <a:rPr lang="en-GB" b="0" dirty="0">
+                <a:solidFill>
+                  <a:srgbClr val="D4D4D4"/>
+                </a:solidFill>
+                <a:effectLst/>
+                <a:latin typeface="Consolas" panose="020B0609020204030204" pitchFamily="49" charset="0"/>
+              </a:rPr>
+              <a:t>{</a:t>
+            </a:r>
+          </a:p>
+          <a:p>
+            <a:r>
+              <a:rPr lang="en-GB" b="0" dirty="0">
+                <a:solidFill>
+                  <a:srgbClr val="D4D4D4"/>
+                </a:solidFill>
+                <a:effectLst/>
+                <a:latin typeface="Consolas" panose="020B0609020204030204" pitchFamily="49" charset="0"/>
+              </a:rPr>
+              <a:t>    </a:t>
+            </a:r>
+            <a:r>
+              <a:rPr lang="en-GB" b="0" dirty="0">
+                <a:solidFill>
+                  <a:srgbClr val="0070C0"/>
+                </a:solidFill>
+                <a:effectLst/>
+                <a:latin typeface="Consolas" panose="020B0609020204030204" pitchFamily="49" charset="0"/>
+              </a:rPr>
+              <a:t>border</a:t>
+            </a:r>
+            <a:r>
+              <a:rPr lang="en-GB" b="0" dirty="0">
+                <a:solidFill>
+                  <a:srgbClr val="D4D4D4"/>
+                </a:solidFill>
+                <a:effectLst/>
+                <a:latin typeface="Consolas" panose="020B0609020204030204" pitchFamily="49" charset="0"/>
+              </a:rPr>
+              <a:t>: </a:t>
+            </a:r>
+            <a:r>
+              <a:rPr lang="en-GB" b="0" dirty="0">
+                <a:solidFill>
+                  <a:srgbClr val="B5CEA8"/>
+                </a:solidFill>
+                <a:effectLst/>
+                <a:latin typeface="Consolas" panose="020B0609020204030204" pitchFamily="49" charset="0"/>
+              </a:rPr>
+              <a:t>1px</a:t>
+            </a:r>
+            <a:r>
+              <a:rPr lang="en-GB" b="0" dirty="0">
+                <a:solidFill>
+                  <a:srgbClr val="D4D4D4"/>
+                </a:solidFill>
+                <a:effectLst/>
+                <a:latin typeface="Consolas" panose="020B0609020204030204" pitchFamily="49" charset="0"/>
+              </a:rPr>
+              <a:t> </a:t>
+            </a:r>
+            <a:r>
+              <a:rPr lang="en-GB" b="0" dirty="0">
+                <a:solidFill>
+                  <a:schemeClr val="bg1"/>
+                </a:solidFill>
+                <a:effectLst/>
+                <a:latin typeface="Consolas" panose="020B0609020204030204" pitchFamily="49" charset="0"/>
+              </a:rPr>
+              <a:t>solid black</a:t>
+            </a:r>
+            <a:r>
+              <a:rPr lang="en-GB" b="0" dirty="0">
+                <a:solidFill>
+                  <a:srgbClr val="D4D4D4"/>
+                </a:solidFill>
+                <a:effectLst/>
+                <a:latin typeface="Consolas" panose="020B0609020204030204" pitchFamily="49" charset="0"/>
+              </a:rPr>
+              <a:t>;</a:t>
+            </a:r>
+          </a:p>
+          <a:p>
+            <a:r>
+              <a:rPr lang="en-GB" b="0" dirty="0">
+                <a:solidFill>
+                  <a:srgbClr val="D4D4D4"/>
+                </a:solidFill>
+                <a:effectLst/>
+                <a:latin typeface="Consolas" panose="020B0609020204030204" pitchFamily="49" charset="0"/>
+              </a:rPr>
+              <a:t>}</a:t>
+            </a:r>
+          </a:p>
+          <a:p>
+            <a:br>
+              <a:rPr lang="en-GB" b="0" dirty="0">
+                <a:solidFill>
+                  <a:srgbClr val="D4D4D4"/>
+                </a:solidFill>
+                <a:effectLst/>
+                <a:latin typeface="Consolas" panose="020B0609020204030204" pitchFamily="49" charset="0"/>
+              </a:rPr>
+            </a:br>
+            <a:r>
+              <a:rPr lang="en-GB" b="0" dirty="0">
+                <a:solidFill>
+                  <a:schemeClr val="accent1"/>
+                </a:solidFill>
+                <a:effectLst/>
+                <a:latin typeface="Consolas" panose="020B0609020204030204" pitchFamily="49" charset="0"/>
+              </a:rPr>
+              <a:t>#important</a:t>
+            </a:r>
+            <a:r>
+              <a:rPr lang="en-GB" b="0" dirty="0">
+                <a:solidFill>
+                  <a:srgbClr val="D4D4D4"/>
+                </a:solidFill>
+                <a:effectLst/>
+                <a:latin typeface="Consolas" panose="020B0609020204030204" pitchFamily="49" charset="0"/>
+              </a:rPr>
+              <a:t>{</a:t>
+            </a:r>
+          </a:p>
+          <a:p>
+            <a:r>
+              <a:rPr lang="en-GB" b="0" dirty="0">
+                <a:solidFill>
+                  <a:srgbClr val="D4D4D4"/>
+                </a:solidFill>
+                <a:effectLst/>
+                <a:latin typeface="Consolas" panose="020B0609020204030204" pitchFamily="49" charset="0"/>
+              </a:rPr>
+              <a:t>    </a:t>
+            </a:r>
+            <a:r>
+              <a:rPr lang="en-GB" b="0" dirty="0">
+                <a:solidFill>
+                  <a:srgbClr val="0070C0"/>
+                </a:solidFill>
+                <a:effectLst/>
+                <a:latin typeface="Consolas" panose="020B0609020204030204" pitchFamily="49" charset="0"/>
+              </a:rPr>
+              <a:t>font-weight</a:t>
+            </a:r>
+            <a:r>
+              <a:rPr lang="en-GB" b="0" dirty="0">
+                <a:solidFill>
+                  <a:srgbClr val="D4D4D4"/>
+                </a:solidFill>
+                <a:effectLst/>
+                <a:latin typeface="Consolas" panose="020B0609020204030204" pitchFamily="49" charset="0"/>
+              </a:rPr>
+              <a:t>: </a:t>
+            </a:r>
+            <a:r>
+              <a:rPr lang="en-GB" b="0" dirty="0">
+                <a:solidFill>
+                  <a:schemeClr val="bg1"/>
+                </a:solidFill>
+                <a:effectLst/>
+                <a:latin typeface="Consolas" panose="020B0609020204030204" pitchFamily="49" charset="0"/>
+              </a:rPr>
+              <a:t>bolder</a:t>
+            </a:r>
+            <a:r>
+              <a:rPr lang="en-GB" b="0" dirty="0">
+                <a:solidFill>
+                  <a:srgbClr val="D4D4D4"/>
+                </a:solidFill>
+                <a:effectLst/>
+                <a:latin typeface="Consolas" panose="020B0609020204030204" pitchFamily="49" charset="0"/>
+              </a:rPr>
+              <a:t>;</a:t>
+            </a:r>
+          </a:p>
+          <a:p>
+            <a:r>
+              <a:rPr lang="en-GB" b="0" dirty="0">
+                <a:solidFill>
+                  <a:srgbClr val="D4D4D4"/>
+                </a:solidFill>
+                <a:effectLst/>
+                <a:latin typeface="Consolas" panose="020B0609020204030204" pitchFamily="49" charset="0"/>
+              </a:rPr>
+              <a:t>}</a:t>
+            </a:r>
+          </a:p>
+          <a:p>
+            <a:endParaRPr lang="en-GB" dirty="0"/>
+          </a:p>
+        </p:txBody>
+      </p:sp>
     </p:spTree>
     <p:extLst>
       <p:ext uri="{BB962C8B-B14F-4D97-AF65-F5344CB8AC3E}">
-        <p14:creationId xmlns:p14="http://schemas.microsoft.com/office/powerpoint/2010/main" val="2930394905"/>
+        <p14:creationId xmlns:p14="http://schemas.microsoft.com/office/powerpoint/2010/main" val="1021765635"/>
       </p:ext>
     </p:extLst>
   </p:cSld>
@@ -8344,64 +12015,10 @@
       </p:grpSpPr>
       <p:sp>
         <p:nvSpPr>
-          <p:cNvPr id="7" name="Text Placeholder 6">
+          <p:cNvPr id="2" name="Title 1">
             <a:extLst>
               <a:ext uri="{FF2B5EF4-FFF2-40B4-BE49-F238E27FC236}">
-                <a16:creationId xmlns:a16="http://schemas.microsoft.com/office/drawing/2014/main" id="{FE92EA8C-0C48-9911-231D-4DA39DB23A22}"/>
-              </a:ext>
-            </a:extLst>
-          </p:cNvPr>
-          <p:cNvSpPr>
-            <a:spLocks noGrp="1"/>
-          </p:cNvSpPr>
-          <p:nvPr>
-            <p:ph type="body" sz="quarter" idx="11"/>
-          </p:nvPr>
-        </p:nvSpPr>
-        <p:spPr/>
-        <p:txBody>
-          <a:bodyPr>
-            <a:noAutofit/>
-          </a:bodyPr>
-          <a:lstStyle/>
-          <a:p>
-            <a:pPr marL="342900" indent="-342900">
-              <a:buFont typeface="Arial" panose="020B0604020202020204" pitchFamily="34" charset="0"/>
-              <a:buChar char="•"/>
-            </a:pPr>
-            <a:r>
-              <a:rPr lang="en-US" sz="2800" dirty="0"/>
-              <a:t>Perhaps one of the other data structures mentioned in section may improve efficiency vs linked list?</a:t>
-            </a:r>
-          </a:p>
-          <a:p>
-            <a:pPr marL="342900" indent="-342900">
-              <a:buFont typeface="Arial" panose="020B0604020202020204" pitchFamily="34" charset="0"/>
-              <a:buChar char="•"/>
-            </a:pPr>
-            <a:r>
-              <a:rPr lang="en-GB" sz="2800" dirty="0"/>
-              <a:t>Recursive vs iterative speed</a:t>
-            </a:r>
-          </a:p>
-          <a:p>
-            <a:pPr marL="342900" indent="-342900">
-              <a:buFont typeface="Arial" panose="020B0604020202020204" pitchFamily="34" charset="0"/>
-              <a:buChar char="•"/>
-            </a:pPr>
-            <a:r>
-              <a:rPr lang="en-GB" sz="2800" dirty="0"/>
-              <a:t>What does the dream hash table look like? Could we achieve this (answer: yes – it’s very hard though!)</a:t>
-            </a:r>
-          </a:p>
-        </p:txBody>
-      </p:sp>
-      <p:sp>
-        <p:nvSpPr>
-          <p:cNvPr id="6" name="Title 5">
-            <a:extLst>
-              <a:ext uri="{FF2B5EF4-FFF2-40B4-BE49-F238E27FC236}">
-                <a16:creationId xmlns:a16="http://schemas.microsoft.com/office/drawing/2014/main" id="{B34B27E2-545E-0535-4F88-15574D5C4B19}"/>
+                <a16:creationId xmlns:a16="http://schemas.microsoft.com/office/drawing/2014/main" id="{7C095B84-AFD2-4DFA-693A-140565E3D5DD}"/>
               </a:ext>
             </a:extLst>
           </p:cNvPr>
@@ -8419,247 +12036,220 @@
           <a:p>
             <a:r>
               <a:rPr lang="en-US" dirty="0"/>
-              <a:t>Other speed improvements</a:t>
+              <a:t>Useful CSS tags</a:t>
             </a:r>
             <a:endParaRPr lang="en-GB" dirty="0"/>
+          </a:p>
+        </p:txBody>
+      </p:sp>
+      <p:sp>
+        <p:nvSpPr>
+          <p:cNvPr id="3" name="Text Placeholder 2">
+            <a:extLst>
+              <a:ext uri="{FF2B5EF4-FFF2-40B4-BE49-F238E27FC236}">
+                <a16:creationId xmlns:a16="http://schemas.microsoft.com/office/drawing/2014/main" id="{AB6D2421-BB0D-8283-A4FB-B825FD7CBE51}"/>
+              </a:ext>
+            </a:extLst>
+          </p:cNvPr>
+          <p:cNvSpPr>
+            <a:spLocks noGrp="1"/>
+          </p:cNvSpPr>
+          <p:nvPr>
+            <p:ph type="body" sz="quarter" idx="13"/>
+          </p:nvPr>
+        </p:nvSpPr>
+        <p:spPr>
+          <a:xfrm>
+            <a:off x="762000" y="1613417"/>
+            <a:ext cx="10668000" cy="4348844"/>
+          </a:xfrm>
+        </p:spPr>
+        <p:txBody>
+          <a:bodyPr numCol="2"/>
+          <a:lstStyle/>
+          <a:p>
+            <a:pPr algn="ctr"/>
+            <a:r>
+              <a:rPr lang="en-US" sz="2400" b="1" dirty="0"/>
+              <a:t>Color</a:t>
+            </a:r>
+          </a:p>
+          <a:p>
+            <a:pPr algn="ctr"/>
+            <a:r>
+              <a:rPr lang="en-US" sz="2400" b="1" dirty="0"/>
+              <a:t>Background-color</a:t>
+            </a:r>
+          </a:p>
+          <a:p>
+            <a:pPr algn="ctr"/>
+            <a:r>
+              <a:rPr lang="en-US" sz="2400" b="1" dirty="0"/>
+              <a:t>Font-size</a:t>
+            </a:r>
+          </a:p>
+          <a:p>
+            <a:pPr algn="ctr"/>
+            <a:r>
+              <a:rPr lang="en-US" sz="2400" dirty="0"/>
+              <a:t>Font-family</a:t>
+            </a:r>
+          </a:p>
+          <a:p>
+            <a:pPr algn="ctr"/>
+            <a:r>
+              <a:rPr lang="en-US" sz="2400" dirty="0"/>
+              <a:t>Font-weight</a:t>
+            </a:r>
+          </a:p>
+          <a:p>
+            <a:pPr algn="ctr"/>
+            <a:r>
+              <a:rPr lang="en-US" sz="2400" dirty="0"/>
+              <a:t>Border</a:t>
+            </a:r>
+          </a:p>
+          <a:p>
+            <a:pPr algn="ctr"/>
+            <a:r>
+              <a:rPr lang="en-US" sz="2400" b="1" dirty="0"/>
+              <a:t>Padding</a:t>
+            </a:r>
+          </a:p>
+          <a:p>
+            <a:pPr algn="ctr"/>
+            <a:r>
+              <a:rPr lang="en-US" sz="2400" dirty="0"/>
+              <a:t>Margin</a:t>
+            </a:r>
+          </a:p>
+          <a:p>
+            <a:pPr algn="ctr"/>
+            <a:r>
+              <a:rPr lang="en-US" sz="2400" dirty="0"/>
+              <a:t>Box-sizing: border-box; (often useful)</a:t>
+            </a:r>
+          </a:p>
+          <a:p>
+            <a:pPr algn="ctr"/>
+            <a:r>
+              <a:rPr lang="en-US" sz="2400" b="1" dirty="0"/>
+              <a:t>Text-align</a:t>
+            </a:r>
+            <a:endParaRPr lang="en-US" sz="2400" dirty="0"/>
+          </a:p>
+          <a:p>
+            <a:pPr algn="ctr"/>
+            <a:r>
+              <a:rPr lang="en-US" sz="2400" b="1" dirty="0"/>
+              <a:t>Display</a:t>
+            </a:r>
+          </a:p>
+          <a:p>
+            <a:pPr algn="ctr"/>
+            <a:r>
+              <a:rPr lang="en-US" sz="2400" b="1"/>
+              <a:t>float</a:t>
+            </a:r>
+            <a:endParaRPr lang="en-US" sz="2400" b="1" dirty="0"/>
+          </a:p>
+          <a:p>
+            <a:pPr algn="ctr"/>
+            <a:endParaRPr lang="en-US" sz="2400" dirty="0"/>
+          </a:p>
+          <a:p>
+            <a:pPr algn="ctr"/>
+            <a:r>
+              <a:rPr lang="en-US" sz="2400" b="1" dirty="0"/>
+              <a:t>Position</a:t>
+            </a:r>
+          </a:p>
+          <a:p>
+            <a:pPr algn="ctr"/>
+            <a:r>
+              <a:rPr lang="en-US" sz="2400" b="1" dirty="0"/>
+              <a:t>Top/left/right/bottom</a:t>
+            </a:r>
+          </a:p>
+          <a:p>
+            <a:pPr algn="ctr"/>
+            <a:r>
+              <a:rPr lang="en-US" sz="2400" b="1" dirty="0"/>
+              <a:t>Flex</a:t>
+            </a:r>
+          </a:p>
+          <a:p>
+            <a:pPr algn="ctr"/>
+            <a:r>
+              <a:rPr lang="en-US" sz="2400" b="1" dirty="0"/>
+              <a:t>Height</a:t>
+            </a:r>
+          </a:p>
+          <a:p>
+            <a:pPr algn="ctr"/>
+            <a:r>
+              <a:rPr lang="en-US" sz="2400" b="1" dirty="0"/>
+              <a:t>Width</a:t>
+            </a:r>
+          </a:p>
+          <a:p>
+            <a:pPr algn="ctr"/>
+            <a:r>
+              <a:rPr lang="en-US" sz="2400" dirty="0"/>
+              <a:t>Text-decoration</a:t>
+            </a:r>
+          </a:p>
+          <a:p>
+            <a:pPr algn="ctr"/>
+            <a:r>
+              <a:rPr lang="en-US" sz="2400" dirty="0"/>
+              <a:t>Overflow</a:t>
+            </a:r>
+          </a:p>
+          <a:p>
+            <a:pPr algn="ctr"/>
+            <a:r>
+              <a:rPr lang="en-US" sz="2400" dirty="0"/>
+              <a:t>Background-image</a:t>
+            </a:r>
+          </a:p>
+          <a:p>
+            <a:pPr algn="ctr"/>
+            <a:r>
+              <a:rPr lang="en-US" sz="2400" dirty="0"/>
+              <a:t>Box-shadow</a:t>
+            </a:r>
+          </a:p>
+          <a:p>
+            <a:pPr algn="ctr"/>
+            <a:r>
+              <a:rPr lang="en-US" sz="2400" dirty="0"/>
+              <a:t>Border-radius</a:t>
+            </a:r>
+          </a:p>
+          <a:p>
+            <a:pPr algn="ctr"/>
+            <a:r>
+              <a:rPr lang="en-US" sz="2400" dirty="0"/>
+              <a:t>transition</a:t>
+            </a:r>
+          </a:p>
+          <a:p>
+            <a:pPr algn="ctr"/>
+            <a:endParaRPr lang="en-GB" sz="2400" dirty="0"/>
           </a:p>
         </p:txBody>
       </p:sp>
     </p:spTree>
     <p:extLst>
       <p:ext uri="{BB962C8B-B14F-4D97-AF65-F5344CB8AC3E}">
-        <p14:creationId xmlns:p14="http://schemas.microsoft.com/office/powerpoint/2010/main" val="1196766944"/>
+        <p14:creationId xmlns:p14="http://schemas.microsoft.com/office/powerpoint/2010/main" val="4120805806"/>
       </p:ext>
     </p:extLst>
   </p:cSld>
   <p:clrMapOvr>
     <a:masterClrMapping/>
   </p:clrMapOvr>
-  <mc:AlternateContent xmlns:mc="http://schemas.openxmlformats.org/markup-compatibility/2006" xmlns:p14="http://schemas.microsoft.com/office/powerpoint/2010/main">
-    <mc:Choice Requires="p14">
-      <p:transition spd="med" p14:dur="700">
-        <p:fade/>
-      </p:transition>
-    </mc:Choice>
-    <mc:Fallback xmlns="">
-      <p:transition spd="med">
-        <p:fade/>
-      </p:transition>
-    </mc:Fallback>
-  </mc:AlternateContent>
-  <p:timing>
-    <p:tnLst>
-      <p:par>
-        <p:cTn id="1" dur="indefinite" restart="never" nodeType="tmRoot">
-          <p:childTnLst>
-            <p:seq concurrent="1" nextAc="seek">
-              <p:cTn id="2" dur="indefinite" nodeType="mainSeq">
-                <p:childTnLst>
-                  <p:par>
-                    <p:cTn id="3" fill="hold">
-                      <p:stCondLst>
-                        <p:cond delay="indefinite"/>
-                      </p:stCondLst>
-                      <p:childTnLst>
-                        <p:par>
-                          <p:cTn id="4" fill="hold">
-                            <p:stCondLst>
-                              <p:cond delay="0"/>
-                            </p:stCondLst>
-                            <p:childTnLst>
-                              <p:par>
-                                <p:cTn id="5" presetID="10" presetClass="entr" presetSubtype="0" fill="hold" nodeType="clickEffect">
-                                  <p:stCondLst>
-                                    <p:cond delay="0"/>
-                                  </p:stCondLst>
-                                  <p:childTnLst>
-                                    <p:set>
-                                      <p:cBhvr>
-                                        <p:cTn id="6" dur="1" fill="hold">
-                                          <p:stCondLst>
-                                            <p:cond delay="0"/>
-                                          </p:stCondLst>
-                                        </p:cTn>
-                                        <p:tgtEl>
-                                          <p:spTgt spid="7">
-                                            <p:txEl>
-                                              <p:pRg st="0" end="0"/>
-                                            </p:txEl>
-                                          </p:spTgt>
-                                        </p:tgtEl>
-                                        <p:attrNameLst>
-                                          <p:attrName>style.visibility</p:attrName>
-                                        </p:attrNameLst>
-                                      </p:cBhvr>
-                                      <p:to>
-                                        <p:strVal val="visible"/>
-                                      </p:to>
-                                    </p:set>
-                                    <p:animEffect transition="in" filter="fade">
-                                      <p:cBhvr>
-                                        <p:cTn id="7" dur="500"/>
-                                        <p:tgtEl>
-                                          <p:spTgt spid="7">
-                                            <p:txEl>
-                                              <p:pRg st="0" end="0"/>
-                                            </p:txEl>
-                                          </p:spTgt>
-                                        </p:tgtEl>
-                                      </p:cBhvr>
-                                    </p:animEffect>
-                                  </p:childTnLst>
-                                </p:cTn>
-                              </p:par>
-                            </p:childTnLst>
-                          </p:cTn>
-                        </p:par>
-                      </p:childTnLst>
-                    </p:cTn>
-                  </p:par>
-                  <p:par>
-                    <p:cTn id="8" fill="hold">
-                      <p:stCondLst>
-                        <p:cond delay="indefinite"/>
-                      </p:stCondLst>
-                      <p:childTnLst>
-                        <p:par>
-                          <p:cTn id="9" fill="hold">
-                            <p:stCondLst>
-                              <p:cond delay="0"/>
-                            </p:stCondLst>
-                            <p:childTnLst>
-                              <p:par>
-                                <p:cTn id="10" presetID="10" presetClass="entr" presetSubtype="0" fill="hold" nodeType="clickEffect">
-                                  <p:stCondLst>
-                                    <p:cond delay="0"/>
-                                  </p:stCondLst>
-                                  <p:childTnLst>
-                                    <p:set>
-                                      <p:cBhvr>
-                                        <p:cTn id="11" dur="1" fill="hold">
-                                          <p:stCondLst>
-                                            <p:cond delay="0"/>
-                                          </p:stCondLst>
-                                        </p:cTn>
-                                        <p:tgtEl>
-                                          <p:spTgt spid="7">
-                                            <p:txEl>
-                                              <p:pRg st="1" end="1"/>
-                                            </p:txEl>
-                                          </p:spTgt>
-                                        </p:tgtEl>
-                                        <p:attrNameLst>
-                                          <p:attrName>style.visibility</p:attrName>
-                                        </p:attrNameLst>
-                                      </p:cBhvr>
-                                      <p:to>
-                                        <p:strVal val="visible"/>
-                                      </p:to>
-                                    </p:set>
-                                    <p:animEffect transition="in" filter="fade">
-                                      <p:cBhvr>
-                                        <p:cTn id="12" dur="500"/>
-                                        <p:tgtEl>
-                                          <p:spTgt spid="7">
-                                            <p:txEl>
-                                              <p:pRg st="1" end="1"/>
-                                            </p:txEl>
-                                          </p:spTgt>
-                                        </p:tgtEl>
-                                      </p:cBhvr>
-                                    </p:animEffect>
-                                  </p:childTnLst>
-                                </p:cTn>
-                              </p:par>
-                            </p:childTnLst>
-                          </p:cTn>
-                        </p:par>
-                      </p:childTnLst>
-                    </p:cTn>
-                  </p:par>
-                  <p:par>
-                    <p:cTn id="13" fill="hold">
-                      <p:stCondLst>
-                        <p:cond delay="indefinite"/>
-                      </p:stCondLst>
-                      <p:childTnLst>
-                        <p:par>
-                          <p:cTn id="14" fill="hold">
-                            <p:stCondLst>
-                              <p:cond delay="0"/>
-                            </p:stCondLst>
-                            <p:childTnLst>
-                              <p:par>
-                                <p:cTn id="15" presetID="10" presetClass="entr" presetSubtype="0" fill="hold" nodeType="clickEffect">
-                                  <p:stCondLst>
-                                    <p:cond delay="0"/>
-                                  </p:stCondLst>
-                                  <p:childTnLst>
-                                    <p:set>
-                                      <p:cBhvr>
-                                        <p:cTn id="16" dur="1" fill="hold">
-                                          <p:stCondLst>
-                                            <p:cond delay="0"/>
-                                          </p:stCondLst>
-                                        </p:cTn>
-                                        <p:tgtEl>
-                                          <p:spTgt spid="7">
-                                            <p:txEl>
-                                              <p:pRg st="2" end="2"/>
-                                            </p:txEl>
-                                          </p:spTgt>
-                                        </p:tgtEl>
-                                        <p:attrNameLst>
-                                          <p:attrName>style.visibility</p:attrName>
-                                        </p:attrNameLst>
-                                      </p:cBhvr>
-                                      <p:to>
-                                        <p:strVal val="visible"/>
-                                      </p:to>
-                                    </p:set>
-                                    <p:animEffect transition="in" filter="fade">
-                                      <p:cBhvr>
-                                        <p:cTn id="17" dur="500"/>
-                                        <p:tgtEl>
-                                          <p:spTgt spid="7">
-                                            <p:txEl>
-                                              <p:pRg st="2" end="2"/>
-                                            </p:txEl>
-                                          </p:spTgt>
-                                        </p:tgtEl>
-                                      </p:cBhvr>
-                                    </p:animEffect>
-                                  </p:childTnLst>
-                                </p:cTn>
-                              </p:par>
-                            </p:childTnLst>
-                          </p:cTn>
-                        </p:par>
-                      </p:childTnLst>
-                    </p:cTn>
-                  </p:par>
-                </p:childTnLst>
-              </p:cTn>
-              <p:prevCondLst>
-                <p:cond evt="onPrev" delay="0">
-                  <p:tgtEl>
-                    <p:sldTgt/>
-                  </p:tgtEl>
-                </p:cond>
-              </p:prevCondLst>
-              <p:nextCondLst>
-                <p:cond evt="onNext" delay="0">
-                  <p:tgtEl>
-                    <p:sldTgt/>
-                  </p:tgtEl>
-                </p:cond>
-              </p:nextCondLst>
-            </p:seq>
-          </p:childTnLst>
-        </p:cTn>
-      </p:par>
-    </p:tnLst>
-  </p:timing>
 </p:sld>
 </file>
 
@@ -9443,12 +13033,22 @@
 </file>
 
 <file path=customXml/item1.xml><?xml version="1.0" encoding="utf-8"?>
-<?mso-contentType ?>
-<FormTemplates xmlns="http://schemas.microsoft.com/sharepoint/v3/contenttype/forms">
-  <Display>DocumentLibraryForm</Display>
-  <Edit>DocumentLibraryForm</Edit>
-  <New>DocumentLibraryForm</New>
-</FormTemplates>
+<p:properties xmlns:p="http://schemas.microsoft.com/office/2006/metadata/properties" xmlns:xsi="http://www.w3.org/2001/XMLSchema-instance" xmlns:pc="http://schemas.microsoft.com/office/infopath/2007/PartnerControls">
+  <documentManagement>
+    <Status xmlns="71af3243-3dd4-4a8d-8c0d-dd76da1f02a5">Not started</Status>
+    <_ip_UnifiedCompliancePolicyUIAction xmlns="http://schemas.microsoft.com/sharepoint/v3" xsi:nil="true"/>
+    <Image xmlns="71af3243-3dd4-4a8d-8c0d-dd76da1f02a5">
+      <Url xsi:nil="true"/>
+      <Description xsi:nil="true"/>
+    </Image>
+    <_ip_UnifiedCompliancePolicyProperties xmlns="http://schemas.microsoft.com/sharepoint/v3" xsi:nil="true"/>
+    <lcf76f155ced4ddcb4097134ff3c332f xmlns="71af3243-3dd4-4a8d-8c0d-dd76da1f02a5">
+      <Terms xmlns="http://schemas.microsoft.com/office/infopath/2007/PartnerControls"/>
+    </lcf76f155ced4ddcb4097134ff3c332f>
+    <TaxCatchAll xmlns="230e9df3-be65-4c73-a93b-d1236ebd677e"/>
+    <MediaServiceKeyPoints xmlns="71af3243-3dd4-4a8d-8c0d-dd76da1f02a5" xsi:nil="true"/>
+  </documentManagement>
+</p:properties>
 </file>
 
 <file path=customXml/item2.xml><?xml version="1.0" encoding="utf-8"?>
@@ -9728,28 +13328,22 @@
 </file>
 
 <file path=customXml/item3.xml><?xml version="1.0" encoding="utf-8"?>
-<p:properties xmlns:p="http://schemas.microsoft.com/office/2006/metadata/properties" xmlns:xsi="http://www.w3.org/2001/XMLSchema-instance" xmlns:pc="http://schemas.microsoft.com/office/infopath/2007/PartnerControls">
-  <documentManagement>
-    <Status xmlns="71af3243-3dd4-4a8d-8c0d-dd76da1f02a5">Not started</Status>
-    <_ip_UnifiedCompliancePolicyUIAction xmlns="http://schemas.microsoft.com/sharepoint/v3" xsi:nil="true"/>
-    <Image xmlns="71af3243-3dd4-4a8d-8c0d-dd76da1f02a5">
-      <Url xsi:nil="true"/>
-      <Description xsi:nil="true"/>
-    </Image>
-    <_ip_UnifiedCompliancePolicyProperties xmlns="http://schemas.microsoft.com/sharepoint/v3" xsi:nil="true"/>
-    <lcf76f155ced4ddcb4097134ff3c332f xmlns="71af3243-3dd4-4a8d-8c0d-dd76da1f02a5">
-      <Terms xmlns="http://schemas.microsoft.com/office/infopath/2007/PartnerControls"/>
-    </lcf76f155ced4ddcb4097134ff3c332f>
-    <TaxCatchAll xmlns="230e9df3-be65-4c73-a93b-d1236ebd677e"/>
-    <MediaServiceKeyPoints xmlns="71af3243-3dd4-4a8d-8c0d-dd76da1f02a5" xsi:nil="true"/>
-  </documentManagement>
-</p:properties>
+<?mso-contentType ?>
+<FormTemplates xmlns="http://schemas.microsoft.com/sharepoint/v3/contenttype/forms">
+  <Display>DocumentLibraryForm</Display>
+  <Edit>DocumentLibraryForm</Edit>
+  <New>DocumentLibraryForm</New>
+</FormTemplates>
 </file>
 
 <file path=customXml/itemProps1.xml><?xml version="1.0" encoding="utf-8"?>
-<ds:datastoreItem xmlns:ds="http://schemas.openxmlformats.org/officeDocument/2006/customXml" ds:itemID="{0F9CE79C-5104-4273-B83B-D03AD839A8F7}">
+<ds:datastoreItem xmlns:ds="http://schemas.openxmlformats.org/officeDocument/2006/customXml" ds:itemID="{4E18D074-6F3D-488C-8220-03C2DEFDE854}">
   <ds:schemaRefs>
-    <ds:schemaRef ds:uri="http://schemas.microsoft.com/sharepoint/v3/contenttype/forms"/>
+    <ds:schemaRef ds:uri="http://schemas.microsoft.com/office/2006/metadata/properties"/>
+    <ds:schemaRef ds:uri="http://schemas.microsoft.com/office/infopath/2007/PartnerControls"/>
+    <ds:schemaRef ds:uri="71af3243-3dd4-4a8d-8c0d-dd76da1f02a5"/>
+    <ds:schemaRef ds:uri="http://schemas.microsoft.com/sharepoint/v3"/>
+    <ds:schemaRef ds:uri="230e9df3-be65-4c73-a93b-d1236ebd677e"/>
   </ds:schemaRefs>
 </ds:datastoreItem>
 </file>
@@ -9776,13 +13370,9 @@
 </file>
 
 <file path=customXml/itemProps3.xml><?xml version="1.0" encoding="utf-8"?>
-<ds:datastoreItem xmlns:ds="http://schemas.openxmlformats.org/officeDocument/2006/customXml" ds:itemID="{4E18D074-6F3D-488C-8220-03C2DEFDE854}">
+<ds:datastoreItem xmlns:ds="http://schemas.openxmlformats.org/officeDocument/2006/customXml" ds:itemID="{0F9CE79C-5104-4273-B83B-D03AD839A8F7}">
   <ds:schemaRefs>
-    <ds:schemaRef ds:uri="http://schemas.microsoft.com/office/2006/metadata/properties"/>
-    <ds:schemaRef ds:uri="http://schemas.microsoft.com/office/infopath/2007/PartnerControls"/>
-    <ds:schemaRef ds:uri="71af3243-3dd4-4a8d-8c0d-dd76da1f02a5"/>
-    <ds:schemaRef ds:uri="http://schemas.microsoft.com/sharepoint/v3"/>
-    <ds:schemaRef ds:uri="230e9df3-be65-4c73-a93b-d1236ebd677e"/>
+    <ds:schemaRef ds:uri="http://schemas.microsoft.com/sharepoint/v3/contenttype/forms"/>
   </ds:schemaRefs>
 </ds:datastoreItem>
 </file>
--- a/lab8/CS50 Lab 8.pptx
+++ b/lab8/CS50 Lab 8.pptx
@@ -5,10 +5,10 @@
     <p:sldMasterId id="2147483705" r:id="rId4"/>
   </p:sldMasterIdLst>
   <p:notesMasterIdLst>
-    <p:notesMasterId r:id="rId24"/>
+    <p:notesMasterId r:id="rId25"/>
   </p:notesMasterIdLst>
   <p:handoutMasterIdLst>
-    <p:handoutMasterId r:id="rId25"/>
+    <p:handoutMasterId r:id="rId26"/>
   </p:handoutMasterIdLst>
   <p:sldIdLst>
     <p:sldId id="1866" r:id="rId5"/>
@@ -27,9 +27,10 @@
     <p:sldId id="1910" r:id="rId18"/>
     <p:sldId id="1914" r:id="rId19"/>
     <p:sldId id="1916" r:id="rId20"/>
-    <p:sldId id="1908" r:id="rId21"/>
-    <p:sldId id="1870" r:id="rId22"/>
-    <p:sldId id="1874" r:id="rId23"/>
+    <p:sldId id="1926" r:id="rId21"/>
+    <p:sldId id="1908" r:id="rId22"/>
+    <p:sldId id="1870" r:id="rId23"/>
+    <p:sldId id="1874" r:id="rId24"/>
   </p:sldIdLst>
   <p:sldSz cx="12192000" cy="6858000"/>
   <p:notesSz cx="6858000" cy="9144000"/>
@@ -179,6 +180,7 @@
             <p14:sldId id="1910"/>
             <p14:sldId id="1914"/>
             <p14:sldId id="1916"/>
+            <p14:sldId id="1926"/>
             <p14:sldId id="1908"/>
             <p14:sldId id="1870"/>
             <p14:sldId id="1874"/>
@@ -220,7 +222,7 @@
 <file path=ppt/revisionInfo.xml><?xml version="1.0" encoding="utf-8"?>
 <p1510:revInfo xmlns:a="http://schemas.openxmlformats.org/drawingml/2006/main" xmlns:r="http://schemas.openxmlformats.org/officeDocument/2006/relationships" xmlns:p1510="http://schemas.microsoft.com/office/powerpoint/2015/10/main">
   <p1510:revLst>
-    <p1510:client id="{40E47910-EB4D-4C38-BCAC-E332E313F31D}" v="13" dt="2022-11-03T17:25:24.480"/>
+    <p1510:client id="{40E47910-EB4D-4C38-BCAC-E332E313F31D}" v="16" dt="2022-11-04T20:26:25.711"/>
   </p1510:revLst>
 </p1510:revInfo>
 </file>
@@ -2689,7 +2691,7 @@
   <pc:docChgLst>
     <pc:chgData name="Andrew Holmes" userId="eb9da5768798d098" providerId="LiveId" clId="{40E47910-EB4D-4C38-BCAC-E332E313F31D}"/>
     <pc:docChg chg="undo custSel addSld delSld modSld sldOrd modSection">
-      <pc:chgData name="Andrew Holmes" userId="eb9da5768798d098" providerId="LiveId" clId="{40E47910-EB4D-4C38-BCAC-E332E313F31D}" dt="2022-11-03T17:56:06.909" v="3899" actId="20577"/>
+      <pc:chgData name="Andrew Holmes" userId="eb9da5768798d098" providerId="LiveId" clId="{40E47910-EB4D-4C38-BCAC-E332E313F31D}" dt="2022-11-04T20:26:31.458" v="3943" actId="21"/>
       <pc:docMkLst>
         <pc:docMk/>
       </pc:docMkLst>
@@ -2769,7 +2771,7 @@
         </pc:sldMkLst>
       </pc:sldChg>
       <pc:sldChg chg="addSp delSp modSp mod">
-        <pc:chgData name="Andrew Holmes" userId="eb9da5768798d098" providerId="LiveId" clId="{40E47910-EB4D-4C38-BCAC-E332E313F31D}" dt="2022-11-03T17:11:41.207" v="2555" actId="20577"/>
+        <pc:chgData name="Andrew Holmes" userId="eb9da5768798d098" providerId="LiveId" clId="{40E47910-EB4D-4C38-BCAC-E332E313F31D}" dt="2022-11-04T20:26:18.491" v="3939" actId="21"/>
         <pc:sldMkLst>
           <pc:docMk/>
           <pc:sldMk cId="3766814269" sldId="1908"/>
@@ -2783,7 +2785,7 @@
           </ac:spMkLst>
         </pc:spChg>
         <pc:spChg chg="mod">
-          <ac:chgData name="Andrew Holmes" userId="eb9da5768798d098" providerId="LiveId" clId="{40E47910-EB4D-4C38-BCAC-E332E313F31D}" dt="2022-11-03T17:11:40.001" v="2554" actId="1076"/>
+          <ac:chgData name="Andrew Holmes" userId="eb9da5768798d098" providerId="LiveId" clId="{40E47910-EB4D-4C38-BCAC-E332E313F31D}" dt="2022-11-03T18:03:05.324" v="3912" actId="1076"/>
           <ac:spMkLst>
             <pc:docMk/>
             <pc:sldMk cId="3766814269" sldId="1908"/>
@@ -2798,12 +2800,28 @@
             <ac:picMk id="2" creationId="{54C271D8-E932-A312-E406-5E0C796A3EA5}"/>
           </ac:picMkLst>
         </pc:picChg>
+        <pc:picChg chg="add del mod">
+          <ac:chgData name="Andrew Holmes" userId="eb9da5768798d098" providerId="LiveId" clId="{40E47910-EB4D-4C38-BCAC-E332E313F31D}" dt="2022-11-04T20:26:18.491" v="3939" actId="21"/>
+          <ac:picMkLst>
+            <pc:docMk/>
+            <pc:sldMk cId="3766814269" sldId="1908"/>
+            <ac:picMk id="2" creationId="{FA64C38C-0777-12A1-FC57-6A2561C5A821}"/>
+          </ac:picMkLst>
+        </pc:picChg>
         <pc:picChg chg="add mod">
-          <ac:chgData name="Andrew Holmes" userId="eb9da5768798d098" providerId="LiveId" clId="{40E47910-EB4D-4C38-BCAC-E332E313F31D}" dt="2022-11-03T17:11:36.526" v="2553" actId="1076"/>
+          <ac:chgData name="Andrew Holmes" userId="eb9da5768798d098" providerId="LiveId" clId="{40E47910-EB4D-4C38-BCAC-E332E313F31D}" dt="2022-11-03T18:03:06.275" v="3913" actId="1076"/>
           <ac:picMkLst>
             <pc:docMk/>
             <pc:sldMk cId="3766814269" sldId="1908"/>
             <ac:picMk id="3" creationId="{DA419F18-6BB2-AA41-AFE8-7A3948156B21}"/>
+          </ac:picMkLst>
+        </pc:picChg>
+        <pc:picChg chg="add mod">
+          <ac:chgData name="Andrew Holmes" userId="eb9da5768798d098" providerId="LiveId" clId="{40E47910-EB4D-4C38-BCAC-E332E313F31D}" dt="2022-11-03T18:03:10.708" v="3916" actId="1076"/>
+          <ac:picMkLst>
+            <pc:docMk/>
+            <pc:sldMk cId="3766814269" sldId="1908"/>
+            <ac:picMk id="4" creationId="{B707CA2F-ABDD-8A9F-60A5-F3A900AD45F7}"/>
           </ac:picMkLst>
         </pc:picChg>
       </pc:sldChg>
@@ -3020,8 +3038,8 @@
           </ac:picMkLst>
         </pc:picChg>
       </pc:sldChg>
-      <pc:sldChg chg="addSp modSp new mod">
-        <pc:chgData name="Andrew Holmes" userId="eb9da5768798d098" providerId="LiveId" clId="{40E47910-EB4D-4C38-BCAC-E332E313F31D}" dt="2022-11-03T16:59:07.506" v="1902" actId="113"/>
+      <pc:sldChg chg="addSp delSp modSp new mod">
+        <pc:chgData name="Andrew Holmes" userId="eb9da5768798d098" providerId="LiveId" clId="{40E47910-EB4D-4C38-BCAC-E332E313F31D}" dt="2022-11-04T20:26:31.458" v="3943" actId="21"/>
         <pc:sldMkLst>
           <pc:docMk/>
           <pc:sldMk cId="125621075" sldId="1919"/>
@@ -3050,9 +3068,17 @@
             <ac:picMk id="4" creationId="{5DA26D26-1100-E0F9-1E52-FD47510C0A58}"/>
           </ac:picMkLst>
         </pc:picChg>
+        <pc:picChg chg="add del mod">
+          <ac:chgData name="Andrew Holmes" userId="eb9da5768798d098" providerId="LiveId" clId="{40E47910-EB4D-4C38-BCAC-E332E313F31D}" dt="2022-11-04T20:26:31.458" v="3943" actId="21"/>
+          <ac:picMkLst>
+            <pc:docMk/>
+            <pc:sldMk cId="125621075" sldId="1919"/>
+            <ac:picMk id="5" creationId="{7740F2C4-0B58-23DA-9D27-686C65C601BE}"/>
+          </ac:picMkLst>
+        </pc:picChg>
       </pc:sldChg>
       <pc:sldChg chg="addSp delSp modSp new mod modClrScheme chgLayout">
-        <pc:chgData name="Andrew Holmes" userId="eb9da5768798d098" providerId="LiveId" clId="{40E47910-EB4D-4C38-BCAC-E332E313F31D}" dt="2022-11-03T17:02:18.111" v="2036" actId="1076"/>
+        <pc:chgData name="Andrew Holmes" userId="eb9da5768798d098" providerId="LiveId" clId="{40E47910-EB4D-4C38-BCAC-E332E313F31D}" dt="2022-11-04T20:26:15.736" v="3937" actId="22"/>
         <pc:sldMkLst>
           <pc:docMk/>
           <pc:sldMk cId="353373354" sldId="1920"/>
@@ -3087,6 +3113,14 @@
             <pc:docMk/>
             <pc:sldMk cId="353373354" sldId="1920"/>
             <ac:spMk id="5" creationId="{0A229211-C943-596C-4E0D-02931A94C0BA}"/>
+          </ac:spMkLst>
+        </pc:spChg>
+        <pc:spChg chg="add del">
+          <ac:chgData name="Andrew Holmes" userId="eb9da5768798d098" providerId="LiveId" clId="{40E47910-EB4D-4C38-BCAC-E332E313F31D}" dt="2022-11-04T20:26:15.736" v="3937" actId="22"/>
+          <ac:spMkLst>
+            <pc:docMk/>
+            <pc:sldMk cId="353373354" sldId="1920"/>
+            <ac:spMk id="5" creationId="{595D844B-DD09-ED69-EBF2-778E18DBFC27}"/>
           </ac:spMkLst>
         </pc:spChg>
         <pc:spChg chg="add mod ord">
@@ -3314,6 +3348,37 @@
             <pc:docMk/>
             <pc:sldMk cId="1775961184" sldId="1925"/>
             <ac:spMk id="5" creationId="{0D23BF39-FAAA-A9BD-D8FE-3ED06A727328}"/>
+          </ac:spMkLst>
+        </pc:spChg>
+      </pc:sldChg>
+      <pc:sldChg chg="addSp delSp modSp new mod chgLayout">
+        <pc:chgData name="Andrew Holmes" userId="eb9da5768798d098" providerId="LiveId" clId="{40E47910-EB4D-4C38-BCAC-E332E313F31D}" dt="2022-11-03T18:04:18.109" v="3934" actId="20577"/>
+        <pc:sldMkLst>
+          <pc:docMk/>
+          <pc:sldMk cId="276252647" sldId="1926"/>
+        </pc:sldMkLst>
+        <pc:spChg chg="del">
+          <ac:chgData name="Andrew Holmes" userId="eb9da5768798d098" providerId="LiveId" clId="{40E47910-EB4D-4C38-BCAC-E332E313F31D}" dt="2022-11-03T18:04:15.094" v="3919" actId="700"/>
+          <ac:spMkLst>
+            <pc:docMk/>
+            <pc:sldMk cId="276252647" sldId="1926"/>
+            <ac:spMk id="2" creationId="{CD746E1E-DF01-B45B-A6B5-DBD995538A02}"/>
+          </ac:spMkLst>
+        </pc:spChg>
+        <pc:spChg chg="del mod ord">
+          <ac:chgData name="Andrew Holmes" userId="eb9da5768798d098" providerId="LiveId" clId="{40E47910-EB4D-4C38-BCAC-E332E313F31D}" dt="2022-11-03T18:04:15.094" v="3919" actId="700"/>
+          <ac:spMkLst>
+            <pc:docMk/>
+            <pc:sldMk cId="276252647" sldId="1926"/>
+            <ac:spMk id="3" creationId="{06353CA0-A279-10CB-656F-848501ED4A70}"/>
+          </ac:spMkLst>
+        </pc:spChg>
+        <pc:spChg chg="add mod ord">
+          <ac:chgData name="Andrew Holmes" userId="eb9da5768798d098" providerId="LiveId" clId="{40E47910-EB4D-4C38-BCAC-E332E313F31D}" dt="2022-11-03T18:04:18.109" v="3934" actId="20577"/>
+          <ac:spMkLst>
+            <pc:docMk/>
+            <pc:sldMk cId="276252647" sldId="1926"/>
+            <ac:spMk id="4" creationId="{74038889-A3F2-06CF-9E68-AF3787AB2686}"/>
           </ac:spMkLst>
         </pc:spChg>
       </pc:sldChg>
@@ -3416,7 +3481,7 @@
           <a:p>
             <a:fld id="{148EE06D-E2C5-4DF1-B3C1-8E9169AAB10D}" type="datetimeFigureOut">
               <a:rPr lang="en-US" smtClean="0"/>
-              <a:t>11/3/2022</a:t>
+              <a:t>11/4/2022</a:t>
             </a:fld>
             <a:endParaRPr lang="en-US" dirty="0"/>
           </a:p>
@@ -4944,7 +5009,7 @@
           <a:p>
             <a:fld id="{50A1B9BC-7BE7-4893-90FD-CC95830FD8F2}" type="datetimeFigureOut">
               <a:rPr lang="en-US" smtClean="0"/>
-              <a:t>11/3/2022</a:t>
+              <a:t>11/4/2022</a:t>
             </a:fld>
             <a:endParaRPr lang="en-US" dirty="0"/>
           </a:p>
@@ -7037,7 +7102,7 @@
             <a:fld id="{1D364696-E1F3-49EF-AEC8-730A16D9A23F}" type="datetimeFigureOut">
               <a:rPr lang="en-US" altLang="en-US" smtClean="0"/>
               <a:pPr/>
-              <a:t>11/3/2022</a:t>
+              <a:t>11/4/2022</a:t>
             </a:fld>
             <a:endParaRPr lang="en-US" altLang="en-US" dirty="0"/>
           </a:p>
@@ -8198,13 +8263,13 @@
   <p:clrMapOvr>
     <a:masterClrMapping/>
   </p:clrMapOvr>
-  <mc:AlternateContent xmlns:mc="http://schemas.openxmlformats.org/markup-compatibility/2006">
-    <mc:Choice xmlns:p14="http://schemas.microsoft.com/office/powerpoint/2010/main" Requires="p14">
+  <mc:AlternateContent xmlns:mc="http://schemas.openxmlformats.org/markup-compatibility/2006" xmlns:p14="http://schemas.microsoft.com/office/powerpoint/2010/main">
+    <mc:Choice Requires="p14">
       <p:transition spd="med" p14:dur="700">
         <p:fade/>
       </p:transition>
     </mc:Choice>
-    <mc:Fallback>
+    <mc:Fallback xmlns="">
       <p:transition spd="med">
         <p:fade/>
       </p:transition>
@@ -8683,13 +8748,13 @@
   <p:clrMapOvr>
     <a:masterClrMapping/>
   </p:clrMapOvr>
-  <mc:AlternateContent xmlns:mc="http://schemas.openxmlformats.org/markup-compatibility/2006">
-    <mc:Choice xmlns:p14="http://schemas.microsoft.com/office/powerpoint/2010/main" Requires="p14">
+  <mc:AlternateContent xmlns:mc="http://schemas.openxmlformats.org/markup-compatibility/2006" xmlns:p14="http://schemas.microsoft.com/office/powerpoint/2010/main">
+    <mc:Choice Requires="p14">
       <p:transition spd="med" p14:dur="700">
         <p:fade/>
       </p:transition>
     </mc:Choice>
-    <mc:Fallback>
+    <mc:Fallback xmlns="">
       <p:transition spd="med">
         <p:fade/>
       </p:transition>
@@ -9082,13 +9147,13 @@
   <p:clrMapOvr>
     <a:masterClrMapping/>
   </p:clrMapOvr>
-  <mc:AlternateContent xmlns:mc="http://schemas.openxmlformats.org/markup-compatibility/2006">
-    <mc:Choice xmlns:p14="http://schemas.microsoft.com/office/powerpoint/2010/main" Requires="p14">
+  <mc:AlternateContent xmlns:mc="http://schemas.openxmlformats.org/markup-compatibility/2006" xmlns:p14="http://schemas.microsoft.com/office/powerpoint/2010/main">
+    <mc:Choice Requires="p14">
       <p:transition spd="med" p14:dur="700">
         <p:fade/>
       </p:transition>
     </mc:Choice>
-    <mc:Fallback>
+    <mc:Fallback xmlns="">
       <p:transition spd="med">
         <p:fade/>
       </p:transition>
@@ -9098,6 +9163,69 @@
 </file>
 
 <file path=ppt/slides/slide17.xml><?xml version="1.0" encoding="utf-8"?>
+<p:sld xmlns:a="http://schemas.openxmlformats.org/drawingml/2006/main" xmlns:r="http://schemas.openxmlformats.org/officeDocument/2006/relationships" xmlns:p="http://schemas.openxmlformats.org/presentationml/2006/main">
+  <p:cSld>
+    <p:spTree>
+      <p:nvGrpSpPr>
+        <p:cNvPr id="1" name=""/>
+        <p:cNvGrpSpPr/>
+        <p:nvPr/>
+      </p:nvGrpSpPr>
+      <p:grpSpPr>
+        <a:xfrm>
+          <a:off x="0" y="0"/>
+          <a:ext cx="0" cy="0"/>
+          <a:chOff x="0" y="0"/>
+          <a:chExt cx="0" cy="0"/>
+        </a:xfrm>
+      </p:grpSpPr>
+      <p:sp>
+        <p:nvSpPr>
+          <p:cNvPr id="4" name="Title 3">
+            <a:extLst>
+              <a:ext uri="{FF2B5EF4-FFF2-40B4-BE49-F238E27FC236}">
+                <a16:creationId xmlns:a16="http://schemas.microsoft.com/office/drawing/2014/main" id="{74038889-A3F2-06CF-9E68-AF3787AB2686}"/>
+              </a:ext>
+            </a:extLst>
+          </p:cNvPr>
+          <p:cNvSpPr>
+            <a:spLocks noGrp="1"/>
+          </p:cNvSpPr>
+          <p:nvPr>
+            <p:ph type="title"/>
+          </p:nvPr>
+        </p:nvSpPr>
+        <p:spPr/>
+        <p:txBody>
+          <a:bodyPr/>
+          <a:lstStyle/>
+          <a:p>
+            <a:r>
+              <a:rPr lang="en-US" err="1"/>
+              <a:t>Javascript</a:t>
+            </a:r>
+            <a:r>
+              <a:rPr lang="en-US"/>
+              <a:t> demo</a:t>
+            </a:r>
+            <a:endParaRPr lang="en-GB"/>
+          </a:p>
+        </p:txBody>
+      </p:sp>
+    </p:spTree>
+    <p:extLst>
+      <p:ext uri="{BB962C8B-B14F-4D97-AF65-F5344CB8AC3E}">
+        <p14:creationId xmlns:p14="http://schemas.microsoft.com/office/powerpoint/2010/main" val="276252647"/>
+      </p:ext>
+    </p:extLst>
+  </p:cSld>
+  <p:clrMapOvr>
+    <a:masterClrMapping/>
+  </p:clrMapOvr>
+</p:sld>
+</file>
+
+<file path=ppt/slides/slide18.xml><?xml version="1.0" encoding="utf-8"?>
 <p:sld xmlns:a="http://schemas.openxmlformats.org/drawingml/2006/main" xmlns:r="http://schemas.openxmlformats.org/officeDocument/2006/relationships" xmlns:p="http://schemas.openxmlformats.org/presentationml/2006/main">
   <p:cSld>
     <p:spTree>
@@ -9161,7 +9289,7 @@
         </p:nvSpPr>
         <p:spPr>
           <a:xfrm>
-            <a:off x="3493416" y="3783970"/>
+            <a:off x="4999291" y="3681333"/>
             <a:ext cx="5205167" cy="3882313"/>
           </a:xfrm>
         </p:spPr>
@@ -9212,8 +9340,38 @@
         </p:blipFill>
         <p:spPr>
           <a:xfrm>
-            <a:off x="2740479" y="1514483"/>
+            <a:off x="4351833" y="1463164"/>
             <a:ext cx="6711042" cy="2087134"/>
+          </a:xfrm>
+          <a:prstGeom prst="rect">
+            <a:avLst/>
+          </a:prstGeom>
+        </p:spPr>
+      </p:pic>
+      <p:pic>
+        <p:nvPicPr>
+          <p:cNvPr id="4" name="Picture 3">
+            <a:extLst>
+              <a:ext uri="{FF2B5EF4-FFF2-40B4-BE49-F238E27FC236}">
+                <a16:creationId xmlns:a16="http://schemas.microsoft.com/office/drawing/2014/main" id="{B707CA2F-ABDD-8A9F-60A5-F3A900AD45F7}"/>
+              </a:ext>
+            </a:extLst>
+          </p:cNvPr>
+          <p:cNvPicPr>
+            <a:picLocks noChangeAspect="1"/>
+          </p:cNvPicPr>
+          <p:nvPr/>
+        </p:nvPicPr>
+        <p:blipFill>
+          <a:blip r:embed="rId4"/>
+          <a:stretch>
+            <a:fillRect/>
+          </a:stretch>
+        </p:blipFill>
+        <p:spPr>
+          <a:xfrm>
+            <a:off x="1129125" y="1860111"/>
+            <a:ext cx="2868059" cy="3882313"/>
           </a:xfrm>
           <a:prstGeom prst="rect">
             <a:avLst/>
@@ -9233,7 +9391,7 @@
 </p:sld>
 </file>
 
-<file path=ppt/slides/slide18.xml><?xml version="1.0" encoding="utf-8"?>
+<file path=ppt/slides/slide19.xml><?xml version="1.0" encoding="utf-8"?>
 <p:sld xmlns:a="http://schemas.openxmlformats.org/drawingml/2006/main" xmlns:r="http://schemas.openxmlformats.org/officeDocument/2006/relationships" xmlns:p="http://schemas.openxmlformats.org/presentationml/2006/main">
   <p:cSld>
     <p:spTree>
@@ -9369,154 +9527,6 @@
     <p:extLst>
       <p:ext uri="{BB962C8B-B14F-4D97-AF65-F5344CB8AC3E}">
         <p14:creationId xmlns:p14="http://schemas.microsoft.com/office/powerpoint/2010/main" val="2701910104"/>
-      </p:ext>
-    </p:extLst>
-  </p:cSld>
-  <p:clrMapOvr>
-    <a:masterClrMapping/>
-  </p:clrMapOvr>
-  <mc:AlternateContent xmlns:mc="http://schemas.openxmlformats.org/markup-compatibility/2006" xmlns:p14="http://schemas.microsoft.com/office/powerpoint/2010/main">
-    <mc:Choice Requires="p14">
-      <p:transition spd="med" p14:dur="700">
-        <p:fade/>
-      </p:transition>
-    </mc:Choice>
-    <mc:Fallback xmlns="">
-      <p:transition spd="med">
-        <p:fade/>
-      </p:transition>
-    </mc:Fallback>
-  </mc:AlternateContent>
-</p:sld>
-</file>
-
-<file path=ppt/slides/slide19.xml><?xml version="1.0" encoding="utf-8"?>
-<p:sld xmlns:a="http://schemas.openxmlformats.org/drawingml/2006/main" xmlns:r="http://schemas.openxmlformats.org/officeDocument/2006/relationships" xmlns:p="http://schemas.openxmlformats.org/presentationml/2006/main">
-  <p:cSld>
-    <p:bg>
-      <p:bgPr>
-        <a:solidFill>
-          <a:schemeClr val="accent5"/>
-        </a:solidFill>
-        <a:effectLst/>
-      </p:bgPr>
-    </p:bg>
-    <p:spTree>
-      <p:nvGrpSpPr>
-        <p:cNvPr id="1" name=""/>
-        <p:cNvGrpSpPr/>
-        <p:nvPr/>
-      </p:nvGrpSpPr>
-      <p:grpSpPr>
-        <a:xfrm>
-          <a:off x="0" y="0"/>
-          <a:ext cx="0" cy="0"/>
-          <a:chOff x="0" y="0"/>
-          <a:chExt cx="0" cy="0"/>
-        </a:xfrm>
-      </p:grpSpPr>
-      <p:sp>
-        <p:nvSpPr>
-          <p:cNvPr id="4" name="Title 3">
-            <a:extLst>
-              <a:ext uri="{FF2B5EF4-FFF2-40B4-BE49-F238E27FC236}">
-                <a16:creationId xmlns:a16="http://schemas.microsoft.com/office/drawing/2014/main" id="{FD9E38B3-4686-8247-9625-49018D29F408}"/>
-              </a:ext>
-            </a:extLst>
-          </p:cNvPr>
-          <p:cNvSpPr>
-            <a:spLocks noGrp="1"/>
-          </p:cNvSpPr>
-          <p:nvPr>
-            <p:ph type="title"/>
-          </p:nvPr>
-        </p:nvSpPr>
-        <p:spPr>
-          <a:xfrm>
-            <a:off x="1525298" y="4909145"/>
-            <a:ext cx="9141397" cy="615553"/>
-          </a:xfrm>
-        </p:spPr>
-        <p:txBody>
-          <a:bodyPr/>
-          <a:lstStyle/>
-          <a:p>
-            <a:pPr algn="ctr"/>
-            <a:r>
-              <a:rPr lang="en-US" sz="4000" b="1" dirty="0" err="1">
-                <a:solidFill>
-                  <a:schemeClr val="tx1"/>
-                </a:solidFill>
-              </a:rPr>
-              <a:t>Cya</a:t>
-            </a:r>
-            <a:r>
-              <a:rPr lang="en-US" sz="4000" b="1" dirty="0">
-                <a:solidFill>
-                  <a:schemeClr val="tx1"/>
-                </a:solidFill>
-              </a:rPr>
-              <a:t> next week :D</a:t>
-            </a:r>
-            <a:endParaRPr lang="en-US" b="1" dirty="0">
-              <a:solidFill>
-                <a:schemeClr val="tx1"/>
-              </a:solidFill>
-            </a:endParaRPr>
-          </a:p>
-        </p:txBody>
-      </p:sp>
-      <p:pic>
-        <p:nvPicPr>
-          <p:cNvPr id="3074" name="Picture 2" descr="Pokémon Go Community Day September - Oshawott | WePC">
-            <a:extLst>
-              <a:ext uri="{FF2B5EF4-FFF2-40B4-BE49-F238E27FC236}">
-                <a16:creationId xmlns:a16="http://schemas.microsoft.com/office/drawing/2014/main" id="{50D6D74D-57BF-C327-B2B4-C68ED958CA4C}"/>
-              </a:ext>
-            </a:extLst>
-          </p:cNvPr>
-          <p:cNvPicPr>
-            <a:picLocks noChangeAspect="1" noChangeArrowheads="1"/>
-          </p:cNvPicPr>
-          <p:nvPr/>
-        </p:nvPicPr>
-        <p:blipFill>
-          <a:blip r:embed="rId2">
-            <a:extLst>
-              <a:ext uri="{28A0092B-C50C-407E-A947-70E740481C1C}">
-                <a14:useLocalDpi xmlns:a14="http://schemas.microsoft.com/office/drawing/2010/main" val="0"/>
-              </a:ext>
-            </a:extLst>
-          </a:blip>
-          <a:srcRect/>
-          <a:stretch>
-            <a:fillRect/>
-          </a:stretch>
-        </p:blipFill>
-        <p:spPr bwMode="auto">
-          <a:xfrm>
-            <a:off x="2882120" y="788437"/>
-            <a:ext cx="6427755" cy="3615612"/>
-          </a:xfrm>
-          <a:prstGeom prst="rect">
-            <a:avLst/>
-          </a:prstGeom>
-          <a:noFill/>
-          <a:extLst>
-            <a:ext uri="{909E8E84-426E-40DD-AFC4-6F175D3DCCD1}">
-              <a14:hiddenFill xmlns:a14="http://schemas.microsoft.com/office/drawing/2010/main">
-                <a:solidFill>
-                  <a:srgbClr val="FFFFFF"/>
-                </a:solidFill>
-              </a14:hiddenFill>
-            </a:ext>
-          </a:extLst>
-        </p:spPr>
-      </p:pic>
-    </p:spTree>
-    <p:extLst>
-      <p:ext uri="{BB962C8B-B14F-4D97-AF65-F5344CB8AC3E}">
-        <p14:creationId xmlns:p14="http://schemas.microsoft.com/office/powerpoint/2010/main" val="1533608244"/>
       </p:ext>
     </p:extLst>
   </p:cSld>
@@ -9728,6 +9738,154 @@
     <p:extLst>
       <p:ext uri="{BB962C8B-B14F-4D97-AF65-F5344CB8AC3E}">
         <p14:creationId xmlns:p14="http://schemas.microsoft.com/office/powerpoint/2010/main" val="85230843"/>
+      </p:ext>
+    </p:extLst>
+  </p:cSld>
+  <p:clrMapOvr>
+    <a:masterClrMapping/>
+  </p:clrMapOvr>
+  <mc:AlternateContent xmlns:mc="http://schemas.openxmlformats.org/markup-compatibility/2006" xmlns:p14="http://schemas.microsoft.com/office/powerpoint/2010/main">
+    <mc:Choice Requires="p14">
+      <p:transition spd="med" p14:dur="700">
+        <p:fade/>
+      </p:transition>
+    </mc:Choice>
+    <mc:Fallback xmlns="">
+      <p:transition spd="med">
+        <p:fade/>
+      </p:transition>
+    </mc:Fallback>
+  </mc:AlternateContent>
+</p:sld>
+</file>
+
+<file path=ppt/slides/slide20.xml><?xml version="1.0" encoding="utf-8"?>
+<p:sld xmlns:a="http://schemas.openxmlformats.org/drawingml/2006/main" xmlns:r="http://schemas.openxmlformats.org/officeDocument/2006/relationships" xmlns:p="http://schemas.openxmlformats.org/presentationml/2006/main">
+  <p:cSld>
+    <p:bg>
+      <p:bgPr>
+        <a:solidFill>
+          <a:schemeClr val="accent5"/>
+        </a:solidFill>
+        <a:effectLst/>
+      </p:bgPr>
+    </p:bg>
+    <p:spTree>
+      <p:nvGrpSpPr>
+        <p:cNvPr id="1" name=""/>
+        <p:cNvGrpSpPr/>
+        <p:nvPr/>
+      </p:nvGrpSpPr>
+      <p:grpSpPr>
+        <a:xfrm>
+          <a:off x="0" y="0"/>
+          <a:ext cx="0" cy="0"/>
+          <a:chOff x="0" y="0"/>
+          <a:chExt cx="0" cy="0"/>
+        </a:xfrm>
+      </p:grpSpPr>
+      <p:sp>
+        <p:nvSpPr>
+          <p:cNvPr id="4" name="Title 3">
+            <a:extLst>
+              <a:ext uri="{FF2B5EF4-FFF2-40B4-BE49-F238E27FC236}">
+                <a16:creationId xmlns:a16="http://schemas.microsoft.com/office/drawing/2014/main" id="{FD9E38B3-4686-8247-9625-49018D29F408}"/>
+              </a:ext>
+            </a:extLst>
+          </p:cNvPr>
+          <p:cNvSpPr>
+            <a:spLocks noGrp="1"/>
+          </p:cNvSpPr>
+          <p:nvPr>
+            <p:ph type="title"/>
+          </p:nvPr>
+        </p:nvSpPr>
+        <p:spPr>
+          <a:xfrm>
+            <a:off x="1525298" y="4909145"/>
+            <a:ext cx="9141397" cy="615553"/>
+          </a:xfrm>
+        </p:spPr>
+        <p:txBody>
+          <a:bodyPr/>
+          <a:lstStyle/>
+          <a:p>
+            <a:pPr algn="ctr"/>
+            <a:r>
+              <a:rPr lang="en-US" sz="4000" b="1" dirty="0" err="1">
+                <a:solidFill>
+                  <a:schemeClr val="tx1"/>
+                </a:solidFill>
+              </a:rPr>
+              <a:t>Cya</a:t>
+            </a:r>
+            <a:r>
+              <a:rPr lang="en-US" sz="4000" b="1" dirty="0">
+                <a:solidFill>
+                  <a:schemeClr val="tx1"/>
+                </a:solidFill>
+              </a:rPr>
+              <a:t> next week :D</a:t>
+            </a:r>
+            <a:endParaRPr lang="en-US" b="1" dirty="0">
+              <a:solidFill>
+                <a:schemeClr val="tx1"/>
+              </a:solidFill>
+            </a:endParaRPr>
+          </a:p>
+        </p:txBody>
+      </p:sp>
+      <p:pic>
+        <p:nvPicPr>
+          <p:cNvPr id="3074" name="Picture 2" descr="Pokémon Go Community Day September - Oshawott | WePC">
+            <a:extLst>
+              <a:ext uri="{FF2B5EF4-FFF2-40B4-BE49-F238E27FC236}">
+                <a16:creationId xmlns:a16="http://schemas.microsoft.com/office/drawing/2014/main" id="{50D6D74D-57BF-C327-B2B4-C68ED958CA4C}"/>
+              </a:ext>
+            </a:extLst>
+          </p:cNvPr>
+          <p:cNvPicPr>
+            <a:picLocks noChangeAspect="1" noChangeArrowheads="1"/>
+          </p:cNvPicPr>
+          <p:nvPr/>
+        </p:nvPicPr>
+        <p:blipFill>
+          <a:blip r:embed="rId2">
+            <a:extLst>
+              <a:ext uri="{28A0092B-C50C-407E-A947-70E740481C1C}">
+                <a14:useLocalDpi xmlns:a14="http://schemas.microsoft.com/office/drawing/2010/main" val="0"/>
+              </a:ext>
+            </a:extLst>
+          </a:blip>
+          <a:srcRect/>
+          <a:stretch>
+            <a:fillRect/>
+          </a:stretch>
+        </p:blipFill>
+        <p:spPr bwMode="auto">
+          <a:xfrm>
+            <a:off x="2882120" y="788437"/>
+            <a:ext cx="6427755" cy="3615612"/>
+          </a:xfrm>
+          <a:prstGeom prst="rect">
+            <a:avLst/>
+          </a:prstGeom>
+          <a:noFill/>
+          <a:extLst>
+            <a:ext uri="{909E8E84-426E-40DD-AFC4-6F175D3DCCD1}">
+              <a14:hiddenFill xmlns:a14="http://schemas.microsoft.com/office/drawing/2010/main">
+                <a:solidFill>
+                  <a:srgbClr val="FFFFFF"/>
+                </a:solidFill>
+              </a14:hiddenFill>
+            </a:ext>
+          </a:extLst>
+        </p:spPr>
+      </p:pic>
+    </p:spTree>
+    <p:extLst>
+      <p:ext uri="{BB962C8B-B14F-4D97-AF65-F5344CB8AC3E}">
+        <p14:creationId xmlns:p14="http://schemas.microsoft.com/office/powerpoint/2010/main" val="1533608244"/>
       </p:ext>
     </p:extLst>
   </p:cSld>
